--- a/eindpresentatie.pptx
+++ b/eindpresentatie.pptx
@@ -5995,7 +5995,7 @@
         <p:spPr/>
         <p:txBody>
           <a:bodyPr>
-            <a:normAutofit fontScale="92500" lnSpcReduction="10000"/>
+            <a:normAutofit fontScale="85000" lnSpcReduction="20000"/>
           </a:bodyPr>
           <a:lstStyle/>
           <a:p>
@@ -6021,8 +6021,12 @@
             </a:pPr>
             <a:r>
               <a:rPr lang="nl-NL" sz="2000" dirty="0"/>
-              <a:t>150 huizen met zonnepanelen</a:t>
-            </a:r>
+              <a:t>Bestaan uit 150 huizen met zonnepanelen.</a:t>
+            </a:r>
+            <a:br>
+              <a:rPr lang="nl-NL" sz="2000" dirty="0"/>
+            </a:br>
+            <a:endParaRPr lang="nl-NL" sz="2000" dirty="0"/>
           </a:p>
           <a:p>
             <a:pPr lvl="1">
@@ -6031,7 +6035,21 @@
             </a:pPr>
             <a:r>
               <a:rPr lang="nl-NL" sz="2000" dirty="0"/>
-              <a:t>5 batterijen</a:t>
+              <a:t>De energie moet worden opgeslagen in 5 batterijen.</a:t>
+            </a:r>
+            <a:br>
+              <a:rPr lang="nl-NL" sz="2000" dirty="0"/>
+            </a:br>
+            <a:endParaRPr lang="nl-NL" sz="2000" dirty="0"/>
+          </a:p>
+          <a:p>
+            <a:pPr lvl="1">
+              <a:buFont typeface="Arial" panose="020B0604020202020204" pitchFamily="34" charset="0"/>
+              <a:buChar char="•"/>
+            </a:pPr>
+            <a:r>
+              <a:rPr lang="nl-NL" sz="2000" dirty="0"/>
+              <a:t>Door de huizen met kabels te verbinden aan de batterijen.</a:t>
             </a:r>
           </a:p>
           <a:p>
@@ -9736,10 +9754,14 @@
               <a:buChar char="•"/>
             </a:pPr>
             <a:r>
-              <a:rPr lang="nl-NL" sz="2800" b="1" i="1" dirty="0" err="1"/>
+              <a:rPr lang="nl-NL" b="1" i="1" dirty="0"/>
+              <a:t> </a:t>
+            </a:r>
+            <a:r>
+              <a:rPr lang="nl-NL" b="1" i="1" dirty="0" err="1"/>
               <a:t>Lowerbound</a:t>
             </a:r>
-            <a:endParaRPr lang="nl-NL" sz="2800" b="1" i="1" dirty="0"/>
+            <a:endParaRPr lang="nl-NL" b="1" i="1" dirty="0"/>
           </a:p>
           <a:p>
             <a:pPr lvl="1">
@@ -9747,7 +9769,7 @@
               <a:buChar char="•"/>
             </a:pPr>
             <a:r>
-              <a:rPr lang="nl-NL" sz="2600" dirty="0"/>
+              <a:rPr lang="nl-NL" sz="2000" dirty="0"/>
               <a:t>(5 * 5000) + (150 * afstand huis – dichtstbijzijnde batterij)</a:t>
             </a:r>
           </a:p>
@@ -9757,10 +9779,14 @@
               <a:buChar char="•"/>
             </a:pPr>
             <a:r>
-              <a:rPr lang="nl-NL" sz="2800" b="1" i="1" dirty="0" err="1"/>
+              <a:rPr lang="nl-NL" b="1" i="1" dirty="0"/>
+              <a:t> </a:t>
+            </a:r>
+            <a:r>
+              <a:rPr lang="nl-NL" b="1" i="1" dirty="0" err="1"/>
               <a:t>Upperbound</a:t>
             </a:r>
-            <a:endParaRPr lang="nl-NL" sz="2800" b="1" i="1" dirty="0"/>
+            <a:endParaRPr lang="nl-NL" b="1" i="1" dirty="0"/>
           </a:p>
           <a:p>
             <a:pPr lvl="1">
@@ -9768,10 +9794,9 @@
               <a:buChar char="•"/>
             </a:pPr>
             <a:r>
-              <a:rPr lang="nl-NL" sz="2400" dirty="0"/>
+              <a:rPr lang="nl-NL" sz="2000" dirty="0"/>
               <a:t>(5 * 5000) + (150 * afstand huis – verste batterij)</a:t>
             </a:r>
-            <a:endParaRPr lang="nl-NL" sz="2600" dirty="0"/>
           </a:p>
           <a:p>
             <a:pPr>
@@ -9779,10 +9804,14 @@
               <a:buChar char="•"/>
             </a:pPr>
             <a:r>
-              <a:rPr lang="nl-NL" sz="2800" b="1" i="1" dirty="0" err="1"/>
+              <a:rPr lang="nl-NL" b="1" i="1" dirty="0"/>
+              <a:t> </a:t>
+            </a:r>
+            <a:r>
+              <a:rPr lang="nl-NL" b="1" i="1" dirty="0" err="1"/>
               <a:t>Statespace</a:t>
             </a:r>
-            <a:endParaRPr lang="nl-NL" sz="2800" b="1" i="1" dirty="0"/>
+            <a:endParaRPr lang="nl-NL" b="1" i="1" dirty="0"/>
           </a:p>
           <a:p>
             <a:pPr marL="201168" lvl="1" indent="0">
@@ -9819,13 +9848,13 @@
           <p:nvPr>
             <p:extLst>
               <p:ext uri="{D42A27DB-BD31-4B8C-83A1-F6EECF244321}">
-                <p14:modId xmlns:p14="http://schemas.microsoft.com/office/powerpoint/2010/main" val="647923106"/>
+                <p14:modId xmlns:p14="http://schemas.microsoft.com/office/powerpoint/2010/main" val="687230311"/>
               </p:ext>
             </p:extLst>
           </p:nvPr>
         </p:nvGraphicFramePr>
         <p:xfrm>
-          <a:off x="7246714" y="4495853"/>
+          <a:off x="7157938" y="3857414"/>
           <a:ext cx="3848006" cy="1112520"/>
         </p:xfrm>
         <a:graphic>
@@ -9985,8 +10014,8 @@
         </p:blipFill>
         <p:spPr>
           <a:xfrm>
-            <a:off x="1097280" y="4380654"/>
-            <a:ext cx="5693228" cy="1227719"/>
+            <a:off x="1186056" y="3857414"/>
+            <a:ext cx="4504530" cy="971382"/>
           </a:xfrm>
           <a:prstGeom prst="rect">
             <a:avLst/>
@@ -10070,7 +10099,7 @@
         <p:spPr/>
         <p:txBody>
           <a:bodyPr>
-            <a:normAutofit fontScale="92500" lnSpcReduction="10000"/>
+            <a:normAutofit/>
           </a:bodyPr>
           <a:lstStyle/>
           <a:p>
@@ -10079,21 +10108,35 @@
               <a:buChar char="o"/>
             </a:pPr>
             <a:r>
-              <a:rPr lang="nl-NL" sz="2400" dirty="0"/>
+              <a:rPr lang="nl-NL" dirty="0"/>
               <a:t> </a:t>
             </a:r>
             <a:r>
-              <a:rPr lang="nl-NL" sz="2400" dirty="0" err="1"/>
+              <a:rPr lang="nl-NL" dirty="0" err="1"/>
               <a:t>Greedy</a:t>
             </a:r>
-            <a:endParaRPr lang="nl-NL" sz="2400" dirty="0"/>
+            <a:br>
+              <a:rPr lang="nl-NL" dirty="0"/>
+            </a:br>
+            <a:endParaRPr lang="nl-NL" dirty="0"/>
           </a:p>
           <a:p>
             <a:pPr>
               <a:buFont typeface="Courier New" panose="02070309020205020404" pitchFamily="49" charset="0"/>
               <a:buChar char="o"/>
             </a:pPr>
-            <a:endParaRPr lang="nl-NL" sz="2400" dirty="0"/>
+            <a:r>
+              <a:rPr lang="nl-NL" dirty="0"/>
+              <a:t> Hill </a:t>
+            </a:r>
+            <a:r>
+              <a:rPr lang="nl-NL" dirty="0" err="1"/>
+              <a:t>Climber</a:t>
+            </a:r>
+            <a:br>
+              <a:rPr lang="nl-NL" dirty="0"/>
+            </a:br>
+            <a:endParaRPr lang="nl-NL" dirty="0"/>
           </a:p>
           <a:p>
             <a:pPr>
@@ -10101,21 +10144,39 @@
               <a:buChar char="o"/>
             </a:pPr>
             <a:r>
-              <a:rPr lang="nl-NL" sz="2400" dirty="0"/>
-              <a:t> Hill </a:t>
-            </a:r>
-            <a:r>
-              <a:rPr lang="nl-NL" sz="2400" dirty="0" err="1"/>
-              <a:t>Climber</a:t>
-            </a:r>
-            <a:endParaRPr lang="nl-NL" sz="2400" dirty="0"/>
+              <a:rPr lang="nl-NL" dirty="0"/>
+              <a:t> </a:t>
+            </a:r>
+            <a:r>
+              <a:rPr lang="nl-NL" dirty="0" err="1"/>
+              <a:t>Simulated</a:t>
+            </a:r>
+            <a:r>
+              <a:rPr lang="nl-NL" dirty="0"/>
+              <a:t> </a:t>
+            </a:r>
+            <a:r>
+              <a:rPr lang="nl-NL" dirty="0" err="1"/>
+              <a:t>Annealing</a:t>
+            </a:r>
+            <a:br>
+              <a:rPr lang="nl-NL" dirty="0"/>
+            </a:br>
+            <a:endParaRPr lang="nl-NL" dirty="0"/>
           </a:p>
           <a:p>
             <a:pPr>
               <a:buFont typeface="Courier New" panose="02070309020205020404" pitchFamily="49" charset="0"/>
               <a:buChar char="o"/>
             </a:pPr>
-            <a:endParaRPr lang="nl-NL" sz="2400" dirty="0"/>
+            <a:r>
+              <a:rPr lang="nl-NL" dirty="0"/>
+              <a:t>K Means</a:t>
+            </a:r>
+            <a:br>
+              <a:rPr lang="nl-NL" dirty="0"/>
+            </a:br>
+            <a:endParaRPr lang="nl-NL" dirty="0"/>
           </a:p>
           <a:p>
             <a:pPr>
@@ -10123,66 +10184,19 @@
               <a:buChar char="o"/>
             </a:pPr>
             <a:r>
-              <a:rPr lang="nl-NL" sz="2400" dirty="0"/>
+              <a:rPr lang="nl-NL" dirty="0" err="1"/>
+              <a:t>Hierarchical</a:t>
+            </a:r>
+            <a:r>
+              <a:rPr lang="nl-NL" dirty="0"/>
               <a:t> </a:t>
             </a:r>
             <a:r>
-              <a:rPr lang="nl-NL" sz="2400" dirty="0" err="1"/>
-              <a:t>Simulated</a:t>
-            </a:r>
-            <a:r>
-              <a:rPr lang="nl-NL" sz="2400" dirty="0"/>
-              <a:t> </a:t>
-            </a:r>
-            <a:r>
-              <a:rPr lang="nl-NL" sz="2400" dirty="0" err="1"/>
-              <a:t>Annealing</a:t>
-            </a:r>
-            <a:endParaRPr lang="nl-NL" sz="2400" dirty="0"/>
-          </a:p>
-          <a:p>
-            <a:pPr>
-              <a:buFont typeface="Courier New" panose="02070309020205020404" pitchFamily="49" charset="0"/>
-              <a:buChar char="o"/>
-            </a:pPr>
-            <a:endParaRPr lang="nl-NL" sz="2400" dirty="0"/>
-          </a:p>
-          <a:p>
-            <a:pPr>
-              <a:buFont typeface="Courier New" panose="02070309020205020404" pitchFamily="49" charset="0"/>
-              <a:buChar char="o"/>
-            </a:pPr>
-            <a:r>
-              <a:rPr lang="nl-NL" sz="2400" dirty="0"/>
-              <a:t>K Means</a:t>
-            </a:r>
-          </a:p>
-          <a:p>
-            <a:pPr>
-              <a:buFont typeface="Courier New" panose="02070309020205020404" pitchFamily="49" charset="0"/>
-              <a:buChar char="o"/>
-            </a:pPr>
-            <a:endParaRPr lang="nl-NL" sz="2400" dirty="0"/>
-          </a:p>
-          <a:p>
-            <a:pPr>
-              <a:buFont typeface="Courier New" panose="02070309020205020404" pitchFamily="49" charset="0"/>
-              <a:buChar char="o"/>
-            </a:pPr>
-            <a:r>
-              <a:rPr lang="nl-NL" sz="2400" dirty="0" err="1"/>
-              <a:t>Hierarchical</a:t>
-            </a:r>
-            <a:r>
-              <a:rPr lang="nl-NL" sz="2400" dirty="0"/>
-              <a:t> </a:t>
-            </a:r>
-            <a:r>
-              <a:rPr lang="nl-NL" sz="2400" dirty="0" err="1"/>
+              <a:rPr lang="nl-NL" dirty="0" err="1"/>
               <a:t>Agglomerative</a:t>
             </a:r>
             <a:r>
-              <a:rPr lang="nl-NL" sz="2400" dirty="0"/>
+              <a:rPr lang="nl-NL" dirty="0"/>
               <a:t> Clustering (HAC)</a:t>
             </a:r>
           </a:p>

--- a/eindpresentatie.pptx
+++ b/eindpresentatie.pptx
@@ -6675,7 +6675,7 @@
           <p:nvPr>
             <p:extLst>
               <p:ext uri="{D42A27DB-BD31-4B8C-83A1-F6EECF244321}">
-                <p14:modId xmlns:p14="http://schemas.microsoft.com/office/powerpoint/2010/main" val="3688626092"/>
+                <p14:modId xmlns:p14="http://schemas.microsoft.com/office/powerpoint/2010/main" val="2745301443"/>
               </p:ext>
             </p:extLst>
           </p:nvPr>
@@ -6688,7 +6688,7 @@
           <a:graphicData uri="http://schemas.openxmlformats.org/drawingml/2006/table">
             <a:tbl>
               <a:tblPr firstRow="1" firstCol="1" bandRow="1">
-                <a:tableStyleId>{2A488322-F2BA-4B5B-9748-0D474271808F}</a:tableStyleId>
+                <a:tableStyleId>{6E25E649-3F16-4E02-A733-19D2CDBF48F0}</a:tableStyleId>
               </a:tblPr>
               <a:tblGrid>
                 <a:gridCol w="1462626">
@@ -6738,12 +6738,15 @@
                         </a:spcAft>
                       </a:pPr>
                       <a:r>
-                        <a:rPr lang="nl-NL" sz="2000" b="0" i="0" u="none" strike="noStrike" dirty="0">
+                        <a:rPr lang="nl-NL" sz="2000" u="none" strike="noStrike" dirty="0">
                           <a:effectLst/>
-                          <a:latin typeface="Arial" panose="020B0604020202020204" pitchFamily="34" charset="0"/>
                         </a:rPr>
                         <a:t>Wijk 1</a:t>
                       </a:r>
+                      <a:endParaRPr lang="nl-NL" sz="2000" b="0" i="0" u="none" strike="noStrike" dirty="0">
+                        <a:effectLst/>
+                        <a:latin typeface="Arial" panose="020B0604020202020204" pitchFamily="34" charset="0"/>
+                      </a:endParaRPr>
                     </a:p>
                   </a:txBody>
                   <a:tcPr marL="165328" marR="165328" marT="22962" marB="0"/>
@@ -7244,7 +7247,7 @@
           <p:nvPr>
             <p:extLst>
               <p:ext uri="{D42A27DB-BD31-4B8C-83A1-F6EECF244321}">
-                <p14:modId xmlns:p14="http://schemas.microsoft.com/office/powerpoint/2010/main" val="3273708349"/>
+                <p14:modId xmlns:p14="http://schemas.microsoft.com/office/powerpoint/2010/main" val="7499487"/>
               </p:ext>
             </p:extLst>
           </p:nvPr>
@@ -7257,7 +7260,7 @@
           <a:graphicData uri="http://schemas.openxmlformats.org/drawingml/2006/table">
             <a:tbl>
               <a:tblPr firstRow="1" firstCol="1" bandRow="1">
-                <a:tableStyleId>{2A488322-F2BA-4B5B-9748-0D474271808F}</a:tableStyleId>
+                <a:tableStyleId>{6E25E649-3F16-4E02-A733-19D2CDBF48F0}</a:tableStyleId>
               </a:tblPr>
               <a:tblGrid>
                 <a:gridCol w="2386563">
@@ -7306,12 +7309,15 @@
                       <a:r>
                         <a:rPr lang="nl-NL" sz="2000" dirty="0">
                           <a:effectLst/>
-                          <a:latin typeface="Calibri" panose="020F0502020204030204" pitchFamily="34" charset="0"/>
-                          <a:ea typeface="Calibri" panose="020F0502020204030204" pitchFamily="34" charset="0"/>
-                          <a:cs typeface="Times New Roman" panose="02020603050405020304" pitchFamily="18" charset="0"/>
                         </a:rPr>
                         <a:t>Wijk 1</a:t>
                       </a:r>
+                      <a:endParaRPr lang="nl-NL" sz="2000" dirty="0">
+                        <a:effectLst/>
+                        <a:latin typeface="Calibri" panose="020F0502020204030204" pitchFamily="34" charset="0"/>
+                        <a:ea typeface="Calibri" panose="020F0502020204030204" pitchFamily="34" charset="0"/>
+                        <a:cs typeface="Times New Roman" panose="02020603050405020304" pitchFamily="18" charset="0"/>
+                      </a:endParaRPr>
                     </a:p>
                   </a:txBody>
                   <a:tcPr marL="68580" marR="68580" marT="0" marB="0"/>
@@ -7893,9 +7899,6 @@
                       </a:pPr>
                       <a:r>
                         <a:rPr lang="nl-NL" sz="2000" dirty="0">
-                          <a:solidFill>
-                            <a:srgbClr val="FF0000"/>
-                          </a:solidFill>
                           <a:effectLst/>
                         </a:rPr>
                         <a:t>80,8</a:t>
@@ -9268,7 +9271,7 @@
         </p:blipFill>
         <p:spPr>
           <a:xfrm>
-            <a:off x="1780186" y="3042342"/>
+            <a:off x="1202079" y="2997954"/>
             <a:ext cx="3403600" cy="2556934"/>
           </a:xfrm>
           <a:prstGeom prst="rect">
@@ -9291,13 +9294,13 @@
           <p:nvPr>
             <p:extLst>
               <p:ext uri="{D42A27DB-BD31-4B8C-83A1-F6EECF244321}">
-                <p14:modId xmlns:p14="http://schemas.microsoft.com/office/powerpoint/2010/main" val="1432652020"/>
+                <p14:modId xmlns:p14="http://schemas.microsoft.com/office/powerpoint/2010/main" val="348953691"/>
               </p:ext>
             </p:extLst>
           </p:nvPr>
         </p:nvGraphicFramePr>
         <p:xfrm>
-          <a:off x="6762797" y="3323167"/>
+          <a:off x="6372180" y="2997954"/>
           <a:ext cx="3848006" cy="1112520"/>
         </p:xfrm>
         <a:graphic>

--- a/eindpresentatie.pptx
+++ b/eindpresentatie.pptx
@@ -19,17 +19,20 @@
     <p:sldId id="269" r:id="rId13"/>
     <p:sldId id="270" r:id="rId14"/>
     <p:sldId id="271" r:id="rId15"/>
-    <p:sldId id="272" r:id="rId16"/>
-    <p:sldId id="273" r:id="rId17"/>
-    <p:sldId id="274" r:id="rId18"/>
-    <p:sldId id="275" r:id="rId19"/>
-    <p:sldId id="276" r:id="rId20"/>
-    <p:sldId id="277" r:id="rId21"/>
-    <p:sldId id="278" r:id="rId22"/>
-    <p:sldId id="279" r:id="rId23"/>
-    <p:sldId id="280" r:id="rId24"/>
-    <p:sldId id="282" r:id="rId25"/>
-    <p:sldId id="283" r:id="rId26"/>
+    <p:sldId id="284" r:id="rId16"/>
+    <p:sldId id="272" r:id="rId17"/>
+    <p:sldId id="285" r:id="rId18"/>
+    <p:sldId id="273" r:id="rId19"/>
+    <p:sldId id="274" r:id="rId20"/>
+    <p:sldId id="275" r:id="rId21"/>
+    <p:sldId id="286" r:id="rId22"/>
+    <p:sldId id="276" r:id="rId23"/>
+    <p:sldId id="277" r:id="rId24"/>
+    <p:sldId id="278" r:id="rId25"/>
+    <p:sldId id="279" r:id="rId26"/>
+    <p:sldId id="280" r:id="rId27"/>
+    <p:sldId id="282" r:id="rId28"/>
+    <p:sldId id="283" r:id="rId29"/>
   </p:sldIdLst>
   <p:sldSz cx="12192000" cy="6858000"/>
   <p:notesSz cx="6858000" cy="9144000"/>
@@ -5005,6 +5008,198 @@
           <p:cNvPr id="2" name="Titel 1">
             <a:extLst>
               <a:ext uri="{FF2B5EF4-FFF2-40B4-BE49-F238E27FC236}">
+                <a16:creationId xmlns:a16="http://schemas.microsoft.com/office/drawing/2014/main" id="{2ADD442A-ECBE-4C2E-8CF5-F881B90CEA04}"/>
+              </a:ext>
+            </a:extLst>
+          </p:cNvPr>
+          <p:cNvSpPr>
+            <a:spLocks noGrp="1"/>
+          </p:cNvSpPr>
+          <p:nvPr>
+            <p:ph type="title"/>
+          </p:nvPr>
+        </p:nvSpPr>
+        <p:spPr/>
+        <p:txBody>
+          <a:bodyPr/>
+          <a:lstStyle/>
+          <a:p>
+            <a:r>
+              <a:rPr lang="nl-NL" dirty="0" err="1"/>
+              <a:t>Greedy</a:t>
+            </a:r>
+            <a:endParaRPr lang="nl-NL" dirty="0"/>
+          </a:p>
+        </p:txBody>
+      </p:sp>
+      <p:sp>
+        <p:nvSpPr>
+          <p:cNvPr id="4" name="Tijdelijke aanduiding voor tekst 3">
+            <a:extLst>
+              <a:ext uri="{FF2B5EF4-FFF2-40B4-BE49-F238E27FC236}">
+                <a16:creationId xmlns:a16="http://schemas.microsoft.com/office/drawing/2014/main" id="{6E668C27-C86B-47E1-8E22-B1DB789CF1A2}"/>
+              </a:ext>
+            </a:extLst>
+          </p:cNvPr>
+          <p:cNvSpPr>
+            <a:spLocks noGrp="1"/>
+          </p:cNvSpPr>
+          <p:nvPr>
+            <p:ph type="body" sz="half" idx="2"/>
+          </p:nvPr>
+        </p:nvSpPr>
+        <p:spPr/>
+        <p:txBody>
+          <a:bodyPr/>
+          <a:lstStyle/>
+          <a:p>
+            <a:endParaRPr lang="nl-NL" dirty="0"/>
+          </a:p>
+          <a:p>
+            <a:r>
+              <a:rPr lang="nl-NL" dirty="0" err="1"/>
+              <a:t>Lowerbound</a:t>
+            </a:r>
+            <a:r>
+              <a:rPr lang="nl-NL" dirty="0"/>
+              <a:t>:</a:t>
+            </a:r>
+          </a:p>
+          <a:p>
+            <a:r>
+              <a:rPr lang="nl-NL" dirty="0">
+                <a:latin typeface="Century Gothic"/>
+                <a:cs typeface="Segoe UI"/>
+              </a:rPr>
+              <a:t>€ 53.188</a:t>
+            </a:r>
+            <a:br>
+              <a:rPr lang="nl-NL" dirty="0"/>
+            </a:br>
+            <a:endParaRPr lang="nl-NL" dirty="0"/>
+          </a:p>
+          <a:p>
+            <a:r>
+              <a:rPr lang="nl-NL" dirty="0" err="1"/>
+              <a:t>Upperbound</a:t>
+            </a:r>
+            <a:r>
+              <a:rPr lang="nl-NL" dirty="0"/>
+              <a:t>:</a:t>
+            </a:r>
+          </a:p>
+          <a:p>
+            <a:r>
+              <a:rPr lang="nl-NL" dirty="0">
+                <a:cs typeface="Segoe UI"/>
+              </a:rPr>
+              <a:t>€ 103.030</a:t>
+            </a:r>
+            <a:endParaRPr lang="nl-NL" dirty="0">
+              <a:latin typeface="Century Gothic"/>
+              <a:cs typeface="Segoe UI"/>
+            </a:endParaRPr>
+          </a:p>
+          <a:p>
+            <a:endParaRPr lang="nl-NL" dirty="0"/>
+          </a:p>
+          <a:p>
+            <a:r>
+              <a:rPr lang="nl-NL" dirty="0"/>
+              <a:t>Total </a:t>
+            </a:r>
+            <a:r>
+              <a:rPr lang="nl-NL" dirty="0" err="1"/>
+              <a:t>costs</a:t>
+            </a:r>
+            <a:r>
+              <a:rPr lang="nl-NL" dirty="0"/>
+              <a:t>:</a:t>
+            </a:r>
+          </a:p>
+          <a:p>
+            <a:r>
+              <a:rPr lang="nl-NL" dirty="0">
+                <a:cs typeface="Segoe UI"/>
+              </a:rPr>
+              <a:t>€ 56.950</a:t>
+            </a:r>
+          </a:p>
+          <a:p>
+            <a:endParaRPr lang="nl-NL" dirty="0"/>
+          </a:p>
+        </p:txBody>
+      </p:sp>
+      <p:pic>
+        <p:nvPicPr>
+          <p:cNvPr id="8" name="Tijdelijke aanduiding voor inhoud 7">
+            <a:extLst>
+              <a:ext uri="{FF2B5EF4-FFF2-40B4-BE49-F238E27FC236}">
+                <a16:creationId xmlns:a16="http://schemas.microsoft.com/office/drawing/2014/main" id="{D62F46A5-5676-4068-AAFE-8A10F720BD53}"/>
+              </a:ext>
+            </a:extLst>
+          </p:cNvPr>
+          <p:cNvPicPr>
+            <a:picLocks noGrp="1" noChangeAspect="1"/>
+          </p:cNvPicPr>
+          <p:nvPr>
+            <p:ph idx="1"/>
+          </p:nvPr>
+        </p:nvPicPr>
+        <p:blipFill>
+          <a:blip r:embed="rId2">
+            <a:extLst>
+              <a:ext uri="{28A0092B-C50C-407E-A947-70E740481C1C}">
+                <a14:useLocalDpi xmlns:a14="http://schemas.microsoft.com/office/drawing/2010/main" val="0"/>
+              </a:ext>
+            </a:extLst>
+          </a:blip>
+          <a:stretch>
+            <a:fillRect/>
+          </a:stretch>
+        </p:blipFill>
+        <p:spPr>
+          <a:xfrm>
+            <a:off x="4501190" y="688653"/>
+            <a:ext cx="7375849" cy="5531887"/>
+          </a:xfrm>
+        </p:spPr>
+      </p:pic>
+    </p:spTree>
+    <p:extLst>
+      <p:ext uri="{BB962C8B-B14F-4D97-AF65-F5344CB8AC3E}">
+        <p14:creationId xmlns:p14="http://schemas.microsoft.com/office/powerpoint/2010/main" val="4002761288"/>
+      </p:ext>
+    </p:extLst>
+  </p:cSld>
+  <p:clrMapOvr>
+    <a:masterClrMapping/>
+  </p:clrMapOvr>
+</p:sld>
+</file>
+
+<file path=ppt/slides/slide16.xml><?xml version="1.0" encoding="utf-8"?>
+<p:sld xmlns:a="http://schemas.openxmlformats.org/drawingml/2006/main" xmlns:r="http://schemas.openxmlformats.org/officeDocument/2006/relationships" xmlns:p="http://schemas.openxmlformats.org/presentationml/2006/main">
+  <p:cSld>
+    <p:spTree>
+      <p:nvGrpSpPr>
+        <p:cNvPr id="1" name=""/>
+        <p:cNvGrpSpPr/>
+        <p:nvPr/>
+      </p:nvGrpSpPr>
+      <p:grpSpPr>
+        <a:xfrm>
+          <a:off x="0" y="0"/>
+          <a:ext cx="0" cy="0"/>
+          <a:chOff x="0" y="0"/>
+          <a:chExt cx="0" cy="0"/>
+        </a:xfrm>
+      </p:grpSpPr>
+      <p:sp>
+        <p:nvSpPr>
+          <p:cNvPr id="2" name="Titel 1">
+            <a:extLst>
+              <a:ext uri="{FF2B5EF4-FFF2-40B4-BE49-F238E27FC236}">
                 <a16:creationId xmlns:a16="http://schemas.microsoft.com/office/drawing/2014/main" id="{10BD30ED-10E2-4D0F-AC1D-355DC0DED169}"/>
               </a:ext>
             </a:extLst>
@@ -5027,7 +5222,7 @@
             </a:r>
             <a:r>
               <a:rPr lang="nl-NL" dirty="0" err="1"/>
-              <a:t>climber</a:t>
+              <a:t>Climber</a:t>
             </a:r>
             <a:endParaRPr lang="nl-NL" dirty="0"/>
           </a:p>
@@ -5227,7 +5422,7 @@
 </p:sld>
 </file>
 
-<file path=ppt/slides/slide16.xml><?xml version="1.0" encoding="utf-8"?>
+<file path=ppt/slides/slide17.xml><?xml version="1.0" encoding="utf-8"?>
 <p:sld xmlns:a="http://schemas.openxmlformats.org/drawingml/2006/main" xmlns:r="http://schemas.openxmlformats.org/officeDocument/2006/relationships" xmlns:p="http://schemas.openxmlformats.org/presentationml/2006/main">
   <p:cSld>
     <p:spTree>
@@ -5249,7 +5444,7 @@
           <p:cNvPr id="2" name="Titel 1">
             <a:extLst>
               <a:ext uri="{FF2B5EF4-FFF2-40B4-BE49-F238E27FC236}">
-                <a16:creationId xmlns:a16="http://schemas.microsoft.com/office/drawing/2014/main" id="{019706C5-0C55-4325-B764-475319084E8D}"/>
+                <a16:creationId xmlns:a16="http://schemas.microsoft.com/office/drawing/2014/main" id="{10BD30ED-10E2-4D0F-AC1D-355DC0DED169}"/>
               </a:ext>
             </a:extLst>
           </p:cNvPr>
@@ -5266,16 +5461,12 @@
           <a:lstStyle/>
           <a:p>
             <a:r>
+              <a:rPr lang="nl-NL" dirty="0"/>
+              <a:t>Hill </a:t>
+            </a:r>
+            <a:r>
               <a:rPr lang="nl-NL" dirty="0" err="1"/>
-              <a:t>Simulated</a:t>
-            </a:r>
-            <a:r>
-              <a:rPr lang="nl-NL" dirty="0"/>
-              <a:t> </a:t>
-            </a:r>
-            <a:r>
-              <a:rPr lang="nl-NL" dirty="0" err="1"/>
-              <a:t>Annealing</a:t>
+              <a:t>Climber</a:t>
             </a:r>
             <a:endParaRPr lang="nl-NL" dirty="0"/>
           </a:p>
@@ -5286,7 +5477,7 @@
           <p:cNvPr id="4" name="Tijdelijke aanduiding voor tekst 3">
             <a:extLst>
               <a:ext uri="{FF2B5EF4-FFF2-40B4-BE49-F238E27FC236}">
-                <a16:creationId xmlns:a16="http://schemas.microsoft.com/office/drawing/2014/main" id="{D5551FED-6E2A-441F-AC9A-4A6A08FF225D}"/>
+                <a16:creationId xmlns:a16="http://schemas.microsoft.com/office/drawing/2014/main" id="{05A9ACB6-FF3F-43F8-8767-3A85A4FD5E54}"/>
               </a:ext>
             </a:extLst>
           </p:cNvPr>
@@ -5299,31 +5490,52 @@
         </p:nvSpPr>
         <p:spPr/>
         <p:txBody>
-          <a:bodyPr/>
+          <a:bodyPr>
+            <a:normAutofit lnSpcReduction="10000"/>
+          </a:bodyPr>
           <a:lstStyle/>
           <a:p>
-            <a:endParaRPr lang="nl-NL" dirty="0"/>
-          </a:p>
-          <a:p>
-            <a:r>
-              <a:rPr lang="nl-NL" dirty="0" err="1"/>
+            <a:endParaRPr lang="nl-NL" dirty="0">
+              <a:cs typeface="Segoe UI"/>
+            </a:endParaRPr>
+          </a:p>
+          <a:p>
+            <a:r>
+              <a:rPr lang="nl-NL" dirty="0" err="1">
+                <a:cs typeface="Segoe UI"/>
+              </a:rPr>
               <a:t>Lowerbound</a:t>
             </a:r>
-            <a:r>
-              <a:rPr lang="nl-NL" dirty="0"/>
-              <a:t>:</a:t>
-            </a:r>
-          </a:p>
-          <a:p>
             <a:r>
               <a:rPr lang="nl-NL" dirty="0">
                 <a:cs typeface="Segoe UI"/>
               </a:rPr>
+              <a:t>:</a:t>
+            </a:r>
+            <a:r>
+              <a:rPr lang="en-US" dirty="0">
+                <a:latin typeface="Century Gothic"/>
+                <a:cs typeface="Segoe UI"/>
+              </a:rPr>
+              <a:t>​</a:t>
+            </a:r>
+          </a:p>
+          <a:p>
+            <a:r>
+              <a:rPr lang="nl-NL" dirty="0">
+                <a:latin typeface="Century Gothic"/>
+                <a:cs typeface="Segoe UI"/>
+              </a:rPr>
               <a:t>€ 53.188</a:t>
             </a:r>
-          </a:p>
-          <a:p>
-            <a:endParaRPr lang="nl-NL" dirty="0">
+            <a:endParaRPr lang="en-US" dirty="0">
+              <a:latin typeface="Century Gothic"/>
+              <a:cs typeface="Segoe UI"/>
+            </a:endParaRPr>
+          </a:p>
+          <a:p>
+            <a:endParaRPr lang="en-US" dirty="0">
+              <a:latin typeface="Century Gothic"/>
               <a:cs typeface="Segoe UI"/>
             </a:endParaRPr>
           </a:p>
@@ -5342,6 +5554,7 @@
             </a:r>
             <a:r>
               <a:rPr lang="en-US" dirty="0">
+                <a:latin typeface="Century Gothic"/>
                 <a:cs typeface="Segoe UI"/>
               </a:rPr>
               <a:t>​</a:t>
@@ -5354,28 +5567,71 @@
               </a:rPr>
               <a:t>€ 103.030</a:t>
             </a:r>
-          </a:p>
-          <a:p>
-            <a:endParaRPr lang="en-US" dirty="0">
+            <a:endParaRPr lang="nl-NL" dirty="0">
+              <a:latin typeface="Century Gothic"/>
               <a:cs typeface="Segoe UI"/>
             </a:endParaRPr>
           </a:p>
           <a:p>
+            <a:r>
+              <a:rPr lang="nl-NL" dirty="0">
+                <a:latin typeface="Century Gothic"/>
+                <a:cs typeface="Segoe UI"/>
+              </a:rPr>
+              <a:t>​</a:t>
+            </a:r>
+          </a:p>
+          <a:p>
+            <a:r>
+              <a:rPr lang="nl-NL" dirty="0">
+                <a:cs typeface="Segoe UI"/>
+              </a:rPr>
+              <a:t>Total </a:t>
+            </a:r>
+            <a:r>
+              <a:rPr lang="nl-NL" dirty="0" err="1">
+                <a:cs typeface="Segoe UI"/>
+              </a:rPr>
+              <a:t>costs</a:t>
+            </a:r>
+            <a:r>
+              <a:rPr lang="nl-NL" dirty="0">
+                <a:cs typeface="Segoe UI"/>
+              </a:rPr>
+              <a:t>:</a:t>
+            </a:r>
+            <a:r>
+              <a:rPr lang="en-US" dirty="0">
+                <a:latin typeface="Century Gothic"/>
+                <a:cs typeface="Segoe UI"/>
+              </a:rPr>
+              <a:t>​</a:t>
+            </a:r>
+          </a:p>
+          <a:p>
+            <a:r>
+              <a:rPr lang="nl-NL" dirty="0">
+                <a:cs typeface="Segoe UI"/>
+              </a:rPr>
+              <a:t>€ 56.370</a:t>
+            </a:r>
+          </a:p>
+          <a:p>
             <a:endParaRPr lang="nl-NL" dirty="0"/>
           </a:p>
         </p:txBody>
       </p:sp>
       <p:pic>
         <p:nvPicPr>
-          <p:cNvPr id="5" name="Picture 2" descr="simulated_10times.PNG">
+          <p:cNvPr id="8" name="Tijdelijke aanduiding voor inhoud 7">
             <a:extLst>
               <a:ext uri="{FF2B5EF4-FFF2-40B4-BE49-F238E27FC236}">
-                <a16:creationId xmlns:a16="http://schemas.microsoft.com/office/drawing/2014/main" id="{20CF844B-DEDF-4594-86AD-665A430E6B11}"/>
+                <a16:creationId xmlns:a16="http://schemas.microsoft.com/office/drawing/2014/main" id="{23C9F7E4-D712-4860-B55C-CCE857ADF0DF}"/>
               </a:ext>
             </a:extLst>
           </p:cNvPr>
           <p:cNvPicPr>
-            <a:picLocks noGrp="1" noChangeAspect="1" noChangeArrowheads="1"/>
+            <a:picLocks noGrp="1" noChangeAspect="1"/>
           </p:cNvPicPr>
           <p:nvPr>
             <p:ph idx="1"/>
@@ -5389,29 +5645,201 @@
               </a:ext>
             </a:extLst>
           </a:blip>
-          <a:srcRect/>
           <a:stretch>
             <a:fillRect/>
           </a:stretch>
         </p:blipFill>
-        <p:spPr bwMode="auto">
+        <p:spPr>
           <a:xfrm>
-            <a:off x="5413770" y="731838"/>
-            <a:ext cx="5266534" cy="5257800"/>
+            <a:off x="4267511" y="480489"/>
+            <a:ext cx="7924489" cy="5943367"/>
           </a:xfrm>
-          <a:prstGeom prst="rect">
-            <a:avLst/>
-          </a:prstGeom>
-          <a:noFill/>
-          <a:extLst>
-            <a:ext uri="{909E8E84-426E-40DD-AFC4-6F175D3DCCD1}">
-              <a14:hiddenFill xmlns:a14="http://schemas.microsoft.com/office/drawing/2010/main">
-                <a:solidFill>
-                  <a:srgbClr val="FFFFFF"/>
-                </a:solidFill>
-              </a14:hiddenFill>
-            </a:ext>
-          </a:extLst>
+        </p:spPr>
+      </p:pic>
+    </p:spTree>
+    <p:extLst>
+      <p:ext uri="{BB962C8B-B14F-4D97-AF65-F5344CB8AC3E}">
+        <p14:creationId xmlns:p14="http://schemas.microsoft.com/office/powerpoint/2010/main" val="3398594054"/>
+      </p:ext>
+    </p:extLst>
+  </p:cSld>
+  <p:clrMapOvr>
+    <a:masterClrMapping/>
+  </p:clrMapOvr>
+</p:sld>
+</file>
+
+<file path=ppt/slides/slide18.xml><?xml version="1.0" encoding="utf-8"?>
+<p:sld xmlns:a="http://schemas.openxmlformats.org/drawingml/2006/main" xmlns:r="http://schemas.openxmlformats.org/officeDocument/2006/relationships" xmlns:p="http://schemas.openxmlformats.org/presentationml/2006/main">
+  <p:cSld>
+    <p:spTree>
+      <p:nvGrpSpPr>
+        <p:cNvPr id="1" name=""/>
+        <p:cNvGrpSpPr/>
+        <p:nvPr/>
+      </p:nvGrpSpPr>
+      <p:grpSpPr>
+        <a:xfrm>
+          <a:off x="0" y="0"/>
+          <a:ext cx="0" cy="0"/>
+          <a:chOff x="0" y="0"/>
+          <a:chExt cx="0" cy="0"/>
+        </a:xfrm>
+      </p:grpSpPr>
+      <p:sp>
+        <p:nvSpPr>
+          <p:cNvPr id="2" name="Titel 1">
+            <a:extLst>
+              <a:ext uri="{FF2B5EF4-FFF2-40B4-BE49-F238E27FC236}">
+                <a16:creationId xmlns:a16="http://schemas.microsoft.com/office/drawing/2014/main" id="{019706C5-0C55-4325-B764-475319084E8D}"/>
+              </a:ext>
+            </a:extLst>
+          </p:cNvPr>
+          <p:cNvSpPr>
+            <a:spLocks noGrp="1"/>
+          </p:cNvSpPr>
+          <p:nvPr>
+            <p:ph type="title"/>
+          </p:nvPr>
+        </p:nvSpPr>
+        <p:spPr/>
+        <p:txBody>
+          <a:bodyPr/>
+          <a:lstStyle/>
+          <a:p>
+            <a:r>
+              <a:rPr lang="nl-NL" dirty="0" err="1"/>
+              <a:t>Simulated</a:t>
+            </a:r>
+            <a:r>
+              <a:rPr lang="nl-NL" dirty="0"/>
+              <a:t> </a:t>
+            </a:r>
+            <a:r>
+              <a:rPr lang="nl-NL" dirty="0" err="1"/>
+              <a:t>Annealing</a:t>
+            </a:r>
+            <a:endParaRPr lang="nl-NL" dirty="0"/>
+          </a:p>
+        </p:txBody>
+      </p:sp>
+      <p:sp>
+        <p:nvSpPr>
+          <p:cNvPr id="4" name="Tijdelijke aanduiding voor tekst 3">
+            <a:extLst>
+              <a:ext uri="{FF2B5EF4-FFF2-40B4-BE49-F238E27FC236}">
+                <a16:creationId xmlns:a16="http://schemas.microsoft.com/office/drawing/2014/main" id="{D5551FED-6E2A-441F-AC9A-4A6A08FF225D}"/>
+              </a:ext>
+            </a:extLst>
+          </p:cNvPr>
+          <p:cNvSpPr>
+            <a:spLocks noGrp="1"/>
+          </p:cNvSpPr>
+          <p:nvPr>
+            <p:ph type="body" sz="half" idx="2"/>
+          </p:nvPr>
+        </p:nvSpPr>
+        <p:spPr/>
+        <p:txBody>
+          <a:bodyPr/>
+          <a:lstStyle/>
+          <a:p>
+            <a:endParaRPr lang="nl-NL" dirty="0"/>
+          </a:p>
+          <a:p>
+            <a:r>
+              <a:rPr lang="nl-NL" dirty="0" err="1"/>
+              <a:t>Lowerbound</a:t>
+            </a:r>
+            <a:r>
+              <a:rPr lang="nl-NL" dirty="0"/>
+              <a:t>:</a:t>
+            </a:r>
+          </a:p>
+          <a:p>
+            <a:r>
+              <a:rPr lang="nl-NL" dirty="0">
+                <a:cs typeface="Segoe UI"/>
+              </a:rPr>
+              <a:t>€ 53.188</a:t>
+            </a:r>
+          </a:p>
+          <a:p>
+            <a:endParaRPr lang="nl-NL" dirty="0">
+              <a:cs typeface="Segoe UI"/>
+            </a:endParaRPr>
+          </a:p>
+          <a:p>
+            <a:r>
+              <a:rPr lang="nl-NL" dirty="0" err="1">
+                <a:cs typeface="Segoe UI"/>
+              </a:rPr>
+              <a:t>Upperbound</a:t>
+            </a:r>
+            <a:r>
+              <a:rPr lang="nl-NL" dirty="0">
+                <a:cs typeface="Segoe UI"/>
+              </a:rPr>
+              <a:t>:</a:t>
+            </a:r>
+            <a:r>
+              <a:rPr lang="en-US" dirty="0">
+                <a:cs typeface="Segoe UI"/>
+              </a:rPr>
+              <a:t>​</a:t>
+            </a:r>
+          </a:p>
+          <a:p>
+            <a:r>
+              <a:rPr lang="nl-NL" dirty="0">
+                <a:cs typeface="Segoe UI"/>
+              </a:rPr>
+              <a:t>€ 103.030</a:t>
+            </a:r>
+          </a:p>
+          <a:p>
+            <a:endParaRPr lang="en-US" dirty="0">
+              <a:cs typeface="Segoe UI"/>
+            </a:endParaRPr>
+          </a:p>
+          <a:p>
+            <a:endParaRPr lang="nl-NL" dirty="0"/>
+          </a:p>
+        </p:txBody>
+      </p:sp>
+      <p:pic>
+        <p:nvPicPr>
+          <p:cNvPr id="8" name="Tijdelijke aanduiding voor inhoud 7">
+            <a:extLst>
+              <a:ext uri="{FF2B5EF4-FFF2-40B4-BE49-F238E27FC236}">
+                <a16:creationId xmlns:a16="http://schemas.microsoft.com/office/drawing/2014/main" id="{A0D017B3-1D80-4354-B062-07029AD85245}"/>
+              </a:ext>
+            </a:extLst>
+          </p:cNvPr>
+          <p:cNvPicPr>
+            <a:picLocks noGrp="1" noChangeAspect="1"/>
+          </p:cNvPicPr>
+          <p:nvPr>
+            <p:ph idx="1"/>
+          </p:nvPr>
+        </p:nvPicPr>
+        <p:blipFill>
+          <a:blip r:embed="rId2">
+            <a:extLst>
+              <a:ext uri="{28A0092B-C50C-407E-A947-70E740481C1C}">
+                <a14:useLocalDpi xmlns:a14="http://schemas.microsoft.com/office/drawing/2010/main" val="0"/>
+              </a:ext>
+            </a:extLst>
+          </a:blip>
+          <a:stretch>
+            <a:fillRect/>
+          </a:stretch>
+        </p:blipFill>
+        <p:spPr>
+          <a:xfrm>
+            <a:off x="4345093" y="513080"/>
+            <a:ext cx="7775785" cy="5831839"/>
+          </a:xfrm>
         </p:spPr>
       </p:pic>
     </p:spTree>
@@ -5427,7 +5855,7 @@
 </p:sld>
 </file>
 
-<file path=ppt/slides/slide17.xml><?xml version="1.0" encoding="utf-8"?>
+<file path=ppt/slides/slide19.xml><?xml version="1.0" encoding="utf-8"?>
 <p:sld xmlns:a="http://schemas.openxmlformats.org/drawingml/2006/main" xmlns:r="http://schemas.openxmlformats.org/officeDocument/2006/relationships" xmlns:p="http://schemas.openxmlformats.org/presentationml/2006/main">
   <p:cSld>
     <p:spTree>
@@ -5612,7 +6040,573 @@
 </p:sld>
 </file>
 
-<file path=ppt/slides/slide18.xml><?xml version="1.0" encoding="utf-8"?>
+<file path=ppt/slides/slide2.xml><?xml version="1.0" encoding="utf-8"?>
+<p:sld xmlns:a="http://schemas.openxmlformats.org/drawingml/2006/main" xmlns:r="http://schemas.openxmlformats.org/officeDocument/2006/relationships" xmlns:p="http://schemas.openxmlformats.org/presentationml/2006/main">
+  <p:cSld>
+    <p:spTree>
+      <p:nvGrpSpPr>
+        <p:cNvPr id="1" name=""/>
+        <p:cNvGrpSpPr/>
+        <p:nvPr/>
+      </p:nvGrpSpPr>
+      <p:grpSpPr>
+        <a:xfrm>
+          <a:off x="0" y="0"/>
+          <a:ext cx="0" cy="0"/>
+          <a:chOff x="0" y="0"/>
+          <a:chExt cx="0" cy="0"/>
+        </a:xfrm>
+      </p:grpSpPr>
+      <p:sp>
+        <p:nvSpPr>
+          <p:cNvPr id="2" name="Titel 1">
+            <a:extLst>
+              <a:ext uri="{FF2B5EF4-FFF2-40B4-BE49-F238E27FC236}">
+                <a16:creationId xmlns:a16="http://schemas.microsoft.com/office/drawing/2014/main" id="{DAD6F0B8-BA7C-40D4-9B1C-1D8F4E9E3BCD}"/>
+              </a:ext>
+            </a:extLst>
+          </p:cNvPr>
+          <p:cNvSpPr>
+            <a:spLocks noGrp="1"/>
+          </p:cNvSpPr>
+          <p:nvPr>
+            <p:ph type="title"/>
+          </p:nvPr>
+        </p:nvSpPr>
+        <p:spPr/>
+        <p:txBody>
+          <a:bodyPr/>
+          <a:lstStyle/>
+          <a:p>
+            <a:r>
+              <a:rPr lang="nl-NL" dirty="0"/>
+              <a:t>Casus</a:t>
+            </a:r>
+          </a:p>
+        </p:txBody>
+      </p:sp>
+      <p:sp>
+        <p:nvSpPr>
+          <p:cNvPr id="3" name="Tijdelijke aanduiding voor inhoud 2">
+            <a:extLst>
+              <a:ext uri="{FF2B5EF4-FFF2-40B4-BE49-F238E27FC236}">
+                <a16:creationId xmlns:a16="http://schemas.microsoft.com/office/drawing/2014/main" id="{7AE16F52-BD17-4045-BC51-AB4CE7D85413}"/>
+              </a:ext>
+            </a:extLst>
+          </p:cNvPr>
+          <p:cNvSpPr>
+            <a:spLocks noGrp="1"/>
+          </p:cNvSpPr>
+          <p:nvPr>
+            <p:ph idx="1"/>
+          </p:nvPr>
+        </p:nvSpPr>
+        <p:spPr/>
+        <p:txBody>
+          <a:bodyPr>
+            <a:normAutofit fontScale="85000" lnSpcReduction="20000"/>
+          </a:bodyPr>
+          <a:lstStyle/>
+          <a:p>
+            <a:pPr marL="201168" lvl="1" indent="0">
+              <a:buNone/>
+            </a:pPr>
+            <a:r>
+              <a:rPr lang="nl-NL" sz="2800" b="1" dirty="0"/>
+              <a:t>Drie wijken</a:t>
+            </a:r>
+          </a:p>
+          <a:p>
+            <a:pPr lvl="1">
+              <a:buFont typeface="Arial" panose="020B0604020202020204" pitchFamily="34" charset="0"/>
+              <a:buChar char="•"/>
+            </a:pPr>
+            <a:endParaRPr lang="nl-NL" sz="2000" dirty="0"/>
+          </a:p>
+          <a:p>
+            <a:pPr lvl="1">
+              <a:buFont typeface="Arial" panose="020B0604020202020204" pitchFamily="34" charset="0"/>
+              <a:buChar char="•"/>
+            </a:pPr>
+            <a:r>
+              <a:rPr lang="nl-NL" sz="2000" dirty="0"/>
+              <a:t>Bestaan uit 150 huizen met zonnepanelen.</a:t>
+            </a:r>
+            <a:br>
+              <a:rPr lang="nl-NL" sz="2000" dirty="0"/>
+            </a:br>
+            <a:endParaRPr lang="nl-NL" sz="2000" dirty="0"/>
+          </a:p>
+          <a:p>
+            <a:pPr lvl="1">
+              <a:buFont typeface="Arial" panose="020B0604020202020204" pitchFamily="34" charset="0"/>
+              <a:buChar char="•"/>
+            </a:pPr>
+            <a:r>
+              <a:rPr lang="nl-NL" sz="2000" dirty="0"/>
+              <a:t>De energie moet worden opgeslagen in 5 batterijen.</a:t>
+            </a:r>
+            <a:br>
+              <a:rPr lang="nl-NL" sz="2000" dirty="0"/>
+            </a:br>
+            <a:endParaRPr lang="nl-NL" sz="2000" dirty="0"/>
+          </a:p>
+          <a:p>
+            <a:pPr lvl="1">
+              <a:buFont typeface="Arial" panose="020B0604020202020204" pitchFamily="34" charset="0"/>
+              <a:buChar char="•"/>
+            </a:pPr>
+            <a:r>
+              <a:rPr lang="nl-NL" sz="2000" dirty="0"/>
+              <a:t>Door de huizen met kabels te verbinden aan de batterijen.</a:t>
+            </a:r>
+          </a:p>
+          <a:p>
+            <a:pPr lvl="1">
+              <a:buFont typeface="Arial" panose="020B0604020202020204" pitchFamily="34" charset="0"/>
+              <a:buChar char="•"/>
+            </a:pPr>
+            <a:endParaRPr lang="nl-NL" dirty="0"/>
+          </a:p>
+          <a:p>
+            <a:pPr marL="0" indent="0">
+              <a:buNone/>
+            </a:pPr>
+            <a:endParaRPr lang="nl-NL" dirty="0"/>
+          </a:p>
+          <a:p>
+            <a:pPr>
+              <a:buFont typeface="Arial" panose="020B0604020202020204" pitchFamily="34" charset="0"/>
+              <a:buChar char="•"/>
+            </a:pPr>
+            <a:endParaRPr lang="nl-NL" dirty="0"/>
+          </a:p>
+          <a:p>
+            <a:pPr>
+              <a:buFont typeface="Arial" panose="020B0604020202020204" pitchFamily="34" charset="0"/>
+              <a:buChar char="•"/>
+            </a:pPr>
+            <a:endParaRPr lang="nl-NL" dirty="0"/>
+          </a:p>
+          <a:p>
+            <a:pPr>
+              <a:buFont typeface="Arial" panose="020B0604020202020204" pitchFamily="34" charset="0"/>
+              <a:buChar char="•"/>
+            </a:pPr>
+            <a:endParaRPr lang="nl-NL" dirty="0"/>
+          </a:p>
+          <a:p>
+            <a:pPr>
+              <a:buFont typeface="Arial" panose="020B0604020202020204" pitchFamily="34" charset="0"/>
+              <a:buChar char="•"/>
+            </a:pPr>
+            <a:endParaRPr lang="nl-NL" dirty="0"/>
+          </a:p>
+          <a:p>
+            <a:pPr marL="0" indent="0">
+              <a:buNone/>
+            </a:pPr>
+            <a:endParaRPr lang="nl-NL" dirty="0"/>
+          </a:p>
+          <a:p>
+            <a:pPr marL="0" indent="0" algn="ctr">
+              <a:buNone/>
+            </a:pPr>
+            <a:r>
+              <a:rPr lang="nl-NL" b="1" dirty="0"/>
+              <a:t>Doel</a:t>
+            </a:r>
+          </a:p>
+          <a:p>
+            <a:pPr marL="0" indent="0" algn="ctr">
+              <a:buNone/>
+            </a:pPr>
+            <a:r>
+              <a:rPr lang="nl-NL" dirty="0"/>
+              <a:t>Verbind alle huizen aan één batterij zonder dat de capaciteit van de batterijen overschreden wordt.</a:t>
+            </a:r>
+          </a:p>
+          <a:p>
+            <a:pPr>
+              <a:buFont typeface="Arial" panose="020B0604020202020204" pitchFamily="34" charset="0"/>
+              <a:buChar char="•"/>
+            </a:pPr>
+            <a:endParaRPr lang="nl-NL" dirty="0"/>
+          </a:p>
+        </p:txBody>
+      </p:sp>
+      <p:sp>
+        <p:nvSpPr>
+          <p:cNvPr id="4" name="Tijdelijke aanduiding voor tekst 3">
+            <a:extLst>
+              <a:ext uri="{FF2B5EF4-FFF2-40B4-BE49-F238E27FC236}">
+                <a16:creationId xmlns:a16="http://schemas.microsoft.com/office/drawing/2014/main" id="{B820065C-3076-44B3-91A5-53D918FF9753}"/>
+              </a:ext>
+            </a:extLst>
+          </p:cNvPr>
+          <p:cNvSpPr>
+            <a:spLocks noGrp="1"/>
+          </p:cNvSpPr>
+          <p:nvPr>
+            <p:ph type="body" sz="half" idx="2"/>
+          </p:nvPr>
+        </p:nvSpPr>
+        <p:spPr/>
+        <p:txBody>
+          <a:bodyPr/>
+          <a:lstStyle/>
+          <a:p>
+            <a:endParaRPr lang="nl-NL" dirty="0"/>
+          </a:p>
+        </p:txBody>
+      </p:sp>
+    </p:spTree>
+    <p:extLst>
+      <p:ext uri="{BB962C8B-B14F-4D97-AF65-F5344CB8AC3E}">
+        <p14:creationId xmlns:p14="http://schemas.microsoft.com/office/powerpoint/2010/main" val="1063994261"/>
+      </p:ext>
+    </p:extLst>
+  </p:cSld>
+  <p:clrMapOvr>
+    <a:masterClrMapping/>
+  </p:clrMapOvr>
+</p:sld>
+</file>
+
+<file path=ppt/slides/slide20.xml><?xml version="1.0" encoding="utf-8"?>
+<p:sld xmlns:a="http://schemas.openxmlformats.org/drawingml/2006/main" xmlns:r="http://schemas.openxmlformats.org/officeDocument/2006/relationships" xmlns:p="http://schemas.openxmlformats.org/presentationml/2006/main">
+  <p:cSld>
+    <p:spTree>
+      <p:nvGrpSpPr>
+        <p:cNvPr id="1" name=""/>
+        <p:cNvGrpSpPr/>
+        <p:nvPr/>
+      </p:nvGrpSpPr>
+      <p:grpSpPr>
+        <a:xfrm>
+          <a:off x="0" y="0"/>
+          <a:ext cx="0" cy="0"/>
+          <a:chOff x="0" y="0"/>
+          <a:chExt cx="0" cy="0"/>
+        </a:xfrm>
+      </p:grpSpPr>
+      <p:sp>
+        <p:nvSpPr>
+          <p:cNvPr id="2" name="Titel 1">
+            <a:extLst>
+              <a:ext uri="{FF2B5EF4-FFF2-40B4-BE49-F238E27FC236}">
+                <a16:creationId xmlns:a16="http://schemas.microsoft.com/office/drawing/2014/main" id="{E2AF88F7-8C5F-4C49-B5D4-7111C099C11E}"/>
+              </a:ext>
+            </a:extLst>
+          </p:cNvPr>
+          <p:cNvSpPr>
+            <a:spLocks noGrp="1"/>
+          </p:cNvSpPr>
+          <p:nvPr>
+            <p:ph type="title"/>
+          </p:nvPr>
+        </p:nvSpPr>
+        <p:spPr/>
+        <p:txBody>
+          <a:bodyPr/>
+          <a:lstStyle/>
+          <a:p>
+            <a:r>
+              <a:rPr lang="nl-NL" dirty="0"/>
+              <a:t>HAC</a:t>
+            </a:r>
+          </a:p>
+        </p:txBody>
+      </p:sp>
+      <p:sp>
+        <p:nvSpPr>
+          <p:cNvPr id="4" name="Tijdelijke aanduiding voor tekst 3">
+            <a:extLst>
+              <a:ext uri="{FF2B5EF4-FFF2-40B4-BE49-F238E27FC236}">
+                <a16:creationId xmlns:a16="http://schemas.microsoft.com/office/drawing/2014/main" id="{EC8A4D63-0BAA-4FAC-8FB5-B6E951E8C1D8}"/>
+              </a:ext>
+            </a:extLst>
+          </p:cNvPr>
+          <p:cNvSpPr>
+            <a:spLocks noGrp="1"/>
+          </p:cNvSpPr>
+          <p:nvPr>
+            <p:ph type="body" sz="half" idx="2"/>
+          </p:nvPr>
+        </p:nvSpPr>
+        <p:spPr/>
+        <p:txBody>
+          <a:bodyPr>
+            <a:normAutofit lnSpcReduction="10000"/>
+          </a:bodyPr>
+          <a:lstStyle/>
+          <a:p>
+            <a:endParaRPr lang="nl-NL" dirty="0"/>
+          </a:p>
+          <a:p>
+            <a:r>
+              <a:rPr lang="nl-NL" dirty="0" err="1"/>
+              <a:t>Updated</a:t>
+            </a:r>
+            <a:r>
+              <a:rPr lang="nl-NL" dirty="0"/>
+              <a:t> </a:t>
+            </a:r>
+            <a:r>
+              <a:rPr lang="nl-NL" dirty="0" err="1"/>
+              <a:t>lowerbound</a:t>
+            </a:r>
+            <a:r>
+              <a:rPr lang="nl-NL" dirty="0"/>
+              <a:t>:</a:t>
+            </a:r>
+          </a:p>
+          <a:p>
+            <a:r>
+              <a:rPr lang="nl-NL" dirty="0"/>
+              <a:t>€ 23.364</a:t>
+            </a:r>
+          </a:p>
+          <a:p>
+            <a:endParaRPr lang="nl-NL" dirty="0"/>
+          </a:p>
+          <a:p>
+            <a:r>
+              <a:rPr lang="nl-NL" dirty="0" err="1"/>
+              <a:t>Updated</a:t>
+            </a:r>
+            <a:r>
+              <a:rPr lang="nl-NL" dirty="0"/>
+              <a:t> </a:t>
+            </a:r>
+            <a:r>
+              <a:rPr lang="nl-NL" dirty="0" err="1"/>
+              <a:t>upperbound</a:t>
+            </a:r>
+            <a:r>
+              <a:rPr lang="nl-NL" dirty="0"/>
+              <a:t>:</a:t>
+            </a:r>
+          </a:p>
+          <a:p>
+            <a:r>
+              <a:rPr lang="nl-NL" dirty="0"/>
+              <a:t>€ 59976</a:t>
+            </a:r>
+          </a:p>
+          <a:p>
+            <a:endParaRPr lang="nl-NL" dirty="0"/>
+          </a:p>
+          <a:p>
+            <a:r>
+              <a:rPr lang="nl-NL" dirty="0"/>
+              <a:t>Total </a:t>
+            </a:r>
+            <a:r>
+              <a:rPr lang="nl-NL" dirty="0" err="1"/>
+              <a:t>costs</a:t>
+            </a:r>
+            <a:r>
+              <a:rPr lang="nl-NL" dirty="0"/>
+              <a:t>:</a:t>
+            </a:r>
+          </a:p>
+          <a:p>
+            <a:r>
+              <a:rPr lang="nl-NL" dirty="0"/>
+              <a:t>€ 23364</a:t>
+            </a:r>
+          </a:p>
+          <a:p>
+            <a:endParaRPr lang="nl-NL" dirty="0"/>
+          </a:p>
+        </p:txBody>
+      </p:sp>
+      <p:pic>
+        <p:nvPicPr>
+          <p:cNvPr id="10" name="HAC wijk 1">
+            <a:hlinkClick r:id="" action="ppaction://media"/>
+            <a:extLst>
+              <a:ext uri="{FF2B5EF4-FFF2-40B4-BE49-F238E27FC236}">
+                <a16:creationId xmlns:a16="http://schemas.microsoft.com/office/drawing/2014/main" id="{38CA762F-8363-4669-B50E-9219CBA56AF4}"/>
+              </a:ext>
+            </a:extLst>
+          </p:cNvPr>
+          <p:cNvPicPr>
+            <a:picLocks noGrp="1" noChangeAspect="1"/>
+          </p:cNvPicPr>
+          <p:nvPr>
+            <p:ph idx="1"/>
+            <a:videoFile r:link="rId2"/>
+            <p:extLst>
+              <p:ext uri="{DAA4B4D4-6D71-4841-9C94-3DE7FCFB9230}">
+                <p14:media xmlns:p14="http://schemas.microsoft.com/office/powerpoint/2010/main" r:embed="rId1"/>
+              </p:ext>
+            </p:extLst>
+          </p:nvPr>
+        </p:nvPicPr>
+        <p:blipFill>
+          <a:blip r:embed="rId4"/>
+          <a:stretch>
+            <a:fillRect/>
+          </a:stretch>
+        </p:blipFill>
+        <p:spPr>
+          <a:xfrm>
+            <a:off x="4314825" y="594359"/>
+            <a:ext cx="7686675" cy="5765946"/>
+          </a:xfrm>
+        </p:spPr>
+      </p:pic>
+    </p:spTree>
+    <p:extLst>
+      <p:ext uri="{BB962C8B-B14F-4D97-AF65-F5344CB8AC3E}">
+        <p14:creationId xmlns:p14="http://schemas.microsoft.com/office/powerpoint/2010/main" val="1781955868"/>
+      </p:ext>
+    </p:extLst>
+  </p:cSld>
+  <p:clrMapOvr>
+    <a:masterClrMapping/>
+  </p:clrMapOvr>
+  <p:timing>
+    <p:tnLst>
+      <p:par>
+        <p:cTn id="1" dur="indefinite" restart="never" nodeType="tmRoot">
+          <p:childTnLst>
+            <p:seq concurrent="1" nextAc="seek">
+              <p:cTn id="2" dur="indefinite" nodeType="mainSeq">
+                <p:childTnLst>
+                  <p:par>
+                    <p:cTn id="3" fill="hold">
+                      <p:stCondLst>
+                        <p:cond delay="indefinite"/>
+                      </p:stCondLst>
+                      <p:childTnLst>
+                        <p:par>
+                          <p:cTn id="4" fill="hold">
+                            <p:stCondLst>
+                              <p:cond delay="0"/>
+                            </p:stCondLst>
+                            <p:childTnLst>
+                              <p:par>
+                                <p:cTn id="5" presetID="1" presetClass="mediacall" presetSubtype="0" fill="hold" nodeType="clickEffect">
+                                  <p:stCondLst>
+                                    <p:cond delay="0"/>
+                                  </p:stCondLst>
+                                  <p:childTnLst>
+                                    <p:cmd type="call" cmd="playFrom(0.0)">
+                                      <p:cBhvr>
+                                        <p:cTn id="6" dur="88235" fill="hold"/>
+                                        <p:tgtEl>
+                                          <p:spTgt spid="10"/>
+                                        </p:tgtEl>
+                                      </p:cBhvr>
+                                    </p:cmd>
+                                  </p:childTnLst>
+                                </p:cTn>
+                              </p:par>
+                            </p:childTnLst>
+                          </p:cTn>
+                        </p:par>
+                      </p:childTnLst>
+                    </p:cTn>
+                  </p:par>
+                </p:childTnLst>
+              </p:cTn>
+              <p:prevCondLst>
+                <p:cond evt="onPrev" delay="0">
+                  <p:tgtEl>
+                    <p:sldTgt/>
+                  </p:tgtEl>
+                </p:cond>
+              </p:prevCondLst>
+              <p:nextCondLst>
+                <p:cond evt="onNext" delay="0">
+                  <p:tgtEl>
+                    <p:sldTgt/>
+                  </p:tgtEl>
+                </p:cond>
+              </p:nextCondLst>
+            </p:seq>
+            <p:video>
+              <p:cMediaNode vol="80000">
+                <p:cTn id="7" fill="hold" display="0">
+                  <p:stCondLst>
+                    <p:cond delay="indefinite"/>
+                  </p:stCondLst>
+                </p:cTn>
+                <p:tgtEl>
+                  <p:spTgt spid="10"/>
+                </p:tgtEl>
+              </p:cMediaNode>
+            </p:video>
+            <p:seq concurrent="1" nextAc="seek">
+              <p:cTn id="8" restart="whenNotActive" fill="hold" evtFilter="cancelBubble" nodeType="interactiveSeq">
+                <p:stCondLst>
+                  <p:cond evt="onClick" delay="0">
+                    <p:tgtEl>
+                      <p:spTgt spid="10"/>
+                    </p:tgtEl>
+                  </p:cond>
+                </p:stCondLst>
+                <p:endSync evt="end" delay="0">
+                  <p:rtn val="all"/>
+                </p:endSync>
+                <p:childTnLst>
+                  <p:par>
+                    <p:cTn id="9" fill="hold">
+                      <p:stCondLst>
+                        <p:cond delay="0"/>
+                      </p:stCondLst>
+                      <p:childTnLst>
+                        <p:par>
+                          <p:cTn id="10" fill="hold">
+                            <p:stCondLst>
+                              <p:cond delay="0"/>
+                            </p:stCondLst>
+                            <p:childTnLst>
+                              <p:par>
+                                <p:cTn id="11" presetID="2" presetClass="mediacall" presetSubtype="0" fill="hold" nodeType="clickEffect">
+                                  <p:stCondLst>
+                                    <p:cond delay="0"/>
+                                  </p:stCondLst>
+                                  <p:childTnLst>
+                                    <p:cmd type="call" cmd="togglePause">
+                                      <p:cBhvr>
+                                        <p:cTn id="12" dur="1" fill="hold"/>
+                                        <p:tgtEl>
+                                          <p:spTgt spid="10"/>
+                                        </p:tgtEl>
+                                      </p:cBhvr>
+                                    </p:cmd>
+                                  </p:childTnLst>
+                                </p:cTn>
+                              </p:par>
+                            </p:childTnLst>
+                          </p:cTn>
+                        </p:par>
+                      </p:childTnLst>
+                    </p:cTn>
+                  </p:par>
+                </p:childTnLst>
+              </p:cTn>
+              <p:nextCondLst>
+                <p:cond evt="onClick" delay="0">
+                  <p:tgtEl>
+                    <p:spTgt spid="10"/>
+                  </p:tgtEl>
+                </p:cond>
+              </p:nextCondLst>
+            </p:seq>
+          </p:childTnLst>
+        </p:cTn>
+      </p:par>
+    </p:tnLst>
+  </p:timing>
+</p:sld>
+</file>
+
+<file path=ppt/slides/slide21.xml><?xml version="1.0" encoding="utf-8"?>
 <p:sld xmlns:a="http://schemas.openxmlformats.org/drawingml/2006/main" xmlns:r="http://schemas.openxmlformats.org/officeDocument/2006/relationships" xmlns:p="http://schemas.openxmlformats.org/presentationml/2006/main">
   <p:cSld>
     <p:spTree>
@@ -5813,7 +6807,7 @@
     </p:spTree>
     <p:extLst>
       <p:ext uri="{BB962C8B-B14F-4D97-AF65-F5344CB8AC3E}">
-        <p14:creationId xmlns:p14="http://schemas.microsoft.com/office/powerpoint/2010/main" val="1781955868"/>
+        <p14:creationId xmlns:p14="http://schemas.microsoft.com/office/powerpoint/2010/main" val="3419522252"/>
       </p:ext>
     </p:extLst>
   </p:cSld>
@@ -5823,7 +6817,7 @@
 </p:sld>
 </file>
 
-<file path=ppt/slides/slide19.xml><?xml version="1.0" encoding="utf-8"?>
+<file path=ppt/slides/slide22.xml><?xml version="1.0" encoding="utf-8"?>
 <p:sld xmlns:a="http://schemas.openxmlformats.org/drawingml/2006/main" xmlns:r="http://schemas.openxmlformats.org/officeDocument/2006/relationships" xmlns:p="http://schemas.openxmlformats.org/presentationml/2006/main">
   <p:cSld>
     <p:spTree>
@@ -5931,240 +6925,7 @@
 </p:sld>
 </file>
 
-<file path=ppt/slides/slide2.xml><?xml version="1.0" encoding="utf-8"?>
-<p:sld xmlns:a="http://schemas.openxmlformats.org/drawingml/2006/main" xmlns:r="http://schemas.openxmlformats.org/officeDocument/2006/relationships" xmlns:p="http://schemas.openxmlformats.org/presentationml/2006/main">
-  <p:cSld>
-    <p:spTree>
-      <p:nvGrpSpPr>
-        <p:cNvPr id="1" name=""/>
-        <p:cNvGrpSpPr/>
-        <p:nvPr/>
-      </p:nvGrpSpPr>
-      <p:grpSpPr>
-        <a:xfrm>
-          <a:off x="0" y="0"/>
-          <a:ext cx="0" cy="0"/>
-          <a:chOff x="0" y="0"/>
-          <a:chExt cx="0" cy="0"/>
-        </a:xfrm>
-      </p:grpSpPr>
-      <p:sp>
-        <p:nvSpPr>
-          <p:cNvPr id="2" name="Titel 1">
-            <a:extLst>
-              <a:ext uri="{FF2B5EF4-FFF2-40B4-BE49-F238E27FC236}">
-                <a16:creationId xmlns:a16="http://schemas.microsoft.com/office/drawing/2014/main" id="{DAD6F0B8-BA7C-40D4-9B1C-1D8F4E9E3BCD}"/>
-              </a:ext>
-            </a:extLst>
-          </p:cNvPr>
-          <p:cNvSpPr>
-            <a:spLocks noGrp="1"/>
-          </p:cNvSpPr>
-          <p:nvPr>
-            <p:ph type="title"/>
-          </p:nvPr>
-        </p:nvSpPr>
-        <p:spPr/>
-        <p:txBody>
-          <a:bodyPr/>
-          <a:lstStyle/>
-          <a:p>
-            <a:r>
-              <a:rPr lang="nl-NL" dirty="0"/>
-              <a:t>Casus</a:t>
-            </a:r>
-          </a:p>
-        </p:txBody>
-      </p:sp>
-      <p:sp>
-        <p:nvSpPr>
-          <p:cNvPr id="3" name="Tijdelijke aanduiding voor inhoud 2">
-            <a:extLst>
-              <a:ext uri="{FF2B5EF4-FFF2-40B4-BE49-F238E27FC236}">
-                <a16:creationId xmlns:a16="http://schemas.microsoft.com/office/drawing/2014/main" id="{7AE16F52-BD17-4045-BC51-AB4CE7D85413}"/>
-              </a:ext>
-            </a:extLst>
-          </p:cNvPr>
-          <p:cNvSpPr>
-            <a:spLocks noGrp="1"/>
-          </p:cNvSpPr>
-          <p:nvPr>
-            <p:ph idx="1"/>
-          </p:nvPr>
-        </p:nvSpPr>
-        <p:spPr/>
-        <p:txBody>
-          <a:bodyPr>
-            <a:normAutofit fontScale="85000" lnSpcReduction="20000"/>
-          </a:bodyPr>
-          <a:lstStyle/>
-          <a:p>
-            <a:pPr marL="201168" lvl="1" indent="0">
-              <a:buNone/>
-            </a:pPr>
-            <a:r>
-              <a:rPr lang="nl-NL" sz="2800" b="1" dirty="0"/>
-              <a:t>Drie wijken</a:t>
-            </a:r>
-          </a:p>
-          <a:p>
-            <a:pPr lvl="1">
-              <a:buFont typeface="Arial" panose="020B0604020202020204" pitchFamily="34" charset="0"/>
-              <a:buChar char="•"/>
-            </a:pPr>
-            <a:endParaRPr lang="nl-NL" sz="2000" dirty="0"/>
-          </a:p>
-          <a:p>
-            <a:pPr lvl="1">
-              <a:buFont typeface="Arial" panose="020B0604020202020204" pitchFamily="34" charset="0"/>
-              <a:buChar char="•"/>
-            </a:pPr>
-            <a:r>
-              <a:rPr lang="nl-NL" sz="2000" dirty="0"/>
-              <a:t>Bestaan uit 150 huizen met zonnepanelen.</a:t>
-            </a:r>
-            <a:br>
-              <a:rPr lang="nl-NL" sz="2000" dirty="0"/>
-            </a:br>
-            <a:endParaRPr lang="nl-NL" sz="2000" dirty="0"/>
-          </a:p>
-          <a:p>
-            <a:pPr lvl="1">
-              <a:buFont typeface="Arial" panose="020B0604020202020204" pitchFamily="34" charset="0"/>
-              <a:buChar char="•"/>
-            </a:pPr>
-            <a:r>
-              <a:rPr lang="nl-NL" sz="2000" dirty="0"/>
-              <a:t>De energie moet worden opgeslagen in 5 batterijen.</a:t>
-            </a:r>
-            <a:br>
-              <a:rPr lang="nl-NL" sz="2000" dirty="0"/>
-            </a:br>
-            <a:endParaRPr lang="nl-NL" sz="2000" dirty="0"/>
-          </a:p>
-          <a:p>
-            <a:pPr lvl="1">
-              <a:buFont typeface="Arial" panose="020B0604020202020204" pitchFamily="34" charset="0"/>
-              <a:buChar char="•"/>
-            </a:pPr>
-            <a:r>
-              <a:rPr lang="nl-NL" sz="2000" dirty="0"/>
-              <a:t>Door de huizen met kabels te verbinden aan de batterijen.</a:t>
-            </a:r>
-          </a:p>
-          <a:p>
-            <a:pPr lvl="1">
-              <a:buFont typeface="Arial" panose="020B0604020202020204" pitchFamily="34" charset="0"/>
-              <a:buChar char="•"/>
-            </a:pPr>
-            <a:endParaRPr lang="nl-NL" dirty="0"/>
-          </a:p>
-          <a:p>
-            <a:pPr marL="0" indent="0">
-              <a:buNone/>
-            </a:pPr>
-            <a:endParaRPr lang="nl-NL" dirty="0"/>
-          </a:p>
-          <a:p>
-            <a:pPr>
-              <a:buFont typeface="Arial" panose="020B0604020202020204" pitchFamily="34" charset="0"/>
-              <a:buChar char="•"/>
-            </a:pPr>
-            <a:endParaRPr lang="nl-NL" dirty="0"/>
-          </a:p>
-          <a:p>
-            <a:pPr>
-              <a:buFont typeface="Arial" panose="020B0604020202020204" pitchFamily="34" charset="0"/>
-              <a:buChar char="•"/>
-            </a:pPr>
-            <a:endParaRPr lang="nl-NL" dirty="0"/>
-          </a:p>
-          <a:p>
-            <a:pPr>
-              <a:buFont typeface="Arial" panose="020B0604020202020204" pitchFamily="34" charset="0"/>
-              <a:buChar char="•"/>
-            </a:pPr>
-            <a:endParaRPr lang="nl-NL" dirty="0"/>
-          </a:p>
-          <a:p>
-            <a:pPr>
-              <a:buFont typeface="Arial" panose="020B0604020202020204" pitchFamily="34" charset="0"/>
-              <a:buChar char="•"/>
-            </a:pPr>
-            <a:endParaRPr lang="nl-NL" dirty="0"/>
-          </a:p>
-          <a:p>
-            <a:pPr marL="0" indent="0">
-              <a:buNone/>
-            </a:pPr>
-            <a:endParaRPr lang="nl-NL" dirty="0"/>
-          </a:p>
-          <a:p>
-            <a:pPr marL="0" indent="0" algn="ctr">
-              <a:buNone/>
-            </a:pPr>
-            <a:r>
-              <a:rPr lang="nl-NL" b="1" dirty="0"/>
-              <a:t>Doel</a:t>
-            </a:r>
-          </a:p>
-          <a:p>
-            <a:pPr marL="0" indent="0" algn="ctr">
-              <a:buNone/>
-            </a:pPr>
-            <a:r>
-              <a:rPr lang="nl-NL" dirty="0"/>
-              <a:t>Verbind alle huizen aan één batterij zonder dat de capaciteit van de batterijen overschreden wordt.</a:t>
-            </a:r>
-          </a:p>
-          <a:p>
-            <a:pPr>
-              <a:buFont typeface="Arial" panose="020B0604020202020204" pitchFamily="34" charset="0"/>
-              <a:buChar char="•"/>
-            </a:pPr>
-            <a:endParaRPr lang="nl-NL" dirty="0"/>
-          </a:p>
-        </p:txBody>
-      </p:sp>
-      <p:sp>
-        <p:nvSpPr>
-          <p:cNvPr id="4" name="Tijdelijke aanduiding voor tekst 3">
-            <a:extLst>
-              <a:ext uri="{FF2B5EF4-FFF2-40B4-BE49-F238E27FC236}">
-                <a16:creationId xmlns:a16="http://schemas.microsoft.com/office/drawing/2014/main" id="{B820065C-3076-44B3-91A5-53D918FF9753}"/>
-              </a:ext>
-            </a:extLst>
-          </p:cNvPr>
-          <p:cNvSpPr>
-            <a:spLocks noGrp="1"/>
-          </p:cNvSpPr>
-          <p:nvPr>
-            <p:ph type="body" sz="half" idx="2"/>
-          </p:nvPr>
-        </p:nvSpPr>
-        <p:spPr/>
-        <p:txBody>
-          <a:bodyPr/>
-          <a:lstStyle/>
-          <a:p>
-            <a:endParaRPr lang="nl-NL" dirty="0"/>
-          </a:p>
-        </p:txBody>
-      </p:sp>
-    </p:spTree>
-    <p:extLst>
-      <p:ext uri="{BB962C8B-B14F-4D97-AF65-F5344CB8AC3E}">
-        <p14:creationId xmlns:p14="http://schemas.microsoft.com/office/powerpoint/2010/main" val="1063994261"/>
-      </p:ext>
-    </p:extLst>
-  </p:cSld>
-  <p:clrMapOvr>
-    <a:masterClrMapping/>
-  </p:clrMapOvr>
-</p:sld>
-</file>
-
-<file path=ppt/slides/slide20.xml><?xml version="1.0" encoding="utf-8"?>
+<file path=ppt/slides/slide23.xml><?xml version="1.0" encoding="utf-8"?>
 <p:sld xmlns:a="http://schemas.openxmlformats.org/drawingml/2006/main" xmlns:r="http://schemas.openxmlformats.org/officeDocument/2006/relationships" xmlns:p="http://schemas.openxmlformats.org/presentationml/2006/main">
   <p:cSld>
     <p:spTree>
@@ -6272,7 +7033,7 @@
 </p:sld>
 </file>
 
-<file path=ppt/slides/slide21.xml><?xml version="1.0" encoding="utf-8"?>
+<file path=ppt/slides/slide24.xml><?xml version="1.0" encoding="utf-8"?>
 <p:sld xmlns:a="http://schemas.openxmlformats.org/drawingml/2006/main" xmlns:r="http://schemas.openxmlformats.org/officeDocument/2006/relationships" xmlns:p="http://schemas.openxmlformats.org/presentationml/2006/main">
   <p:cSld>
     <p:spTree>
@@ -6490,7 +7251,7 @@
 </p:sld>
 </file>
 
-<file path=ppt/slides/slide22.xml><?xml version="1.0" encoding="utf-8"?>
+<file path=ppt/slides/slide25.xml><?xml version="1.0" encoding="utf-8"?>
 <p:sld xmlns:a="http://schemas.openxmlformats.org/drawingml/2006/main" xmlns:r="http://schemas.openxmlformats.org/officeDocument/2006/relationships" xmlns:p="http://schemas.openxmlformats.org/presentationml/2006/main">
   <p:cSld>
     <p:spTree>
@@ -6573,7 +7334,7 @@
 </p:sld>
 </file>
 
-<file path=ppt/slides/slide23.xml><?xml version="1.0" encoding="utf-8"?>
+<file path=ppt/slides/slide26.xml><?xml version="1.0" encoding="utf-8"?>
 <p:sld xmlns:a="http://schemas.openxmlformats.org/drawingml/2006/main" xmlns:r="http://schemas.openxmlformats.org/officeDocument/2006/relationships" xmlns:p="http://schemas.openxmlformats.org/presentationml/2006/main">
   <p:cSld>
     <p:spTree>
@@ -8383,7 +9144,7 @@
 </p:sld>
 </file>
 
-<file path=ppt/slides/slide24.xml><?xml version="1.0" encoding="utf-8"?>
+<file path=ppt/slides/slide27.xml><?xml version="1.0" encoding="utf-8"?>
 <p:sld xmlns:a="http://schemas.openxmlformats.org/drawingml/2006/main" xmlns:r="http://schemas.openxmlformats.org/officeDocument/2006/relationships" xmlns:p="http://schemas.openxmlformats.org/presentationml/2006/main">
   <p:cSld>
     <p:spTree>
@@ -8997,7 +9758,7 @@
 </p:sld>
 </file>
 
-<file path=ppt/slides/slide25.xml><?xml version="1.0" encoding="utf-8"?>
+<file path=ppt/slides/slide28.xml><?xml version="1.0" encoding="utf-8"?>
 <p:sld xmlns:a="http://schemas.openxmlformats.org/drawingml/2006/main" xmlns:r="http://schemas.openxmlformats.org/officeDocument/2006/relationships" xmlns:p="http://schemas.openxmlformats.org/presentationml/2006/main">
   <p:cSld>
     <p:spTree>
@@ -10432,19 +11193,11 @@
           <a:p>
             <a:r>
               <a:rPr lang="nl-NL" dirty="0"/>
-              <a:t>Nadat alle huizen verbonden zijn, kijkt de </a:t>
+              <a:t>Nadat alle huizen verbonden zijn, kijkt de Hill </a:t>
             </a:r>
             <a:r>
               <a:rPr lang="nl-NL" dirty="0" err="1"/>
-              <a:t>hill</a:t>
-            </a:r>
-            <a:r>
-              <a:rPr lang="nl-NL" dirty="0"/>
-              <a:t> </a:t>
-            </a:r>
-            <a:r>
-              <a:rPr lang="nl-NL" dirty="0" err="1"/>
-              <a:t>climber</a:t>
+              <a:t>Climber</a:t>
             </a:r>
             <a:r>
               <a:rPr lang="nl-NL" dirty="0"/>

--- a/eindpresentatie.pptx
+++ b/eindpresentatie.pptx
@@ -23,16 +23,17 @@
     <p:sldId id="272" r:id="rId17"/>
     <p:sldId id="285" r:id="rId18"/>
     <p:sldId id="273" r:id="rId19"/>
-    <p:sldId id="274" r:id="rId20"/>
-    <p:sldId id="275" r:id="rId21"/>
-    <p:sldId id="286" r:id="rId22"/>
-    <p:sldId id="276" r:id="rId23"/>
-    <p:sldId id="277" r:id="rId24"/>
-    <p:sldId id="278" r:id="rId25"/>
-    <p:sldId id="279" r:id="rId26"/>
-    <p:sldId id="280" r:id="rId27"/>
-    <p:sldId id="282" r:id="rId28"/>
-    <p:sldId id="283" r:id="rId29"/>
+    <p:sldId id="287" r:id="rId20"/>
+    <p:sldId id="274" r:id="rId21"/>
+    <p:sldId id="275" r:id="rId22"/>
+    <p:sldId id="286" r:id="rId23"/>
+    <p:sldId id="276" r:id="rId24"/>
+    <p:sldId id="277" r:id="rId25"/>
+    <p:sldId id="278" r:id="rId26"/>
+    <p:sldId id="279" r:id="rId27"/>
+    <p:sldId id="280" r:id="rId28"/>
+    <p:sldId id="282" r:id="rId29"/>
+    <p:sldId id="283" r:id="rId30"/>
   </p:sldIdLst>
   <p:sldSz cx="12192000" cy="6858000"/>
   <p:notesSz cx="6858000" cy="9144000"/>
@@ -133,7 +134,7 @@
   </p:defaultTextStyle>
   <p:extLst>
     <p:ext uri="{EFAFB233-063F-42B5-8137-9DF3F51BA10A}">
-      <p15:sldGuideLst xmlns:p15="http://schemas.microsoft.com/office/powerpoint/2012/main"/>
+      <p15:sldGuideLst xmlns:p15="http://schemas.microsoft.com/office/powerpoint/2012/main" xmlns=""/>
     </p:ext>
   </p:extLst>
 </p:presentation>
@@ -1677,7 +1678,7 @@
   </p:clrMapOvr>
   <p:extLst>
     <p:ext uri="{DCECCB84-F9BA-43D5-87BE-67443E8EF086}">
-      <p15:sldGuideLst xmlns:p15="http://schemas.microsoft.com/office/powerpoint/2012/main"/>
+      <p15:sldGuideLst xmlns:p15="http://schemas.microsoft.com/office/powerpoint/2012/main" xmlns=""/>
     </p:ext>
   </p:extLst>
 </p:sldLayout>
@@ -2061,7 +2062,7 @@
   </p:clrMapOvr>
   <p:extLst>
     <p:ext uri="{DCECCB84-F9BA-43D5-87BE-67443E8EF086}">
-      <p15:sldGuideLst xmlns:p15="http://schemas.microsoft.com/office/powerpoint/2012/main"/>
+      <p15:sldGuideLst xmlns:p15="http://schemas.microsoft.com/office/powerpoint/2012/main" xmlns=""/>
     </p:ext>
   </p:extLst>
 </p:sldLayout>
@@ -2730,7 +2731,7 @@
   </p:clrMapOvr>
   <p:extLst>
     <p:ext uri="{DCECCB84-F9BA-43D5-87BE-67443E8EF086}">
-      <p15:sldGuideLst xmlns:p15="http://schemas.microsoft.com/office/powerpoint/2012/main"/>
+      <p15:sldGuideLst xmlns:p15="http://schemas.microsoft.com/office/powerpoint/2012/main" xmlns=""/>
     </p:ext>
   </p:extLst>
 </p:sldLayout>
@@ -3824,7 +3825,7 @@
   </p:txStyles>
   <p:extLst>
     <p:ext uri="{27BBF7A9-308A-43DC-89C8-2F10F3537804}">
-      <p15:sldGuideLst xmlns:p15="http://schemas.microsoft.com/office/powerpoint/2012/main"/>
+      <p15:sldGuideLst xmlns:p15="http://schemas.microsoft.com/office/powerpoint/2012/main" xmlns=""/>
     </p:ext>
   </p:extLst>
 </p:sldMaster>
@@ -3860,10 +3861,10 @@
           <p:cNvPr id="15" name="Rectangle 8">
             <a:extLst>
               <a:ext uri="{FF2B5EF4-FFF2-40B4-BE49-F238E27FC236}">
-                <a16:creationId xmlns:a16="http://schemas.microsoft.com/office/drawing/2014/main" id="{8638A98B-4B4B-4607-B11F-7DCA0D7CCE17}"/>
+                <a16:creationId xmlns:a16="http://schemas.microsoft.com/office/drawing/2014/main" xmlns="" id="{8638A98B-4B4B-4607-B11F-7DCA0D7CCE17}"/>
               </a:ext>
               <a:ext uri="{C183D7F6-B498-43B3-948B-1728B52AA6E4}">
-                <adec:decorative xmlns:adec="http://schemas.microsoft.com/office/drawing/2017/decorative" val="1"/>
+                <adec:decorative xmlns:adec="http://schemas.microsoft.com/office/drawing/2017/decorative" xmlns="" val="1"/>
               </a:ext>
             </a:extLst>
           </p:cNvPr>
@@ -3873,7 +3874,7 @@
           <p:nvPr>
             <p:extLst>
               <p:ext uri="{386F3935-93C4-4BCD-93E2-E3B085C9AB24}">
-                <p16:designElem xmlns:p16="http://schemas.microsoft.com/office/powerpoint/2015/main" val="1"/>
+                <p16:designElem xmlns:p16="http://schemas.microsoft.com/office/powerpoint/2015/main" xmlns="" val="1"/>
               </p:ext>
             </p:extLst>
           </p:nvPr>
@@ -3920,10 +3921,10 @@
           <p:cNvPr id="16" name="Rectangle 10">
             <a:extLst>
               <a:ext uri="{FF2B5EF4-FFF2-40B4-BE49-F238E27FC236}">
-                <a16:creationId xmlns:a16="http://schemas.microsoft.com/office/drawing/2014/main" id="{8E3B9B0E-204E-4BFD-B58A-E71D9CDC37F3}"/>
+                <a16:creationId xmlns:a16="http://schemas.microsoft.com/office/drawing/2014/main" xmlns="" id="{8E3B9B0E-204E-4BFD-B58A-E71D9CDC37F3}"/>
               </a:ext>
               <a:ext uri="{C183D7F6-B498-43B3-948B-1728B52AA6E4}">
-                <adec:decorative xmlns:adec="http://schemas.microsoft.com/office/drawing/2017/decorative" val="1"/>
+                <adec:decorative xmlns:adec="http://schemas.microsoft.com/office/drawing/2017/decorative" xmlns="" val="1"/>
               </a:ext>
             </a:extLst>
           </p:cNvPr>
@@ -3933,7 +3934,7 @@
           <p:nvPr>
             <p:extLst>
               <p:ext uri="{386F3935-93C4-4BCD-93E2-E3B085C9AB24}">
-                <p16:designElem xmlns:p16="http://schemas.microsoft.com/office/powerpoint/2015/main" val="1"/>
+                <p16:designElem xmlns:p16="http://schemas.microsoft.com/office/powerpoint/2015/main" xmlns="" val="1"/>
               </p:ext>
             </p:extLst>
           </p:nvPr>
@@ -3975,7 +3976,7 @@
           <p:cNvPr id="2" name="Titel 1">
             <a:extLst>
               <a:ext uri="{FF2B5EF4-FFF2-40B4-BE49-F238E27FC236}">
-                <a16:creationId xmlns:a16="http://schemas.microsoft.com/office/drawing/2014/main" id="{95A7A957-67FA-428E-A353-4765A01815C6}"/>
+                <a16:creationId xmlns:a16="http://schemas.microsoft.com/office/drawing/2014/main" xmlns="" id="{95A7A957-67FA-428E-A353-4765A01815C6}"/>
               </a:ext>
             </a:extLst>
           </p:cNvPr>
@@ -4014,7 +4015,7 @@
           <p:cNvPr id="3" name="Ondertitel 2">
             <a:extLst>
               <a:ext uri="{FF2B5EF4-FFF2-40B4-BE49-F238E27FC236}">
-                <a16:creationId xmlns:a16="http://schemas.microsoft.com/office/drawing/2014/main" id="{B0AC9592-BF6A-41DF-81A0-370F66866526}"/>
+                <a16:creationId xmlns:a16="http://schemas.microsoft.com/office/drawing/2014/main" xmlns="" id="{B0AC9592-BF6A-41DF-81A0-370F66866526}"/>
               </a:ext>
             </a:extLst>
           </p:cNvPr>
@@ -4053,10 +4054,10 @@
           <p:cNvPr id="17" name="Rectangle 12">
             <a:extLst>
               <a:ext uri="{FF2B5EF4-FFF2-40B4-BE49-F238E27FC236}">
-                <a16:creationId xmlns:a16="http://schemas.microsoft.com/office/drawing/2014/main" id="{B1121E64-CB88-4BF5-B531-C0316E7F6E30}"/>
+                <a16:creationId xmlns:a16="http://schemas.microsoft.com/office/drawing/2014/main" xmlns="" id="{B1121E64-CB88-4BF5-B531-C0316E7F6E30}"/>
               </a:ext>
               <a:ext uri="{C183D7F6-B498-43B3-948B-1728B52AA6E4}">
-                <adec:decorative xmlns:adec="http://schemas.microsoft.com/office/drawing/2017/decorative" val="1"/>
+                <adec:decorative xmlns:adec="http://schemas.microsoft.com/office/drawing/2017/decorative" xmlns="" val="1"/>
               </a:ext>
             </a:extLst>
           </p:cNvPr>
@@ -4066,7 +4067,7 @@
           <p:nvPr>
             <p:extLst>
               <p:ext uri="{386F3935-93C4-4BCD-93E2-E3B085C9AB24}">
-                <p16:designElem xmlns:p16="http://schemas.microsoft.com/office/powerpoint/2015/main" val="1"/>
+                <p16:designElem xmlns:p16="http://schemas.microsoft.com/office/powerpoint/2015/main" xmlns="" val="1"/>
               </p:ext>
             </p:extLst>
           </p:nvPr>
@@ -4108,7 +4109,7 @@
           <p:cNvPr id="12" name="Afbeelding 4" descr="Afbeelding met kaart, tekst&#10;&#10;Beschrijving is gegenereerd met hoge betrouwbaarheid">
             <a:extLst>
               <a:ext uri="{FF2B5EF4-FFF2-40B4-BE49-F238E27FC236}">
-                <a16:creationId xmlns:a16="http://schemas.microsoft.com/office/drawing/2014/main" id="{994C6334-C849-44B1-AD55-3652E1C3CA27}"/>
+                <a16:creationId xmlns:a16="http://schemas.microsoft.com/office/drawing/2014/main" xmlns="" id="{994C6334-C849-44B1-AD55-3652E1C3CA27}"/>
               </a:ext>
             </a:extLst>
           </p:cNvPr>
@@ -4168,7 +4169,7 @@
           <p:cNvPr id="2" name="Titel 1">
             <a:extLst>
               <a:ext uri="{FF2B5EF4-FFF2-40B4-BE49-F238E27FC236}">
-                <a16:creationId xmlns:a16="http://schemas.microsoft.com/office/drawing/2014/main" id="{9138CBA1-E50A-4D03-B966-D25ABD33BB22}"/>
+                <a16:creationId xmlns:a16="http://schemas.microsoft.com/office/drawing/2014/main" xmlns="" id="{9138CBA1-E50A-4D03-B966-D25ABD33BB22}"/>
               </a:ext>
             </a:extLst>
           </p:cNvPr>
@@ -4196,7 +4197,7 @@
           <p:cNvPr id="4" name="Tijdelijke aanduiding voor inhoud 2">
             <a:extLst>
               <a:ext uri="{FF2B5EF4-FFF2-40B4-BE49-F238E27FC236}">
-                <a16:creationId xmlns:a16="http://schemas.microsoft.com/office/drawing/2014/main" id="{12824B7A-2B53-49F0-96C0-1D2942F5A2C5}"/>
+                <a16:creationId xmlns:a16="http://schemas.microsoft.com/office/drawing/2014/main" xmlns="" id="{12824B7A-2B53-49F0-96C0-1D2942F5A2C5}"/>
               </a:ext>
             </a:extLst>
           </p:cNvPr>
@@ -4297,7 +4298,7 @@
           <p:cNvPr id="5" name="Afbeelding 4">
             <a:extLst>
               <a:ext uri="{FF2B5EF4-FFF2-40B4-BE49-F238E27FC236}">
-                <a16:creationId xmlns:a16="http://schemas.microsoft.com/office/drawing/2014/main" id="{7A0BF2CF-1F3A-4EAF-805B-E5A0280A2D0F}"/>
+                <a16:creationId xmlns:a16="http://schemas.microsoft.com/office/drawing/2014/main" xmlns="" id="{7A0BF2CF-1F3A-4EAF-805B-E5A0280A2D0F}"/>
               </a:ext>
             </a:extLst>
           </p:cNvPr>
@@ -4363,7 +4364,7 @@
           <p:cNvPr id="2" name="Titel 1">
             <a:extLst>
               <a:ext uri="{FF2B5EF4-FFF2-40B4-BE49-F238E27FC236}">
-                <a16:creationId xmlns:a16="http://schemas.microsoft.com/office/drawing/2014/main" id="{734D9080-2589-4AF6-8F7B-4AE22F164876}"/>
+                <a16:creationId xmlns:a16="http://schemas.microsoft.com/office/drawing/2014/main" xmlns="" id="{734D9080-2589-4AF6-8F7B-4AE22F164876}"/>
               </a:ext>
             </a:extLst>
           </p:cNvPr>
@@ -4403,7 +4404,7 @@
           <p:cNvPr id="3" name="Tijdelijke aanduiding voor inhoud 2">
             <a:extLst>
               <a:ext uri="{FF2B5EF4-FFF2-40B4-BE49-F238E27FC236}">
-                <a16:creationId xmlns:a16="http://schemas.microsoft.com/office/drawing/2014/main" id="{7067533A-4CEE-4349-B6DE-E612862AFA56}"/>
+                <a16:creationId xmlns:a16="http://schemas.microsoft.com/office/drawing/2014/main" xmlns="" id="{7067533A-4CEE-4349-B6DE-E612862AFA56}"/>
               </a:ext>
             </a:extLst>
           </p:cNvPr>
@@ -4536,7 +4537,7 @@
           <p:cNvPr id="5" name="Picture 2">
             <a:extLst>
               <a:ext uri="{FF2B5EF4-FFF2-40B4-BE49-F238E27FC236}">
-                <a16:creationId xmlns:a16="http://schemas.microsoft.com/office/drawing/2014/main" id="{3E96288B-839A-465A-A9A0-F6D231C85922}"/>
+                <a16:creationId xmlns:a16="http://schemas.microsoft.com/office/drawing/2014/main" xmlns="" id="{3E96288B-839A-465A-A9A0-F6D231C85922}"/>
               </a:ext>
             </a:extLst>
           </p:cNvPr>
@@ -4628,7 +4629,7 @@
           <p:cNvPr id="2" name="Titel 1">
             <a:extLst>
               <a:ext uri="{FF2B5EF4-FFF2-40B4-BE49-F238E27FC236}">
-                <a16:creationId xmlns:a16="http://schemas.microsoft.com/office/drawing/2014/main" id="{2F33ED97-E8AF-440E-AF0F-B3BE1F2FE56F}"/>
+                <a16:creationId xmlns:a16="http://schemas.microsoft.com/office/drawing/2014/main" xmlns="" id="{2F33ED97-E8AF-440E-AF0F-B3BE1F2FE56F}"/>
               </a:ext>
             </a:extLst>
           </p:cNvPr>
@@ -4653,7 +4654,7 @@
           <p:cNvPr id="3" name="Tijdelijke aanduiding voor inhoud 2">
             <a:extLst>
               <a:ext uri="{FF2B5EF4-FFF2-40B4-BE49-F238E27FC236}">
-                <a16:creationId xmlns:a16="http://schemas.microsoft.com/office/drawing/2014/main" id="{DAECCB79-4D45-408C-9823-AC3B53B5645C}"/>
+                <a16:creationId xmlns:a16="http://schemas.microsoft.com/office/drawing/2014/main" xmlns="" id="{DAECCB79-4D45-408C-9823-AC3B53B5645C}"/>
               </a:ext>
             </a:extLst>
           </p:cNvPr>
@@ -4708,7 +4709,7 @@
           <p:cNvPr id="2" name="Titel 1">
             <a:extLst>
               <a:ext uri="{FF2B5EF4-FFF2-40B4-BE49-F238E27FC236}">
-                <a16:creationId xmlns:a16="http://schemas.microsoft.com/office/drawing/2014/main" id="{50FF477D-3996-4B60-B51C-D95FEBF8AF6A}"/>
+                <a16:creationId xmlns:a16="http://schemas.microsoft.com/office/drawing/2014/main" xmlns="" id="{50FF477D-3996-4B60-B51C-D95FEBF8AF6A}"/>
               </a:ext>
             </a:extLst>
           </p:cNvPr>
@@ -4736,7 +4737,7 @@
           <p:cNvPr id="3" name="Tijdelijke aanduiding voor inhoud 2">
             <a:extLst>
               <a:ext uri="{FF2B5EF4-FFF2-40B4-BE49-F238E27FC236}">
-                <a16:creationId xmlns:a16="http://schemas.microsoft.com/office/drawing/2014/main" id="{C6B03C70-5322-4F06-BF01-C50A75B97D98}"/>
+                <a16:creationId xmlns:a16="http://schemas.microsoft.com/office/drawing/2014/main" xmlns="" id="{C6B03C70-5322-4F06-BF01-C50A75B97D98}"/>
               </a:ext>
             </a:extLst>
           </p:cNvPr>
@@ -4761,7 +4762,7 @@
           <p:cNvPr id="4" name="Tijdelijke aanduiding voor tekst 3">
             <a:extLst>
               <a:ext uri="{FF2B5EF4-FFF2-40B4-BE49-F238E27FC236}">
-                <a16:creationId xmlns:a16="http://schemas.microsoft.com/office/drawing/2014/main" id="{E58185B6-6807-498F-BCC4-BF700AA98455}"/>
+                <a16:creationId xmlns:a16="http://schemas.microsoft.com/office/drawing/2014/main" xmlns="" id="{E58185B6-6807-498F-BCC4-BF700AA98455}"/>
               </a:ext>
             </a:extLst>
           </p:cNvPr>
@@ -4819,7 +4820,7 @@
           <p:cNvPr id="2" name="Titel 1">
             <a:extLst>
               <a:ext uri="{FF2B5EF4-FFF2-40B4-BE49-F238E27FC236}">
-                <a16:creationId xmlns:a16="http://schemas.microsoft.com/office/drawing/2014/main" id="{2ADD442A-ECBE-4C2E-8CF5-F881B90CEA04}"/>
+                <a16:creationId xmlns:a16="http://schemas.microsoft.com/office/drawing/2014/main" xmlns="" id="{2ADD442A-ECBE-4C2E-8CF5-F881B90CEA04}"/>
               </a:ext>
             </a:extLst>
           </p:cNvPr>
@@ -4848,7 +4849,7 @@
           <p:cNvPr id="4" name="Tijdelijke aanduiding voor tekst 3">
             <a:extLst>
               <a:ext uri="{FF2B5EF4-FFF2-40B4-BE49-F238E27FC236}">
-                <a16:creationId xmlns:a16="http://schemas.microsoft.com/office/drawing/2014/main" id="{6E668C27-C86B-47E1-8E22-B1DB789CF1A2}"/>
+                <a16:creationId xmlns:a16="http://schemas.microsoft.com/office/drawing/2014/main" xmlns="" id="{6E668C27-C86B-47E1-8E22-B1DB789CF1A2}"/>
               </a:ext>
             </a:extLst>
           </p:cNvPr>
@@ -4884,6 +4885,10 @@
               </a:rPr>
               <a:t>€ 53.188</a:t>
             </a:r>
+            <a:r>
+              <a:rPr lang="nl-NL" dirty="0"/>
+              <a:t/>
+            </a:r>
             <a:br>
               <a:rPr lang="nl-NL" dirty="0"/>
             </a:br>
@@ -4946,7 +4951,7 @@
           <p:cNvPr id="5" name="Tijdelijke aanduiding voor inhoud 4">
             <a:extLst>
               <a:ext uri="{FF2B5EF4-FFF2-40B4-BE49-F238E27FC236}">
-                <a16:creationId xmlns:a16="http://schemas.microsoft.com/office/drawing/2014/main" id="{5D51237B-CCB6-47EB-AE12-0DE2111A01DB}"/>
+                <a16:creationId xmlns:a16="http://schemas.microsoft.com/office/drawing/2014/main" xmlns="" id="{5D51237B-CCB6-47EB-AE12-0DE2111A01DB}"/>
               </a:ext>
             </a:extLst>
           </p:cNvPr>
@@ -5008,7 +5013,7 @@
           <p:cNvPr id="2" name="Titel 1">
             <a:extLst>
               <a:ext uri="{FF2B5EF4-FFF2-40B4-BE49-F238E27FC236}">
-                <a16:creationId xmlns:a16="http://schemas.microsoft.com/office/drawing/2014/main" id="{2ADD442A-ECBE-4C2E-8CF5-F881B90CEA04}"/>
+                <a16:creationId xmlns:a16="http://schemas.microsoft.com/office/drawing/2014/main" xmlns="" id="{2ADD442A-ECBE-4C2E-8CF5-F881B90CEA04}"/>
               </a:ext>
             </a:extLst>
           </p:cNvPr>
@@ -5037,7 +5042,7 @@
           <p:cNvPr id="4" name="Tijdelijke aanduiding voor tekst 3">
             <a:extLst>
               <a:ext uri="{FF2B5EF4-FFF2-40B4-BE49-F238E27FC236}">
-                <a16:creationId xmlns:a16="http://schemas.microsoft.com/office/drawing/2014/main" id="{6E668C27-C86B-47E1-8E22-B1DB789CF1A2}"/>
+                <a16:creationId xmlns:a16="http://schemas.microsoft.com/office/drawing/2014/main" xmlns="" id="{6E668C27-C86B-47E1-8E22-B1DB789CF1A2}"/>
               </a:ext>
             </a:extLst>
           </p:cNvPr>
@@ -5073,6 +5078,10 @@
               </a:rPr>
               <a:t>€ 53.188</a:t>
             </a:r>
+            <a:r>
+              <a:rPr lang="nl-NL" dirty="0"/>
+              <a:t/>
+            </a:r>
             <a:br>
               <a:rPr lang="nl-NL" dirty="0"/>
             </a:br>
@@ -5135,7 +5144,7 @@
           <p:cNvPr id="8" name="Tijdelijke aanduiding voor inhoud 7">
             <a:extLst>
               <a:ext uri="{FF2B5EF4-FFF2-40B4-BE49-F238E27FC236}">
-                <a16:creationId xmlns:a16="http://schemas.microsoft.com/office/drawing/2014/main" id="{D62F46A5-5676-4068-AAFE-8A10F720BD53}"/>
+                <a16:creationId xmlns:a16="http://schemas.microsoft.com/office/drawing/2014/main" xmlns="" id="{D62F46A5-5676-4068-AAFE-8A10F720BD53}"/>
               </a:ext>
             </a:extLst>
           </p:cNvPr>
@@ -5200,7 +5209,7 @@
           <p:cNvPr id="2" name="Titel 1">
             <a:extLst>
               <a:ext uri="{FF2B5EF4-FFF2-40B4-BE49-F238E27FC236}">
-                <a16:creationId xmlns:a16="http://schemas.microsoft.com/office/drawing/2014/main" id="{10BD30ED-10E2-4D0F-AC1D-355DC0DED169}"/>
+                <a16:creationId xmlns:a16="http://schemas.microsoft.com/office/drawing/2014/main" xmlns="" id="{10BD30ED-10E2-4D0F-AC1D-355DC0DED169}"/>
               </a:ext>
             </a:extLst>
           </p:cNvPr>
@@ -5233,7 +5242,7 @@
           <p:cNvPr id="4" name="Tijdelijke aanduiding voor tekst 3">
             <a:extLst>
               <a:ext uri="{FF2B5EF4-FFF2-40B4-BE49-F238E27FC236}">
-                <a16:creationId xmlns:a16="http://schemas.microsoft.com/office/drawing/2014/main" id="{05A9ACB6-FF3F-43F8-8767-3A85A4FD5E54}"/>
+                <a16:creationId xmlns:a16="http://schemas.microsoft.com/office/drawing/2014/main" xmlns="" id="{05A9ACB6-FF3F-43F8-8767-3A85A4FD5E54}"/>
               </a:ext>
             </a:extLst>
           </p:cNvPr>
@@ -5382,7 +5391,7 @@
           <p:cNvPr id="5" name="Tijdelijke aanduiding voor inhoud 4">
             <a:extLst>
               <a:ext uri="{FF2B5EF4-FFF2-40B4-BE49-F238E27FC236}">
-                <a16:creationId xmlns:a16="http://schemas.microsoft.com/office/drawing/2014/main" id="{3E35A52F-126C-4CA9-B998-F7AB262B47CD}"/>
+                <a16:creationId xmlns:a16="http://schemas.microsoft.com/office/drawing/2014/main" xmlns="" id="{3E35A52F-126C-4CA9-B998-F7AB262B47CD}"/>
               </a:ext>
             </a:extLst>
           </p:cNvPr>
@@ -5444,7 +5453,7 @@
           <p:cNvPr id="2" name="Titel 1">
             <a:extLst>
               <a:ext uri="{FF2B5EF4-FFF2-40B4-BE49-F238E27FC236}">
-                <a16:creationId xmlns:a16="http://schemas.microsoft.com/office/drawing/2014/main" id="{10BD30ED-10E2-4D0F-AC1D-355DC0DED169}"/>
+                <a16:creationId xmlns:a16="http://schemas.microsoft.com/office/drawing/2014/main" xmlns="" id="{10BD30ED-10E2-4D0F-AC1D-355DC0DED169}"/>
               </a:ext>
             </a:extLst>
           </p:cNvPr>
@@ -5477,7 +5486,7 @@
           <p:cNvPr id="4" name="Tijdelijke aanduiding voor tekst 3">
             <a:extLst>
               <a:ext uri="{FF2B5EF4-FFF2-40B4-BE49-F238E27FC236}">
-                <a16:creationId xmlns:a16="http://schemas.microsoft.com/office/drawing/2014/main" id="{05A9ACB6-FF3F-43F8-8767-3A85A4FD5E54}"/>
+                <a16:creationId xmlns:a16="http://schemas.microsoft.com/office/drawing/2014/main" xmlns="" id="{05A9ACB6-FF3F-43F8-8767-3A85A4FD5E54}"/>
               </a:ext>
             </a:extLst>
           </p:cNvPr>
@@ -5626,7 +5635,7 @@
           <p:cNvPr id="8" name="Tijdelijke aanduiding voor inhoud 7">
             <a:extLst>
               <a:ext uri="{FF2B5EF4-FFF2-40B4-BE49-F238E27FC236}">
-                <a16:creationId xmlns:a16="http://schemas.microsoft.com/office/drawing/2014/main" id="{23C9F7E4-D712-4860-B55C-CCE857ADF0DF}"/>
+                <a16:creationId xmlns:a16="http://schemas.microsoft.com/office/drawing/2014/main" xmlns="" id="{23C9F7E4-D712-4860-B55C-CCE857ADF0DF}"/>
               </a:ext>
             </a:extLst>
           </p:cNvPr>
@@ -5691,7 +5700,7 @@
           <p:cNvPr id="2" name="Titel 1">
             <a:extLst>
               <a:ext uri="{FF2B5EF4-FFF2-40B4-BE49-F238E27FC236}">
-                <a16:creationId xmlns:a16="http://schemas.microsoft.com/office/drawing/2014/main" id="{019706C5-0C55-4325-B764-475319084E8D}"/>
+                <a16:creationId xmlns:a16="http://schemas.microsoft.com/office/drawing/2014/main" xmlns="" id="{019706C5-0C55-4325-B764-475319084E8D}"/>
               </a:ext>
             </a:extLst>
           </p:cNvPr>
@@ -5728,7 +5737,7 @@
           <p:cNvPr id="4" name="Tijdelijke aanduiding voor tekst 3">
             <a:extLst>
               <a:ext uri="{FF2B5EF4-FFF2-40B4-BE49-F238E27FC236}">
-                <a16:creationId xmlns:a16="http://schemas.microsoft.com/office/drawing/2014/main" id="{D5551FED-6E2A-441F-AC9A-4A6A08FF225D}"/>
+                <a16:creationId xmlns:a16="http://schemas.microsoft.com/office/drawing/2014/main" xmlns="" id="{D5551FED-6E2A-441F-AC9A-4A6A08FF225D}"/>
               </a:ext>
             </a:extLst>
           </p:cNvPr>
@@ -5812,7 +5821,7 @@
           <p:cNvPr id="8" name="Tijdelijke aanduiding voor inhoud 7">
             <a:extLst>
               <a:ext uri="{FF2B5EF4-FFF2-40B4-BE49-F238E27FC236}">
-                <a16:creationId xmlns:a16="http://schemas.microsoft.com/office/drawing/2014/main" id="{A0D017B3-1D80-4354-B062-07029AD85245}"/>
+                <a16:creationId xmlns:a16="http://schemas.microsoft.com/office/drawing/2014/main" xmlns="" id="{A0D017B3-1D80-4354-B062-07029AD85245}"/>
               </a:ext>
             </a:extLst>
           </p:cNvPr>
@@ -5872,12 +5881,475 @@
           <a:chExt cx="0" cy="0"/>
         </a:xfrm>
       </p:grpSpPr>
+      <p:pic>
+        <p:nvPicPr>
+          <p:cNvPr id="1026" name="Picture 2"/>
+          <p:cNvPicPr>
+            <a:picLocks noChangeAspect="1" noChangeArrowheads="1"/>
+          </p:cNvPicPr>
+          <p:nvPr/>
+        </p:nvPicPr>
+        <p:blipFill>
+          <a:blip r:embed="rId2">
+            <a:extLst>
+              <a:ext uri="{28A0092B-C50C-407E-A947-70E740481C1C}">
+                <a14:useLocalDpi xmlns:a14="http://schemas.microsoft.com/office/drawing/2010/main" val="0"/>
+              </a:ext>
+            </a:extLst>
+          </a:blip>
+          <a:srcRect/>
+          <a:stretch>
+            <a:fillRect/>
+          </a:stretch>
+        </p:blipFill>
+        <p:spPr bwMode="auto">
+          <a:xfrm>
+            <a:off x="5331837" y="752475"/>
+            <a:ext cx="5705475" cy="5581650"/>
+          </a:xfrm>
+          <a:prstGeom prst="rect">
+            <a:avLst/>
+          </a:prstGeom>
+          <a:noFill/>
+          <a:ln>
+            <a:noFill/>
+          </a:ln>
+          <a:extLst>
+            <a:ext uri="{909E8E84-426E-40DD-AFC4-6F175D3DCCD1}">
+              <a14:hiddenFill xmlns:a14="http://schemas.microsoft.com/office/drawing/2010/main">
+                <a:solidFill>
+                  <a:schemeClr val="accent1"/>
+                </a:solidFill>
+              </a14:hiddenFill>
+            </a:ext>
+            <a:ext uri="{91240B29-F687-4F45-9708-019B960494DF}">
+              <a14:hiddenLine xmlns:a14="http://schemas.microsoft.com/office/drawing/2010/main" w="9525">
+                <a:solidFill>
+                  <a:schemeClr val="tx1"/>
+                </a:solidFill>
+                <a:miter lim="800000"/>
+                <a:headEnd/>
+                <a:tailEnd/>
+              </a14:hiddenLine>
+            </a:ext>
+          </a:extLst>
+        </p:spPr>
+      </p:pic>
+      <p:sp>
+        <p:nvSpPr>
+          <p:cNvPr id="7" name="Titel 1">
+            <a:extLst>
+              <a:ext uri="{FF2B5EF4-FFF2-40B4-BE49-F238E27FC236}">
+                <a16:creationId xmlns:a16="http://schemas.microsoft.com/office/drawing/2014/main" xmlns="" id="{019706C5-0C55-4325-B764-475319084E8D}"/>
+              </a:ext>
+            </a:extLst>
+          </p:cNvPr>
+          <p:cNvSpPr txBox="1">
+            <a:spLocks/>
+          </p:cNvSpPr>
+          <p:nvPr/>
+        </p:nvSpPr>
+        <p:spPr>
+          <a:xfrm>
+            <a:off x="609600" y="746759"/>
+            <a:ext cx="3200400" cy="2286000"/>
+          </a:xfrm>
+          <a:prstGeom prst="rect">
+            <a:avLst/>
+          </a:prstGeom>
+        </p:spPr>
+        <p:txBody>
+          <a:bodyPr vert="horz" lIns="91440" tIns="45720" rIns="91440" bIns="45720" rtlCol="0" anchor="b">
+            <a:normAutofit/>
+          </a:bodyPr>
+          <a:lstStyle>
+            <a:lvl1pPr algn="l" defTabSz="914400" rtl="0" eaLnBrk="1" latinLnBrk="0" hangingPunct="1">
+              <a:lnSpc>
+                <a:spcPct val="85000"/>
+              </a:lnSpc>
+              <a:spcBef>
+                <a:spcPct val="0"/>
+              </a:spcBef>
+              <a:buNone/>
+              <a:defRPr sz="3600" b="0" kern="1200" spc="-50" baseline="0">
+                <a:solidFill>
+                  <a:srgbClr val="FFFFFF"/>
+                </a:solidFill>
+                <a:latin typeface="+mj-lt"/>
+                <a:ea typeface="+mj-ea"/>
+                <a:cs typeface="+mj-cs"/>
+              </a:defRPr>
+            </a:lvl1pPr>
+          </a:lstStyle>
+          <a:p>
+            <a:r>
+              <a:rPr lang="nl-NL" smtClean="0"/>
+              <a:t>Simulated Annealing</a:t>
+            </a:r>
+            <a:endParaRPr lang="nl-NL" dirty="0"/>
+          </a:p>
+        </p:txBody>
+      </p:sp>
+      <p:sp>
+        <p:nvSpPr>
+          <p:cNvPr id="8" name="Tijdelijke aanduiding voor tekst 3">
+            <a:extLst>
+              <a:ext uri="{FF2B5EF4-FFF2-40B4-BE49-F238E27FC236}">
+                <a16:creationId xmlns:a16="http://schemas.microsoft.com/office/drawing/2014/main" xmlns="" id="{D5551FED-6E2A-441F-AC9A-4A6A08FF225D}"/>
+              </a:ext>
+            </a:extLst>
+          </p:cNvPr>
+          <p:cNvSpPr txBox="1">
+            <a:spLocks/>
+          </p:cNvSpPr>
+          <p:nvPr/>
+        </p:nvSpPr>
+        <p:spPr>
+          <a:xfrm>
+            <a:off x="609600" y="3078480"/>
+            <a:ext cx="3200400" cy="3379124"/>
+          </a:xfrm>
+          <a:prstGeom prst="rect">
+            <a:avLst/>
+          </a:prstGeom>
+        </p:spPr>
+        <p:txBody>
+          <a:bodyPr vert="horz" lIns="91440" tIns="45720" rIns="91440" bIns="45720" rtlCol="0">
+            <a:normAutofit/>
+          </a:bodyPr>
+          <a:lstStyle>
+            <a:lvl1pPr marL="0" indent="0" algn="l" defTabSz="914400" rtl="0" eaLnBrk="1" latinLnBrk="0" hangingPunct="1">
+              <a:lnSpc>
+                <a:spcPct val="90000"/>
+              </a:lnSpc>
+              <a:spcBef>
+                <a:spcPts val="1200"/>
+              </a:spcBef>
+              <a:spcAft>
+                <a:spcPts val="200"/>
+              </a:spcAft>
+              <a:buClr>
+                <a:schemeClr val="accent1"/>
+              </a:buClr>
+              <a:buSzPct val="100000"/>
+              <a:buFont typeface="Calibri" panose="020F0502020204030204" pitchFamily="34" charset="0"/>
+              <a:buNone/>
+              <a:defRPr sz="1500" kern="1200">
+                <a:solidFill>
+                  <a:srgbClr val="FFFFFF"/>
+                </a:solidFill>
+                <a:latin typeface="+mn-lt"/>
+                <a:ea typeface="+mn-ea"/>
+                <a:cs typeface="+mn-cs"/>
+              </a:defRPr>
+            </a:lvl1pPr>
+            <a:lvl2pPr marL="457200" indent="0" algn="l" defTabSz="914400" rtl="0" eaLnBrk="1" latinLnBrk="0" hangingPunct="1">
+              <a:lnSpc>
+                <a:spcPct val="90000"/>
+              </a:lnSpc>
+              <a:spcBef>
+                <a:spcPts val="200"/>
+              </a:spcBef>
+              <a:spcAft>
+                <a:spcPts val="400"/>
+              </a:spcAft>
+              <a:buClr>
+                <a:schemeClr val="accent1"/>
+              </a:buClr>
+              <a:buFont typeface="Calibri" pitchFamily="34" charset="0"/>
+              <a:buNone/>
+              <a:defRPr sz="1200" kern="1200">
+                <a:solidFill>
+                  <a:schemeClr val="tx1">
+                    <a:lumMod val="75000"/>
+                    <a:lumOff val="25000"/>
+                  </a:schemeClr>
+                </a:solidFill>
+                <a:latin typeface="+mn-lt"/>
+                <a:ea typeface="+mn-ea"/>
+                <a:cs typeface="+mn-cs"/>
+              </a:defRPr>
+            </a:lvl2pPr>
+            <a:lvl3pPr marL="914400" indent="0" algn="l" defTabSz="914400" rtl="0" eaLnBrk="1" latinLnBrk="0" hangingPunct="1">
+              <a:lnSpc>
+                <a:spcPct val="90000"/>
+              </a:lnSpc>
+              <a:spcBef>
+                <a:spcPts val="200"/>
+              </a:spcBef>
+              <a:spcAft>
+                <a:spcPts val="400"/>
+              </a:spcAft>
+              <a:buClr>
+                <a:schemeClr val="accent1"/>
+              </a:buClr>
+              <a:buFont typeface="Calibri" pitchFamily="34" charset="0"/>
+              <a:buNone/>
+              <a:defRPr sz="1000" kern="1200">
+                <a:solidFill>
+                  <a:schemeClr val="tx1">
+                    <a:lumMod val="75000"/>
+                    <a:lumOff val="25000"/>
+                  </a:schemeClr>
+                </a:solidFill>
+                <a:latin typeface="+mn-lt"/>
+                <a:ea typeface="+mn-ea"/>
+                <a:cs typeface="+mn-cs"/>
+              </a:defRPr>
+            </a:lvl3pPr>
+            <a:lvl4pPr marL="1371600" indent="0" algn="l" defTabSz="914400" rtl="0" eaLnBrk="1" latinLnBrk="0" hangingPunct="1">
+              <a:lnSpc>
+                <a:spcPct val="90000"/>
+              </a:lnSpc>
+              <a:spcBef>
+                <a:spcPts val="200"/>
+              </a:spcBef>
+              <a:spcAft>
+                <a:spcPts val="400"/>
+              </a:spcAft>
+              <a:buClr>
+                <a:schemeClr val="accent1"/>
+              </a:buClr>
+              <a:buFont typeface="Calibri" pitchFamily="34" charset="0"/>
+              <a:buNone/>
+              <a:defRPr sz="900" kern="1200">
+                <a:solidFill>
+                  <a:schemeClr val="tx1">
+                    <a:lumMod val="75000"/>
+                    <a:lumOff val="25000"/>
+                  </a:schemeClr>
+                </a:solidFill>
+                <a:latin typeface="+mn-lt"/>
+                <a:ea typeface="+mn-ea"/>
+                <a:cs typeface="+mn-cs"/>
+              </a:defRPr>
+            </a:lvl4pPr>
+            <a:lvl5pPr marL="1828800" indent="0" algn="l" defTabSz="914400" rtl="0" eaLnBrk="1" latinLnBrk="0" hangingPunct="1">
+              <a:lnSpc>
+                <a:spcPct val="90000"/>
+              </a:lnSpc>
+              <a:spcBef>
+                <a:spcPts val="200"/>
+              </a:spcBef>
+              <a:spcAft>
+                <a:spcPts val="400"/>
+              </a:spcAft>
+              <a:buClr>
+                <a:schemeClr val="accent1"/>
+              </a:buClr>
+              <a:buFont typeface="Calibri" pitchFamily="34" charset="0"/>
+              <a:buNone/>
+              <a:defRPr sz="900" kern="1200">
+                <a:solidFill>
+                  <a:schemeClr val="tx1">
+                    <a:lumMod val="75000"/>
+                    <a:lumOff val="25000"/>
+                  </a:schemeClr>
+                </a:solidFill>
+                <a:latin typeface="+mn-lt"/>
+                <a:ea typeface="+mn-ea"/>
+                <a:cs typeface="+mn-cs"/>
+              </a:defRPr>
+            </a:lvl5pPr>
+            <a:lvl6pPr marL="2286000" indent="0" algn="l" defTabSz="914400" rtl="0" eaLnBrk="1" latinLnBrk="0" hangingPunct="1">
+              <a:lnSpc>
+                <a:spcPct val="90000"/>
+              </a:lnSpc>
+              <a:spcBef>
+                <a:spcPts val="200"/>
+              </a:spcBef>
+              <a:spcAft>
+                <a:spcPts val="400"/>
+              </a:spcAft>
+              <a:buClr>
+                <a:schemeClr val="accent1"/>
+              </a:buClr>
+              <a:buFont typeface="Calibri" pitchFamily="34" charset="0"/>
+              <a:buNone/>
+              <a:defRPr sz="900" kern="1200">
+                <a:solidFill>
+                  <a:schemeClr val="tx1">
+                    <a:lumMod val="75000"/>
+                    <a:lumOff val="25000"/>
+                  </a:schemeClr>
+                </a:solidFill>
+                <a:latin typeface="+mn-lt"/>
+                <a:ea typeface="+mn-ea"/>
+                <a:cs typeface="+mn-cs"/>
+              </a:defRPr>
+            </a:lvl6pPr>
+            <a:lvl7pPr marL="2743200" indent="0" algn="l" defTabSz="914400" rtl="0" eaLnBrk="1" latinLnBrk="0" hangingPunct="1">
+              <a:lnSpc>
+                <a:spcPct val="90000"/>
+              </a:lnSpc>
+              <a:spcBef>
+                <a:spcPts val="200"/>
+              </a:spcBef>
+              <a:spcAft>
+                <a:spcPts val="400"/>
+              </a:spcAft>
+              <a:buClr>
+                <a:schemeClr val="accent1"/>
+              </a:buClr>
+              <a:buFont typeface="Calibri" pitchFamily="34" charset="0"/>
+              <a:buNone/>
+              <a:defRPr sz="900" kern="1200">
+                <a:solidFill>
+                  <a:schemeClr val="tx1">
+                    <a:lumMod val="75000"/>
+                    <a:lumOff val="25000"/>
+                  </a:schemeClr>
+                </a:solidFill>
+                <a:latin typeface="+mn-lt"/>
+                <a:ea typeface="+mn-ea"/>
+                <a:cs typeface="+mn-cs"/>
+              </a:defRPr>
+            </a:lvl7pPr>
+            <a:lvl8pPr marL="3200400" indent="0" algn="l" defTabSz="914400" rtl="0" eaLnBrk="1" latinLnBrk="0" hangingPunct="1">
+              <a:lnSpc>
+                <a:spcPct val="90000"/>
+              </a:lnSpc>
+              <a:spcBef>
+                <a:spcPts val="200"/>
+              </a:spcBef>
+              <a:spcAft>
+                <a:spcPts val="400"/>
+              </a:spcAft>
+              <a:buClr>
+                <a:schemeClr val="accent1"/>
+              </a:buClr>
+              <a:buFont typeface="Calibri" pitchFamily="34" charset="0"/>
+              <a:buNone/>
+              <a:defRPr sz="900" kern="1200">
+                <a:solidFill>
+                  <a:schemeClr val="tx1">
+                    <a:lumMod val="75000"/>
+                    <a:lumOff val="25000"/>
+                  </a:schemeClr>
+                </a:solidFill>
+                <a:latin typeface="+mn-lt"/>
+                <a:ea typeface="+mn-ea"/>
+                <a:cs typeface="+mn-cs"/>
+              </a:defRPr>
+            </a:lvl8pPr>
+            <a:lvl9pPr marL="3657600" indent="0" algn="l" defTabSz="914400" rtl="0" eaLnBrk="1" latinLnBrk="0" hangingPunct="1">
+              <a:lnSpc>
+                <a:spcPct val="90000"/>
+              </a:lnSpc>
+              <a:spcBef>
+                <a:spcPts val="200"/>
+              </a:spcBef>
+              <a:spcAft>
+                <a:spcPts val="400"/>
+              </a:spcAft>
+              <a:buClr>
+                <a:schemeClr val="accent1"/>
+              </a:buClr>
+              <a:buFont typeface="Calibri" pitchFamily="34" charset="0"/>
+              <a:buNone/>
+              <a:defRPr sz="900" kern="1200">
+                <a:solidFill>
+                  <a:schemeClr val="tx1">
+                    <a:lumMod val="75000"/>
+                    <a:lumOff val="25000"/>
+                  </a:schemeClr>
+                </a:solidFill>
+                <a:latin typeface="+mn-lt"/>
+                <a:ea typeface="+mn-ea"/>
+                <a:cs typeface="+mn-cs"/>
+              </a:defRPr>
+            </a:lvl9pPr>
+          </a:lstStyle>
+          <a:p>
+            <a:endParaRPr lang="nl-NL" smtClean="0"/>
+          </a:p>
+          <a:p>
+            <a:r>
+              <a:rPr lang="nl-NL" smtClean="0"/>
+              <a:t>Lowerbound:</a:t>
+            </a:r>
+          </a:p>
+          <a:p>
+            <a:r>
+              <a:rPr lang="nl-NL" smtClean="0">
+                <a:cs typeface="Segoe UI"/>
+              </a:rPr>
+              <a:t>€ 53.188</a:t>
+            </a:r>
+          </a:p>
+          <a:p>
+            <a:endParaRPr lang="nl-NL" smtClean="0">
+              <a:cs typeface="Segoe UI"/>
+            </a:endParaRPr>
+          </a:p>
+          <a:p>
+            <a:r>
+              <a:rPr lang="nl-NL" smtClean="0">
+                <a:cs typeface="Segoe UI"/>
+              </a:rPr>
+              <a:t>Upperbound:</a:t>
+            </a:r>
+            <a:r>
+              <a:rPr lang="en-US" smtClean="0">
+                <a:cs typeface="Segoe UI"/>
+              </a:rPr>
+              <a:t>​</a:t>
+            </a:r>
+          </a:p>
+          <a:p>
+            <a:r>
+              <a:rPr lang="nl-NL" smtClean="0">
+                <a:cs typeface="Segoe UI"/>
+              </a:rPr>
+              <a:t>€ 103.030</a:t>
+            </a:r>
+          </a:p>
+          <a:p>
+            <a:endParaRPr lang="en-US" smtClean="0">
+              <a:cs typeface="Segoe UI"/>
+            </a:endParaRPr>
+          </a:p>
+          <a:p>
+            <a:endParaRPr lang="nl-NL" dirty="0"/>
+          </a:p>
+        </p:txBody>
+      </p:sp>
+    </p:spTree>
+    <p:extLst>
+      <p:ext uri="{BB962C8B-B14F-4D97-AF65-F5344CB8AC3E}">
+        <p14:creationId xmlns:p14="http://schemas.microsoft.com/office/powerpoint/2010/main" val="466483606"/>
+      </p:ext>
+    </p:extLst>
+  </p:cSld>
+  <p:clrMapOvr>
+    <a:masterClrMapping/>
+  </p:clrMapOvr>
+</p:sld>
+</file>
+
+<file path=ppt/slides/slide2.xml><?xml version="1.0" encoding="utf-8"?>
+<p:sld xmlns:a="http://schemas.openxmlformats.org/drawingml/2006/main" xmlns:r="http://schemas.openxmlformats.org/officeDocument/2006/relationships" xmlns:p="http://schemas.openxmlformats.org/presentationml/2006/main">
+  <p:cSld>
+    <p:spTree>
+      <p:nvGrpSpPr>
+        <p:cNvPr id="1" name=""/>
+        <p:cNvGrpSpPr/>
+        <p:nvPr/>
+      </p:nvGrpSpPr>
+      <p:grpSpPr>
+        <a:xfrm>
+          <a:off x="0" y="0"/>
+          <a:ext cx="0" cy="0"/>
+          <a:chOff x="0" y="0"/>
+          <a:chExt cx="0" cy="0"/>
+        </a:xfrm>
+      </p:grpSpPr>
       <p:sp>
         <p:nvSpPr>
           <p:cNvPr id="2" name="Titel 1">
             <a:extLst>
               <a:ext uri="{FF2B5EF4-FFF2-40B4-BE49-F238E27FC236}">
-                <a16:creationId xmlns:a16="http://schemas.microsoft.com/office/drawing/2014/main" id="{7A3AD1F4-498D-4614-966A-16866E61E624}"/>
+                <a16:creationId xmlns:a16="http://schemas.microsoft.com/office/drawing/2014/main" xmlns="" id="{DAD6F0B8-BA7C-40D4-9B1C-1D8F4E9E3BCD}"/>
               </a:ext>
             </a:extLst>
           </p:cNvPr>
@@ -5895,8 +6367,158 @@
           <a:p>
             <a:r>
               <a:rPr lang="nl-NL" dirty="0"/>
-              <a:t>K-Means</a:t>
-            </a:r>
+              <a:t>Casus</a:t>
+            </a:r>
+          </a:p>
+        </p:txBody>
+      </p:sp>
+      <p:sp>
+        <p:nvSpPr>
+          <p:cNvPr id="3" name="Tijdelijke aanduiding voor inhoud 2">
+            <a:extLst>
+              <a:ext uri="{FF2B5EF4-FFF2-40B4-BE49-F238E27FC236}">
+                <a16:creationId xmlns:a16="http://schemas.microsoft.com/office/drawing/2014/main" xmlns="" id="{7AE16F52-BD17-4045-BC51-AB4CE7D85413}"/>
+              </a:ext>
+            </a:extLst>
+          </p:cNvPr>
+          <p:cNvSpPr>
+            <a:spLocks noGrp="1"/>
+          </p:cNvSpPr>
+          <p:nvPr>
+            <p:ph idx="1"/>
+          </p:nvPr>
+        </p:nvSpPr>
+        <p:spPr/>
+        <p:txBody>
+          <a:bodyPr>
+            <a:normAutofit fontScale="85000" lnSpcReduction="20000"/>
+          </a:bodyPr>
+          <a:lstStyle/>
+          <a:p>
+            <a:pPr marL="201168" lvl="1" indent="0">
+              <a:buNone/>
+            </a:pPr>
+            <a:r>
+              <a:rPr lang="nl-NL" sz="2800" b="1" dirty="0"/>
+              <a:t>Drie wijken</a:t>
+            </a:r>
+          </a:p>
+          <a:p>
+            <a:pPr lvl="1">
+              <a:buFont typeface="Arial" panose="020B0604020202020204" pitchFamily="34" charset="0"/>
+              <a:buChar char="•"/>
+            </a:pPr>
+            <a:endParaRPr lang="nl-NL" sz="2000" dirty="0"/>
+          </a:p>
+          <a:p>
+            <a:pPr lvl="1">
+              <a:buFont typeface="Arial" panose="020B0604020202020204" pitchFamily="34" charset="0"/>
+              <a:buChar char="•"/>
+            </a:pPr>
+            <a:r>
+              <a:rPr lang="nl-NL" sz="2000" dirty="0"/>
+              <a:t>Bestaan uit 150 huizen met zonnepanelen.</a:t>
+            </a:r>
+            <a:br>
+              <a:rPr lang="nl-NL" sz="2000" dirty="0"/>
+            </a:br>
+            <a:endParaRPr lang="nl-NL" sz="2000" dirty="0"/>
+          </a:p>
+          <a:p>
+            <a:pPr lvl="1">
+              <a:buFont typeface="Arial" panose="020B0604020202020204" pitchFamily="34" charset="0"/>
+              <a:buChar char="•"/>
+            </a:pPr>
+            <a:r>
+              <a:rPr lang="nl-NL" sz="2000" dirty="0"/>
+              <a:t>De energie moet worden opgeslagen in 5 batterijen.</a:t>
+            </a:r>
+            <a:br>
+              <a:rPr lang="nl-NL" sz="2000" dirty="0"/>
+            </a:br>
+            <a:endParaRPr lang="nl-NL" sz="2000" dirty="0"/>
+          </a:p>
+          <a:p>
+            <a:pPr lvl="1">
+              <a:buFont typeface="Arial" panose="020B0604020202020204" pitchFamily="34" charset="0"/>
+              <a:buChar char="•"/>
+            </a:pPr>
+            <a:r>
+              <a:rPr lang="nl-NL" sz="2000" dirty="0"/>
+              <a:t>Door de huizen met kabels te verbinden aan de batterijen.</a:t>
+            </a:r>
+          </a:p>
+          <a:p>
+            <a:pPr lvl="1">
+              <a:buFont typeface="Arial" panose="020B0604020202020204" pitchFamily="34" charset="0"/>
+              <a:buChar char="•"/>
+            </a:pPr>
+            <a:endParaRPr lang="nl-NL" dirty="0"/>
+          </a:p>
+          <a:p>
+            <a:pPr marL="0" indent="0">
+              <a:buNone/>
+            </a:pPr>
+            <a:endParaRPr lang="nl-NL" dirty="0"/>
+          </a:p>
+          <a:p>
+            <a:pPr>
+              <a:buFont typeface="Arial" panose="020B0604020202020204" pitchFamily="34" charset="0"/>
+              <a:buChar char="•"/>
+            </a:pPr>
+            <a:endParaRPr lang="nl-NL" dirty="0"/>
+          </a:p>
+          <a:p>
+            <a:pPr>
+              <a:buFont typeface="Arial" panose="020B0604020202020204" pitchFamily="34" charset="0"/>
+              <a:buChar char="•"/>
+            </a:pPr>
+            <a:endParaRPr lang="nl-NL" dirty="0"/>
+          </a:p>
+          <a:p>
+            <a:pPr>
+              <a:buFont typeface="Arial" panose="020B0604020202020204" pitchFamily="34" charset="0"/>
+              <a:buChar char="•"/>
+            </a:pPr>
+            <a:endParaRPr lang="nl-NL" dirty="0"/>
+          </a:p>
+          <a:p>
+            <a:pPr>
+              <a:buFont typeface="Arial" panose="020B0604020202020204" pitchFamily="34" charset="0"/>
+              <a:buChar char="•"/>
+            </a:pPr>
+            <a:endParaRPr lang="nl-NL" dirty="0"/>
+          </a:p>
+          <a:p>
+            <a:pPr marL="0" indent="0">
+              <a:buNone/>
+            </a:pPr>
+            <a:endParaRPr lang="nl-NL" dirty="0"/>
+          </a:p>
+          <a:p>
+            <a:pPr marL="0" indent="0" algn="ctr">
+              <a:buNone/>
+            </a:pPr>
+            <a:r>
+              <a:rPr lang="nl-NL" b="1" dirty="0"/>
+              <a:t>Doel</a:t>
+            </a:r>
+          </a:p>
+          <a:p>
+            <a:pPr marL="0" indent="0" algn="ctr">
+              <a:buNone/>
+            </a:pPr>
+            <a:r>
+              <a:rPr lang="nl-NL" dirty="0"/>
+              <a:t>Verbind alle huizen aan één batterij zonder dat de capaciteit van de batterijen overschreden wordt.</a:t>
+            </a:r>
+          </a:p>
+          <a:p>
+            <a:pPr>
+              <a:buFont typeface="Arial" panose="020B0604020202020204" pitchFamily="34" charset="0"/>
+              <a:buChar char="•"/>
+            </a:pPr>
+            <a:endParaRPr lang="nl-NL" dirty="0"/>
           </a:p>
         </p:txBody>
       </p:sp>
@@ -5905,7 +6527,90 @@
           <p:cNvPr id="4" name="Tijdelijke aanduiding voor tekst 3">
             <a:extLst>
               <a:ext uri="{FF2B5EF4-FFF2-40B4-BE49-F238E27FC236}">
-                <a16:creationId xmlns:a16="http://schemas.microsoft.com/office/drawing/2014/main" id="{8801F7EF-B8C0-4A3D-97B7-8D6CA1BC9E56}"/>
+                <a16:creationId xmlns:a16="http://schemas.microsoft.com/office/drawing/2014/main" xmlns="" id="{B820065C-3076-44B3-91A5-53D918FF9753}"/>
+              </a:ext>
+            </a:extLst>
+          </p:cNvPr>
+          <p:cNvSpPr>
+            <a:spLocks noGrp="1"/>
+          </p:cNvSpPr>
+          <p:nvPr>
+            <p:ph type="body" sz="half" idx="2"/>
+          </p:nvPr>
+        </p:nvSpPr>
+        <p:spPr/>
+        <p:txBody>
+          <a:bodyPr/>
+          <a:lstStyle/>
+          <a:p>
+            <a:endParaRPr lang="nl-NL" dirty="0"/>
+          </a:p>
+        </p:txBody>
+      </p:sp>
+    </p:spTree>
+    <p:extLst>
+      <p:ext uri="{BB962C8B-B14F-4D97-AF65-F5344CB8AC3E}">
+        <p14:creationId xmlns:p14="http://schemas.microsoft.com/office/powerpoint/2010/main" val="1063994261"/>
+      </p:ext>
+    </p:extLst>
+  </p:cSld>
+  <p:clrMapOvr>
+    <a:masterClrMapping/>
+  </p:clrMapOvr>
+</p:sld>
+</file>
+
+<file path=ppt/slides/slide20.xml><?xml version="1.0" encoding="utf-8"?>
+<p:sld xmlns:a="http://schemas.openxmlformats.org/drawingml/2006/main" xmlns:r="http://schemas.openxmlformats.org/officeDocument/2006/relationships" xmlns:p="http://schemas.openxmlformats.org/presentationml/2006/main">
+  <p:cSld>
+    <p:spTree>
+      <p:nvGrpSpPr>
+        <p:cNvPr id="1" name=""/>
+        <p:cNvGrpSpPr/>
+        <p:nvPr/>
+      </p:nvGrpSpPr>
+      <p:grpSpPr>
+        <a:xfrm>
+          <a:off x="0" y="0"/>
+          <a:ext cx="0" cy="0"/>
+          <a:chOff x="0" y="0"/>
+          <a:chExt cx="0" cy="0"/>
+        </a:xfrm>
+      </p:grpSpPr>
+      <p:sp>
+        <p:nvSpPr>
+          <p:cNvPr id="2" name="Titel 1">
+            <a:extLst>
+              <a:ext uri="{FF2B5EF4-FFF2-40B4-BE49-F238E27FC236}">
+                <a16:creationId xmlns:a16="http://schemas.microsoft.com/office/drawing/2014/main" xmlns="" id="{7A3AD1F4-498D-4614-966A-16866E61E624}"/>
+              </a:ext>
+            </a:extLst>
+          </p:cNvPr>
+          <p:cNvSpPr>
+            <a:spLocks noGrp="1"/>
+          </p:cNvSpPr>
+          <p:nvPr>
+            <p:ph type="title"/>
+          </p:nvPr>
+        </p:nvSpPr>
+        <p:spPr/>
+        <p:txBody>
+          <a:bodyPr/>
+          <a:lstStyle/>
+          <a:p>
+            <a:r>
+              <a:rPr lang="nl-NL" dirty="0"/>
+              <a:t>K-Means</a:t>
+            </a:r>
+          </a:p>
+        </p:txBody>
+      </p:sp>
+      <p:sp>
+        <p:nvSpPr>
+          <p:cNvPr id="4" name="Tijdelijke aanduiding voor tekst 3">
+            <a:extLst>
+              <a:ext uri="{FF2B5EF4-FFF2-40B4-BE49-F238E27FC236}">
+                <a16:creationId xmlns:a16="http://schemas.microsoft.com/office/drawing/2014/main" xmlns="" id="{8801F7EF-B8C0-4A3D-97B7-8D6CA1BC9E56}"/>
               </a:ext>
             </a:extLst>
           </p:cNvPr>
@@ -6000,7 +6705,7 @@
           <p:cNvPr id="5" name="Tijdelijke aanduiding voor inhoud 4">
             <a:extLst>
               <a:ext uri="{FF2B5EF4-FFF2-40B4-BE49-F238E27FC236}">
-                <a16:creationId xmlns:a16="http://schemas.microsoft.com/office/drawing/2014/main" id="{F1C7A130-36D2-4E5D-86FC-13C1F8C48236}"/>
+                <a16:creationId xmlns:a16="http://schemas.microsoft.com/office/drawing/2014/main" xmlns="" id="{F1C7A130-36D2-4E5D-86FC-13C1F8C48236}"/>
               </a:ext>
             </a:extLst>
           </p:cNvPr>
@@ -6040,7 +6745,7 @@
 </p:sld>
 </file>
 
-<file path=ppt/slides/slide2.xml><?xml version="1.0" encoding="utf-8"?>
+<file path=ppt/slides/slide21.xml><?xml version="1.0" encoding="utf-8"?>
 <p:sld xmlns:a="http://schemas.openxmlformats.org/drawingml/2006/main" xmlns:r="http://schemas.openxmlformats.org/officeDocument/2006/relationships" xmlns:p="http://schemas.openxmlformats.org/presentationml/2006/main">
   <p:cSld>
     <p:spTree>
@@ -6062,7 +6767,7 @@
           <p:cNvPr id="2" name="Titel 1">
             <a:extLst>
               <a:ext uri="{FF2B5EF4-FFF2-40B4-BE49-F238E27FC236}">
-                <a16:creationId xmlns:a16="http://schemas.microsoft.com/office/drawing/2014/main" id="{DAD6F0B8-BA7C-40D4-9B1C-1D8F4E9E3BCD}"/>
+                <a16:creationId xmlns:a16="http://schemas.microsoft.com/office/drawing/2014/main" xmlns="" id="{E2AF88F7-8C5F-4C49-B5D4-7111C099C11E}"/>
               </a:ext>
             </a:extLst>
           </p:cNvPr>
@@ -6080,158 +6785,8 @@
           <a:p>
             <a:r>
               <a:rPr lang="nl-NL" dirty="0"/>
-              <a:t>Casus</a:t>
-            </a:r>
-          </a:p>
-        </p:txBody>
-      </p:sp>
-      <p:sp>
-        <p:nvSpPr>
-          <p:cNvPr id="3" name="Tijdelijke aanduiding voor inhoud 2">
-            <a:extLst>
-              <a:ext uri="{FF2B5EF4-FFF2-40B4-BE49-F238E27FC236}">
-                <a16:creationId xmlns:a16="http://schemas.microsoft.com/office/drawing/2014/main" id="{7AE16F52-BD17-4045-BC51-AB4CE7D85413}"/>
-              </a:ext>
-            </a:extLst>
-          </p:cNvPr>
-          <p:cNvSpPr>
-            <a:spLocks noGrp="1"/>
-          </p:cNvSpPr>
-          <p:nvPr>
-            <p:ph idx="1"/>
-          </p:nvPr>
-        </p:nvSpPr>
-        <p:spPr/>
-        <p:txBody>
-          <a:bodyPr>
-            <a:normAutofit fontScale="85000" lnSpcReduction="20000"/>
-          </a:bodyPr>
-          <a:lstStyle/>
-          <a:p>
-            <a:pPr marL="201168" lvl="1" indent="0">
-              <a:buNone/>
-            </a:pPr>
-            <a:r>
-              <a:rPr lang="nl-NL" sz="2800" b="1" dirty="0"/>
-              <a:t>Drie wijken</a:t>
-            </a:r>
-          </a:p>
-          <a:p>
-            <a:pPr lvl="1">
-              <a:buFont typeface="Arial" panose="020B0604020202020204" pitchFamily="34" charset="0"/>
-              <a:buChar char="•"/>
-            </a:pPr>
-            <a:endParaRPr lang="nl-NL" sz="2000" dirty="0"/>
-          </a:p>
-          <a:p>
-            <a:pPr lvl="1">
-              <a:buFont typeface="Arial" panose="020B0604020202020204" pitchFamily="34" charset="0"/>
-              <a:buChar char="•"/>
-            </a:pPr>
-            <a:r>
-              <a:rPr lang="nl-NL" sz="2000" dirty="0"/>
-              <a:t>Bestaan uit 150 huizen met zonnepanelen.</a:t>
-            </a:r>
-            <a:br>
-              <a:rPr lang="nl-NL" sz="2000" dirty="0"/>
-            </a:br>
-            <a:endParaRPr lang="nl-NL" sz="2000" dirty="0"/>
-          </a:p>
-          <a:p>
-            <a:pPr lvl="1">
-              <a:buFont typeface="Arial" panose="020B0604020202020204" pitchFamily="34" charset="0"/>
-              <a:buChar char="•"/>
-            </a:pPr>
-            <a:r>
-              <a:rPr lang="nl-NL" sz="2000" dirty="0"/>
-              <a:t>De energie moet worden opgeslagen in 5 batterijen.</a:t>
-            </a:r>
-            <a:br>
-              <a:rPr lang="nl-NL" sz="2000" dirty="0"/>
-            </a:br>
-            <a:endParaRPr lang="nl-NL" sz="2000" dirty="0"/>
-          </a:p>
-          <a:p>
-            <a:pPr lvl="1">
-              <a:buFont typeface="Arial" panose="020B0604020202020204" pitchFamily="34" charset="0"/>
-              <a:buChar char="•"/>
-            </a:pPr>
-            <a:r>
-              <a:rPr lang="nl-NL" sz="2000" dirty="0"/>
-              <a:t>Door de huizen met kabels te verbinden aan de batterijen.</a:t>
-            </a:r>
-          </a:p>
-          <a:p>
-            <a:pPr lvl="1">
-              <a:buFont typeface="Arial" panose="020B0604020202020204" pitchFamily="34" charset="0"/>
-              <a:buChar char="•"/>
-            </a:pPr>
-            <a:endParaRPr lang="nl-NL" dirty="0"/>
-          </a:p>
-          <a:p>
-            <a:pPr marL="0" indent="0">
-              <a:buNone/>
-            </a:pPr>
-            <a:endParaRPr lang="nl-NL" dirty="0"/>
-          </a:p>
-          <a:p>
-            <a:pPr>
-              <a:buFont typeface="Arial" panose="020B0604020202020204" pitchFamily="34" charset="0"/>
-              <a:buChar char="•"/>
-            </a:pPr>
-            <a:endParaRPr lang="nl-NL" dirty="0"/>
-          </a:p>
-          <a:p>
-            <a:pPr>
-              <a:buFont typeface="Arial" panose="020B0604020202020204" pitchFamily="34" charset="0"/>
-              <a:buChar char="•"/>
-            </a:pPr>
-            <a:endParaRPr lang="nl-NL" dirty="0"/>
-          </a:p>
-          <a:p>
-            <a:pPr>
-              <a:buFont typeface="Arial" panose="020B0604020202020204" pitchFamily="34" charset="0"/>
-              <a:buChar char="•"/>
-            </a:pPr>
-            <a:endParaRPr lang="nl-NL" dirty="0"/>
-          </a:p>
-          <a:p>
-            <a:pPr>
-              <a:buFont typeface="Arial" panose="020B0604020202020204" pitchFamily="34" charset="0"/>
-              <a:buChar char="•"/>
-            </a:pPr>
-            <a:endParaRPr lang="nl-NL" dirty="0"/>
-          </a:p>
-          <a:p>
-            <a:pPr marL="0" indent="0">
-              <a:buNone/>
-            </a:pPr>
-            <a:endParaRPr lang="nl-NL" dirty="0"/>
-          </a:p>
-          <a:p>
-            <a:pPr marL="0" indent="0" algn="ctr">
-              <a:buNone/>
-            </a:pPr>
-            <a:r>
-              <a:rPr lang="nl-NL" b="1" dirty="0"/>
-              <a:t>Doel</a:t>
-            </a:r>
-          </a:p>
-          <a:p>
-            <a:pPr marL="0" indent="0" algn="ctr">
-              <a:buNone/>
-            </a:pPr>
-            <a:r>
-              <a:rPr lang="nl-NL" dirty="0"/>
-              <a:t>Verbind alle huizen aan één batterij zonder dat de capaciteit van de batterijen overschreden wordt.</a:t>
-            </a:r>
-          </a:p>
-          <a:p>
-            <a:pPr>
-              <a:buFont typeface="Arial" panose="020B0604020202020204" pitchFamily="34" charset="0"/>
-              <a:buChar char="•"/>
-            </a:pPr>
-            <a:endParaRPr lang="nl-NL" dirty="0"/>
+              <a:t>HAC</a:t>
+            </a:r>
           </a:p>
         </p:txBody>
       </p:sp>
@@ -6240,90 +6795,7 @@
           <p:cNvPr id="4" name="Tijdelijke aanduiding voor tekst 3">
             <a:extLst>
               <a:ext uri="{FF2B5EF4-FFF2-40B4-BE49-F238E27FC236}">
-                <a16:creationId xmlns:a16="http://schemas.microsoft.com/office/drawing/2014/main" id="{B820065C-3076-44B3-91A5-53D918FF9753}"/>
-              </a:ext>
-            </a:extLst>
-          </p:cNvPr>
-          <p:cNvSpPr>
-            <a:spLocks noGrp="1"/>
-          </p:cNvSpPr>
-          <p:nvPr>
-            <p:ph type="body" sz="half" idx="2"/>
-          </p:nvPr>
-        </p:nvSpPr>
-        <p:spPr/>
-        <p:txBody>
-          <a:bodyPr/>
-          <a:lstStyle/>
-          <a:p>
-            <a:endParaRPr lang="nl-NL" dirty="0"/>
-          </a:p>
-        </p:txBody>
-      </p:sp>
-    </p:spTree>
-    <p:extLst>
-      <p:ext uri="{BB962C8B-B14F-4D97-AF65-F5344CB8AC3E}">
-        <p14:creationId xmlns:p14="http://schemas.microsoft.com/office/powerpoint/2010/main" val="1063994261"/>
-      </p:ext>
-    </p:extLst>
-  </p:cSld>
-  <p:clrMapOvr>
-    <a:masterClrMapping/>
-  </p:clrMapOvr>
-</p:sld>
-</file>
-
-<file path=ppt/slides/slide20.xml><?xml version="1.0" encoding="utf-8"?>
-<p:sld xmlns:a="http://schemas.openxmlformats.org/drawingml/2006/main" xmlns:r="http://schemas.openxmlformats.org/officeDocument/2006/relationships" xmlns:p="http://schemas.openxmlformats.org/presentationml/2006/main">
-  <p:cSld>
-    <p:spTree>
-      <p:nvGrpSpPr>
-        <p:cNvPr id="1" name=""/>
-        <p:cNvGrpSpPr/>
-        <p:nvPr/>
-      </p:nvGrpSpPr>
-      <p:grpSpPr>
-        <a:xfrm>
-          <a:off x="0" y="0"/>
-          <a:ext cx="0" cy="0"/>
-          <a:chOff x="0" y="0"/>
-          <a:chExt cx="0" cy="0"/>
-        </a:xfrm>
-      </p:grpSpPr>
-      <p:sp>
-        <p:nvSpPr>
-          <p:cNvPr id="2" name="Titel 1">
-            <a:extLst>
-              <a:ext uri="{FF2B5EF4-FFF2-40B4-BE49-F238E27FC236}">
-                <a16:creationId xmlns:a16="http://schemas.microsoft.com/office/drawing/2014/main" id="{E2AF88F7-8C5F-4C49-B5D4-7111C099C11E}"/>
-              </a:ext>
-            </a:extLst>
-          </p:cNvPr>
-          <p:cNvSpPr>
-            <a:spLocks noGrp="1"/>
-          </p:cNvSpPr>
-          <p:nvPr>
-            <p:ph type="title"/>
-          </p:nvPr>
-        </p:nvSpPr>
-        <p:spPr/>
-        <p:txBody>
-          <a:bodyPr/>
-          <a:lstStyle/>
-          <a:p>
-            <a:r>
-              <a:rPr lang="nl-NL" dirty="0"/>
-              <a:t>HAC</a:t>
-            </a:r>
-          </a:p>
-        </p:txBody>
-      </p:sp>
-      <p:sp>
-        <p:nvSpPr>
-          <p:cNvPr id="4" name="Tijdelijke aanduiding voor tekst 3">
-            <a:extLst>
-              <a:ext uri="{FF2B5EF4-FFF2-40B4-BE49-F238E27FC236}">
-                <a16:creationId xmlns:a16="http://schemas.microsoft.com/office/drawing/2014/main" id="{EC8A4D63-0BAA-4FAC-8FB5-B6E951E8C1D8}"/>
+                <a16:creationId xmlns:a16="http://schemas.microsoft.com/office/drawing/2014/main" xmlns="" id="{EC8A4D63-0BAA-4FAC-8FB5-B6E951E8C1D8}"/>
               </a:ext>
             </a:extLst>
           </p:cNvPr>
@@ -6428,7 +6900,7 @@
             <a:hlinkClick r:id="" action="ppaction://media"/>
             <a:extLst>
               <a:ext uri="{FF2B5EF4-FFF2-40B4-BE49-F238E27FC236}">
-                <a16:creationId xmlns:a16="http://schemas.microsoft.com/office/drawing/2014/main" id="{38CA762F-8363-4669-B50E-9219CBA56AF4}"/>
+                <a16:creationId xmlns:a16="http://schemas.microsoft.com/office/drawing/2014/main" xmlns="" id="{38CA762F-8363-4669-B50E-9219CBA56AF4}"/>
               </a:ext>
             </a:extLst>
           </p:cNvPr>
@@ -6606,7 +7078,7 @@
 </p:sld>
 </file>
 
-<file path=ppt/slides/slide21.xml><?xml version="1.0" encoding="utf-8"?>
+<file path=ppt/slides/slide22.xml><?xml version="1.0" encoding="utf-8"?>
 <p:sld xmlns:a="http://schemas.openxmlformats.org/drawingml/2006/main" xmlns:r="http://schemas.openxmlformats.org/officeDocument/2006/relationships" xmlns:p="http://schemas.openxmlformats.org/presentationml/2006/main">
   <p:cSld>
     <p:spTree>
@@ -6628,7 +7100,7 @@
           <p:cNvPr id="2" name="Titel 1">
             <a:extLst>
               <a:ext uri="{FF2B5EF4-FFF2-40B4-BE49-F238E27FC236}">
-                <a16:creationId xmlns:a16="http://schemas.microsoft.com/office/drawing/2014/main" id="{E2AF88F7-8C5F-4C49-B5D4-7111C099C11E}"/>
+                <a16:creationId xmlns:a16="http://schemas.microsoft.com/office/drawing/2014/main" xmlns="" id="{E2AF88F7-8C5F-4C49-B5D4-7111C099C11E}"/>
               </a:ext>
             </a:extLst>
           </p:cNvPr>
@@ -6656,7 +7128,7 @@
           <p:cNvPr id="4" name="Tijdelijke aanduiding voor tekst 3">
             <a:extLst>
               <a:ext uri="{FF2B5EF4-FFF2-40B4-BE49-F238E27FC236}">
-                <a16:creationId xmlns:a16="http://schemas.microsoft.com/office/drawing/2014/main" id="{EC8A4D63-0BAA-4FAC-8FB5-B6E951E8C1D8}"/>
+                <a16:creationId xmlns:a16="http://schemas.microsoft.com/office/drawing/2014/main" xmlns="" id="{EC8A4D63-0BAA-4FAC-8FB5-B6E951E8C1D8}"/>
               </a:ext>
             </a:extLst>
           </p:cNvPr>
@@ -6760,7 +7232,7 @@
           <p:cNvPr id="5" name="Picture 2" descr="Hierarchical_Agglomerative_Clustering_V2.png">
             <a:extLst>
               <a:ext uri="{FF2B5EF4-FFF2-40B4-BE49-F238E27FC236}">
-                <a16:creationId xmlns:a16="http://schemas.microsoft.com/office/drawing/2014/main" id="{34A674F4-EFA4-44AF-96D2-C3793870EC0E}"/>
+                <a16:creationId xmlns:a16="http://schemas.microsoft.com/office/drawing/2014/main" xmlns="" id="{34A674F4-EFA4-44AF-96D2-C3793870EC0E}"/>
               </a:ext>
             </a:extLst>
           </p:cNvPr>
@@ -6817,114 +7289,6 @@
 </p:sld>
 </file>
 
-<file path=ppt/slides/slide22.xml><?xml version="1.0" encoding="utf-8"?>
-<p:sld xmlns:a="http://schemas.openxmlformats.org/drawingml/2006/main" xmlns:r="http://schemas.openxmlformats.org/officeDocument/2006/relationships" xmlns:p="http://schemas.openxmlformats.org/presentationml/2006/main">
-  <p:cSld>
-    <p:spTree>
-      <p:nvGrpSpPr>
-        <p:cNvPr id="1" name=""/>
-        <p:cNvGrpSpPr/>
-        <p:nvPr/>
-      </p:nvGrpSpPr>
-      <p:grpSpPr>
-        <a:xfrm>
-          <a:off x="0" y="0"/>
-          <a:ext cx="0" cy="0"/>
-          <a:chOff x="0" y="0"/>
-          <a:chExt cx="0" cy="0"/>
-        </a:xfrm>
-      </p:grpSpPr>
-      <p:sp>
-        <p:nvSpPr>
-          <p:cNvPr id="2" name="Titel 1">
-            <a:extLst>
-              <a:ext uri="{FF2B5EF4-FFF2-40B4-BE49-F238E27FC236}">
-                <a16:creationId xmlns:a16="http://schemas.microsoft.com/office/drawing/2014/main" id="{2CC037F5-3836-43A9-829F-C11D9AD74B4E}"/>
-              </a:ext>
-            </a:extLst>
-          </p:cNvPr>
-          <p:cNvSpPr>
-            <a:spLocks noGrp="1"/>
-          </p:cNvSpPr>
-          <p:nvPr>
-            <p:ph type="title"/>
-          </p:nvPr>
-        </p:nvSpPr>
-        <p:spPr/>
-        <p:txBody>
-          <a:bodyPr/>
-          <a:lstStyle/>
-          <a:p>
-            <a:r>
-              <a:rPr lang="nl-NL" dirty="0"/>
-              <a:t>Vergelijking</a:t>
-            </a:r>
-          </a:p>
-        </p:txBody>
-      </p:sp>
-      <p:sp>
-        <p:nvSpPr>
-          <p:cNvPr id="3" name="Tijdelijke aanduiding voor inhoud 2">
-            <a:extLst>
-              <a:ext uri="{FF2B5EF4-FFF2-40B4-BE49-F238E27FC236}">
-                <a16:creationId xmlns:a16="http://schemas.microsoft.com/office/drawing/2014/main" id="{87D3EDE3-BB4D-4A80-81A4-020379FC60BC}"/>
-              </a:ext>
-            </a:extLst>
-          </p:cNvPr>
-          <p:cNvSpPr>
-            <a:spLocks noGrp="1"/>
-          </p:cNvSpPr>
-          <p:nvPr>
-            <p:ph idx="1"/>
-          </p:nvPr>
-        </p:nvSpPr>
-        <p:spPr/>
-        <p:txBody>
-          <a:bodyPr/>
-          <a:lstStyle/>
-          <a:p>
-            <a:endParaRPr lang="nl-NL"/>
-          </a:p>
-        </p:txBody>
-      </p:sp>
-      <p:sp>
-        <p:nvSpPr>
-          <p:cNvPr id="4" name="Tijdelijke aanduiding voor tekst 3">
-            <a:extLst>
-              <a:ext uri="{FF2B5EF4-FFF2-40B4-BE49-F238E27FC236}">
-                <a16:creationId xmlns:a16="http://schemas.microsoft.com/office/drawing/2014/main" id="{1D9DEB0F-D72E-40D6-A9E5-B8AB25E4124F}"/>
-              </a:ext>
-            </a:extLst>
-          </p:cNvPr>
-          <p:cNvSpPr>
-            <a:spLocks noGrp="1"/>
-          </p:cNvSpPr>
-          <p:nvPr>
-            <p:ph type="body" sz="half" idx="2"/>
-          </p:nvPr>
-        </p:nvSpPr>
-        <p:spPr/>
-        <p:txBody>
-          <a:bodyPr/>
-          <a:lstStyle/>
-          <a:p>
-            <a:endParaRPr lang="nl-NL" dirty="0"/>
-          </a:p>
-        </p:txBody>
-      </p:sp>
-    </p:spTree>
-    <p:extLst>
-      <p:ext uri="{BB962C8B-B14F-4D97-AF65-F5344CB8AC3E}">
-        <p14:creationId xmlns:p14="http://schemas.microsoft.com/office/powerpoint/2010/main" val="2302920629"/>
-      </p:ext>
-    </p:extLst>
-  </p:cSld>
-  <p:clrMapOvr>
-    <a:masterClrMapping/>
-  </p:clrMapOvr>
-</p:sld>
-</file>
-
 <file path=ppt/slides/slide23.xml><?xml version="1.0" encoding="utf-8"?>
 <p:sld xmlns:a="http://schemas.openxmlformats.org/drawingml/2006/main" xmlns:r="http://schemas.openxmlformats.org/officeDocument/2006/relationships" xmlns:p="http://schemas.openxmlformats.org/presentationml/2006/main">
   <p:cSld>
@@ -6947,7 +7311,115 @@
           <p:cNvPr id="2" name="Titel 1">
             <a:extLst>
               <a:ext uri="{FF2B5EF4-FFF2-40B4-BE49-F238E27FC236}">
-                <a16:creationId xmlns:a16="http://schemas.microsoft.com/office/drawing/2014/main" id="{692909F1-A3D2-4B6E-A3B3-F7EA64BA85A4}"/>
+                <a16:creationId xmlns:a16="http://schemas.microsoft.com/office/drawing/2014/main" xmlns="" id="{2CC037F5-3836-43A9-829F-C11D9AD74B4E}"/>
+              </a:ext>
+            </a:extLst>
+          </p:cNvPr>
+          <p:cNvSpPr>
+            <a:spLocks noGrp="1"/>
+          </p:cNvSpPr>
+          <p:nvPr>
+            <p:ph type="title"/>
+          </p:nvPr>
+        </p:nvSpPr>
+        <p:spPr/>
+        <p:txBody>
+          <a:bodyPr/>
+          <a:lstStyle/>
+          <a:p>
+            <a:r>
+              <a:rPr lang="nl-NL" dirty="0"/>
+              <a:t>Vergelijking</a:t>
+            </a:r>
+          </a:p>
+        </p:txBody>
+      </p:sp>
+      <p:sp>
+        <p:nvSpPr>
+          <p:cNvPr id="3" name="Tijdelijke aanduiding voor inhoud 2">
+            <a:extLst>
+              <a:ext uri="{FF2B5EF4-FFF2-40B4-BE49-F238E27FC236}">
+                <a16:creationId xmlns:a16="http://schemas.microsoft.com/office/drawing/2014/main" xmlns="" id="{87D3EDE3-BB4D-4A80-81A4-020379FC60BC}"/>
+              </a:ext>
+            </a:extLst>
+          </p:cNvPr>
+          <p:cNvSpPr>
+            <a:spLocks noGrp="1"/>
+          </p:cNvSpPr>
+          <p:nvPr>
+            <p:ph idx="1"/>
+          </p:nvPr>
+        </p:nvSpPr>
+        <p:spPr/>
+        <p:txBody>
+          <a:bodyPr/>
+          <a:lstStyle/>
+          <a:p>
+            <a:endParaRPr lang="nl-NL"/>
+          </a:p>
+        </p:txBody>
+      </p:sp>
+      <p:sp>
+        <p:nvSpPr>
+          <p:cNvPr id="4" name="Tijdelijke aanduiding voor tekst 3">
+            <a:extLst>
+              <a:ext uri="{FF2B5EF4-FFF2-40B4-BE49-F238E27FC236}">
+                <a16:creationId xmlns:a16="http://schemas.microsoft.com/office/drawing/2014/main" xmlns="" id="{1D9DEB0F-D72E-40D6-A9E5-B8AB25E4124F}"/>
+              </a:ext>
+            </a:extLst>
+          </p:cNvPr>
+          <p:cNvSpPr>
+            <a:spLocks noGrp="1"/>
+          </p:cNvSpPr>
+          <p:nvPr>
+            <p:ph type="body" sz="half" idx="2"/>
+          </p:nvPr>
+        </p:nvSpPr>
+        <p:spPr/>
+        <p:txBody>
+          <a:bodyPr/>
+          <a:lstStyle/>
+          <a:p>
+            <a:endParaRPr lang="nl-NL" dirty="0"/>
+          </a:p>
+        </p:txBody>
+      </p:sp>
+    </p:spTree>
+    <p:extLst>
+      <p:ext uri="{BB962C8B-B14F-4D97-AF65-F5344CB8AC3E}">
+        <p14:creationId xmlns:p14="http://schemas.microsoft.com/office/powerpoint/2010/main" val="2302920629"/>
+      </p:ext>
+    </p:extLst>
+  </p:cSld>
+  <p:clrMapOvr>
+    <a:masterClrMapping/>
+  </p:clrMapOvr>
+</p:sld>
+</file>
+
+<file path=ppt/slides/slide24.xml><?xml version="1.0" encoding="utf-8"?>
+<p:sld xmlns:a="http://schemas.openxmlformats.org/drawingml/2006/main" xmlns:r="http://schemas.openxmlformats.org/officeDocument/2006/relationships" xmlns:p="http://schemas.openxmlformats.org/presentationml/2006/main">
+  <p:cSld>
+    <p:spTree>
+      <p:nvGrpSpPr>
+        <p:cNvPr id="1" name=""/>
+        <p:cNvGrpSpPr/>
+        <p:nvPr/>
+      </p:nvGrpSpPr>
+      <p:grpSpPr>
+        <a:xfrm>
+          <a:off x="0" y="0"/>
+          <a:ext cx="0" cy="0"/>
+          <a:chOff x="0" y="0"/>
+          <a:chExt cx="0" cy="0"/>
+        </a:xfrm>
+      </p:grpSpPr>
+      <p:sp>
+        <p:nvSpPr>
+          <p:cNvPr id="2" name="Titel 1">
+            <a:extLst>
+              <a:ext uri="{FF2B5EF4-FFF2-40B4-BE49-F238E27FC236}">
+                <a16:creationId xmlns:a16="http://schemas.microsoft.com/office/drawing/2014/main" xmlns="" id="{692909F1-A3D2-4B6E-A3B3-F7EA64BA85A4}"/>
               </a:ext>
             </a:extLst>
           </p:cNvPr>
@@ -6976,7 +7448,7 @@
           <p:cNvPr id="4" name="Picture 2" descr="https://github.com/broekm006/SmartGrid/raw/master/resultaten/visualisaties/greedy%20comparison.png">
             <a:extLst>
               <a:ext uri="{FF2B5EF4-FFF2-40B4-BE49-F238E27FC236}">
-                <a16:creationId xmlns:a16="http://schemas.microsoft.com/office/drawing/2014/main" id="{5E9B04D1-9FDA-4364-B9C5-814E27B54E08}"/>
+                <a16:creationId xmlns:a16="http://schemas.microsoft.com/office/drawing/2014/main" xmlns="" id="{5E9B04D1-9FDA-4364-B9C5-814E27B54E08}"/>
               </a:ext>
             </a:extLst>
           </p:cNvPr>
@@ -7033,7 +7505,7 @@
 </p:sld>
 </file>
 
-<file path=ppt/slides/slide24.xml><?xml version="1.0" encoding="utf-8"?>
+<file path=ppt/slides/slide25.xml><?xml version="1.0" encoding="utf-8"?>
 <p:sld xmlns:a="http://schemas.openxmlformats.org/drawingml/2006/main" xmlns:r="http://schemas.openxmlformats.org/officeDocument/2006/relationships" xmlns:p="http://schemas.openxmlformats.org/presentationml/2006/main">
   <p:cSld>
     <p:spTree>
@@ -7055,7 +7527,7 @@
           <p:cNvPr id="2" name="Titel 1">
             <a:extLst>
               <a:ext uri="{FF2B5EF4-FFF2-40B4-BE49-F238E27FC236}">
-                <a16:creationId xmlns:a16="http://schemas.microsoft.com/office/drawing/2014/main" id="{BB7AFE4D-4460-41CB-B12E-70AE8F6922A1}"/>
+                <a16:creationId xmlns:a16="http://schemas.microsoft.com/office/drawing/2014/main" xmlns="" id="{BB7AFE4D-4460-41CB-B12E-70AE8F6922A1}"/>
               </a:ext>
             </a:extLst>
           </p:cNvPr>
@@ -7095,7 +7567,7 @@
           <p:cNvPr id="8" name="Picture 3">
             <a:extLst>
               <a:ext uri="{FF2B5EF4-FFF2-40B4-BE49-F238E27FC236}">
-                <a16:creationId xmlns:a16="http://schemas.microsoft.com/office/drawing/2014/main" id="{705E1BDD-8769-456B-A138-5B28B539DDD3}"/>
+                <a16:creationId xmlns:a16="http://schemas.microsoft.com/office/drawing/2014/main" xmlns="" id="{705E1BDD-8769-456B-A138-5B28B539DDD3}"/>
               </a:ext>
             </a:extLst>
           </p:cNvPr>
@@ -7155,7 +7627,7 @@
           <p:cNvPr id="9" name="Tekstvak 8">
             <a:extLst>
               <a:ext uri="{FF2B5EF4-FFF2-40B4-BE49-F238E27FC236}">
-                <a16:creationId xmlns:a16="http://schemas.microsoft.com/office/drawing/2014/main" id="{B2F07A87-24C5-4730-8C76-4F40B1768048}"/>
+                <a16:creationId xmlns:a16="http://schemas.microsoft.com/office/drawing/2014/main" xmlns="" id="{B2F07A87-24C5-4730-8C76-4F40B1768048}"/>
               </a:ext>
             </a:extLst>
           </p:cNvPr>
@@ -7199,7 +7671,7 @@
           <p:cNvPr id="10" name="Tekstvak 9">
             <a:extLst>
               <a:ext uri="{FF2B5EF4-FFF2-40B4-BE49-F238E27FC236}">
-                <a16:creationId xmlns:a16="http://schemas.microsoft.com/office/drawing/2014/main" id="{8788DFD5-D9AD-45D5-B8F6-12471C208577}"/>
+                <a16:creationId xmlns:a16="http://schemas.microsoft.com/office/drawing/2014/main" xmlns="" id="{8788DFD5-D9AD-45D5-B8F6-12471C208577}"/>
               </a:ext>
             </a:extLst>
           </p:cNvPr>
@@ -7242,89 +7714,6 @@
     <p:extLst>
       <p:ext uri="{BB962C8B-B14F-4D97-AF65-F5344CB8AC3E}">
         <p14:creationId xmlns:p14="http://schemas.microsoft.com/office/powerpoint/2010/main" val="1570441736"/>
-      </p:ext>
-    </p:extLst>
-  </p:cSld>
-  <p:clrMapOvr>
-    <a:masterClrMapping/>
-  </p:clrMapOvr>
-</p:sld>
-</file>
-
-<file path=ppt/slides/slide25.xml><?xml version="1.0" encoding="utf-8"?>
-<p:sld xmlns:a="http://schemas.openxmlformats.org/drawingml/2006/main" xmlns:r="http://schemas.openxmlformats.org/officeDocument/2006/relationships" xmlns:p="http://schemas.openxmlformats.org/presentationml/2006/main">
-  <p:cSld>
-    <p:spTree>
-      <p:nvGrpSpPr>
-        <p:cNvPr id="1" name=""/>
-        <p:cNvGrpSpPr/>
-        <p:nvPr/>
-      </p:nvGrpSpPr>
-      <p:grpSpPr>
-        <a:xfrm>
-          <a:off x="0" y="0"/>
-          <a:ext cx="0" cy="0"/>
-          <a:chOff x="0" y="0"/>
-          <a:chExt cx="0" cy="0"/>
-        </a:xfrm>
-      </p:grpSpPr>
-      <p:sp>
-        <p:nvSpPr>
-          <p:cNvPr id="2" name="Titel 1">
-            <a:extLst>
-              <a:ext uri="{FF2B5EF4-FFF2-40B4-BE49-F238E27FC236}">
-                <a16:creationId xmlns:a16="http://schemas.microsoft.com/office/drawing/2014/main" id="{219532D8-0687-45AA-B5EF-87BEE4BCCD9C}"/>
-              </a:ext>
-            </a:extLst>
-          </p:cNvPr>
-          <p:cNvSpPr>
-            <a:spLocks noGrp="1"/>
-          </p:cNvSpPr>
-          <p:nvPr>
-            <p:ph type="title"/>
-          </p:nvPr>
-        </p:nvSpPr>
-        <p:spPr/>
-        <p:txBody>
-          <a:bodyPr/>
-          <a:lstStyle/>
-          <a:p>
-            <a:r>
-              <a:rPr lang="nl-NL" dirty="0"/>
-              <a:t>Conclusie</a:t>
-            </a:r>
-          </a:p>
-        </p:txBody>
-      </p:sp>
-      <p:sp>
-        <p:nvSpPr>
-          <p:cNvPr id="3" name="Tijdelijke aanduiding voor inhoud 2">
-            <a:extLst>
-              <a:ext uri="{FF2B5EF4-FFF2-40B4-BE49-F238E27FC236}">
-                <a16:creationId xmlns:a16="http://schemas.microsoft.com/office/drawing/2014/main" id="{320D509A-9C15-42D5-A7CF-57DC8BBC53AC}"/>
-              </a:ext>
-            </a:extLst>
-          </p:cNvPr>
-          <p:cNvSpPr>
-            <a:spLocks noGrp="1"/>
-          </p:cNvSpPr>
-          <p:nvPr>
-            <p:ph idx="1"/>
-          </p:nvPr>
-        </p:nvSpPr>
-        <p:spPr/>
-        <p:txBody>
-          <a:bodyPr/>
-          <a:lstStyle/>
-          <a:p>
-            <a:endParaRPr lang="nl-NL" dirty="0"/>
-          </a:p>
-        </p:txBody>
-      </p:sp>
-    </p:spTree>
-    <p:extLst>
-      <p:ext uri="{BB962C8B-B14F-4D97-AF65-F5344CB8AC3E}">
-        <p14:creationId xmlns:p14="http://schemas.microsoft.com/office/powerpoint/2010/main" val="1928494213"/>
       </p:ext>
     </p:extLst>
   </p:cSld>
@@ -7356,7 +7745,7 @@
           <p:cNvPr id="2" name="Titel 1">
             <a:extLst>
               <a:ext uri="{FF2B5EF4-FFF2-40B4-BE49-F238E27FC236}">
-                <a16:creationId xmlns:a16="http://schemas.microsoft.com/office/drawing/2014/main" id="{695754F7-4E53-456D-A291-488D90BD9849}"/>
+                <a16:creationId xmlns:a16="http://schemas.microsoft.com/office/drawing/2014/main" xmlns="" id="{219532D8-0687-45AA-B5EF-87BEE4BCCD9C}"/>
               </a:ext>
             </a:extLst>
           </p:cNvPr>
@@ -7373,26 +7762,9 @@
           <a:lstStyle/>
           <a:p>
             <a:r>
-              <a:rPr lang="nl-NL" dirty="0" err="1"/>
-              <a:t>Disussie</a:t>
-            </a:r>
-            <a:r>
               <a:rPr lang="nl-NL" dirty="0"/>
-              <a:t> I: </a:t>
-            </a:r>
-            <a:r>
-              <a:rPr lang="nl-NL" dirty="0" err="1"/>
-              <a:t>Upper</a:t>
-            </a:r>
-            <a:r>
-              <a:rPr lang="nl-NL" dirty="0"/>
-              <a:t> &amp; </a:t>
-            </a:r>
-            <a:r>
-              <a:rPr lang="nl-NL" dirty="0" err="1"/>
-              <a:t>Lowerbound</a:t>
-            </a:r>
-            <a:endParaRPr lang="nl-NL" dirty="0"/>
+              <a:t>Conclusie</a:t>
+            </a:r>
           </a:p>
         </p:txBody>
       </p:sp>
@@ -7401,7 +7773,107 @@
           <p:cNvPr id="3" name="Tijdelijke aanduiding voor inhoud 2">
             <a:extLst>
               <a:ext uri="{FF2B5EF4-FFF2-40B4-BE49-F238E27FC236}">
-                <a16:creationId xmlns:a16="http://schemas.microsoft.com/office/drawing/2014/main" id="{A8B04146-E7A8-468F-9A1F-78DB68EA0728}"/>
+                <a16:creationId xmlns:a16="http://schemas.microsoft.com/office/drawing/2014/main" xmlns="" id="{320D509A-9C15-42D5-A7CF-57DC8BBC53AC}"/>
+              </a:ext>
+            </a:extLst>
+          </p:cNvPr>
+          <p:cNvSpPr>
+            <a:spLocks noGrp="1"/>
+          </p:cNvSpPr>
+          <p:nvPr>
+            <p:ph idx="1"/>
+          </p:nvPr>
+        </p:nvSpPr>
+        <p:spPr/>
+        <p:txBody>
+          <a:bodyPr/>
+          <a:lstStyle/>
+          <a:p>
+            <a:endParaRPr lang="nl-NL" dirty="0"/>
+          </a:p>
+        </p:txBody>
+      </p:sp>
+    </p:spTree>
+    <p:extLst>
+      <p:ext uri="{BB962C8B-B14F-4D97-AF65-F5344CB8AC3E}">
+        <p14:creationId xmlns:p14="http://schemas.microsoft.com/office/powerpoint/2010/main" val="1928494213"/>
+      </p:ext>
+    </p:extLst>
+  </p:cSld>
+  <p:clrMapOvr>
+    <a:masterClrMapping/>
+  </p:clrMapOvr>
+</p:sld>
+</file>
+
+<file path=ppt/slides/slide27.xml><?xml version="1.0" encoding="utf-8"?>
+<p:sld xmlns:a="http://schemas.openxmlformats.org/drawingml/2006/main" xmlns:r="http://schemas.openxmlformats.org/officeDocument/2006/relationships" xmlns:p="http://schemas.openxmlformats.org/presentationml/2006/main">
+  <p:cSld>
+    <p:spTree>
+      <p:nvGrpSpPr>
+        <p:cNvPr id="1" name=""/>
+        <p:cNvGrpSpPr/>
+        <p:nvPr/>
+      </p:nvGrpSpPr>
+      <p:grpSpPr>
+        <a:xfrm>
+          <a:off x="0" y="0"/>
+          <a:ext cx="0" cy="0"/>
+          <a:chOff x="0" y="0"/>
+          <a:chExt cx="0" cy="0"/>
+        </a:xfrm>
+      </p:grpSpPr>
+      <p:sp>
+        <p:nvSpPr>
+          <p:cNvPr id="2" name="Titel 1">
+            <a:extLst>
+              <a:ext uri="{FF2B5EF4-FFF2-40B4-BE49-F238E27FC236}">
+                <a16:creationId xmlns:a16="http://schemas.microsoft.com/office/drawing/2014/main" xmlns="" id="{695754F7-4E53-456D-A291-488D90BD9849}"/>
+              </a:ext>
+            </a:extLst>
+          </p:cNvPr>
+          <p:cNvSpPr>
+            <a:spLocks noGrp="1"/>
+          </p:cNvSpPr>
+          <p:nvPr>
+            <p:ph type="title"/>
+          </p:nvPr>
+        </p:nvSpPr>
+        <p:spPr/>
+        <p:txBody>
+          <a:bodyPr/>
+          <a:lstStyle/>
+          <a:p>
+            <a:r>
+              <a:rPr lang="nl-NL" dirty="0" err="1"/>
+              <a:t>Disussie</a:t>
+            </a:r>
+            <a:r>
+              <a:rPr lang="nl-NL" dirty="0"/>
+              <a:t> I: </a:t>
+            </a:r>
+            <a:r>
+              <a:rPr lang="nl-NL" dirty="0" err="1"/>
+              <a:t>Upper</a:t>
+            </a:r>
+            <a:r>
+              <a:rPr lang="nl-NL" dirty="0"/>
+              <a:t> &amp; </a:t>
+            </a:r>
+            <a:r>
+              <a:rPr lang="nl-NL" dirty="0" err="1"/>
+              <a:t>Lowerbound</a:t>
+            </a:r>
+            <a:endParaRPr lang="nl-NL" dirty="0"/>
+          </a:p>
+        </p:txBody>
+      </p:sp>
+      <p:sp>
+        <p:nvSpPr>
+          <p:cNvPr id="3" name="Tijdelijke aanduiding voor inhoud 2">
+            <a:extLst>
+              <a:ext uri="{FF2B5EF4-FFF2-40B4-BE49-F238E27FC236}">
+                <a16:creationId xmlns:a16="http://schemas.microsoft.com/office/drawing/2014/main" xmlns="" id="{A8B04146-E7A8-468F-9A1F-78DB68EA0728}"/>
               </a:ext>
             </a:extLst>
           </p:cNvPr>
@@ -7426,7 +7898,7 @@
           <p:cNvPr id="4" name="Tijdelijke aanduiding voor inhoud 3">
             <a:extLst>
               <a:ext uri="{FF2B5EF4-FFF2-40B4-BE49-F238E27FC236}">
-                <a16:creationId xmlns:a16="http://schemas.microsoft.com/office/drawing/2014/main" id="{3B813C3F-2EB8-4591-B393-B1528F9110CA}"/>
+                <a16:creationId xmlns:a16="http://schemas.microsoft.com/office/drawing/2014/main" xmlns="" id="{3B813C3F-2EB8-4591-B393-B1528F9110CA}"/>
               </a:ext>
             </a:extLst>
           </p:cNvPr>
@@ -7455,28 +7927,28 @@
                 <a:gridCol w="1462626">
                   <a:extLst>
                     <a:ext uri="{9D8B030D-6E8A-4147-A177-3AD203B41FA5}">
-                      <a16:colId xmlns:a16="http://schemas.microsoft.com/office/drawing/2014/main" val="3680339574"/>
+                      <a16:colId xmlns:a16="http://schemas.microsoft.com/office/drawing/2014/main" xmlns="" val="3680339574"/>
                     </a:ext>
                   </a:extLst>
                 </a:gridCol>
                 <a:gridCol w="1911132">
                   <a:extLst>
                     <a:ext uri="{9D8B030D-6E8A-4147-A177-3AD203B41FA5}">
-                      <a16:colId xmlns:a16="http://schemas.microsoft.com/office/drawing/2014/main" val="3839829552"/>
+                      <a16:colId xmlns:a16="http://schemas.microsoft.com/office/drawing/2014/main" xmlns="" val="3839829552"/>
                     </a:ext>
                   </a:extLst>
                 </a:gridCol>
                 <a:gridCol w="1914246">
                   <a:extLst>
                     <a:ext uri="{9D8B030D-6E8A-4147-A177-3AD203B41FA5}">
-                      <a16:colId xmlns:a16="http://schemas.microsoft.com/office/drawing/2014/main" val="2441312454"/>
+                      <a16:colId xmlns:a16="http://schemas.microsoft.com/office/drawing/2014/main" xmlns="" val="2441312454"/>
                     </a:ext>
                   </a:extLst>
                 </a:gridCol>
                 <a:gridCol w="2026375">
                   <a:extLst>
                     <a:ext uri="{9D8B030D-6E8A-4147-A177-3AD203B41FA5}">
-                      <a16:colId xmlns:a16="http://schemas.microsoft.com/office/drawing/2014/main" val="2034120623"/>
+                      <a16:colId xmlns:a16="http://schemas.microsoft.com/office/drawing/2014/main" xmlns="" val="2034120623"/>
                     </a:ext>
                   </a:extLst>
                 </a:gridCol>
@@ -7601,7 +8073,7 @@
                 </a:tc>
                 <a:extLst>
                   <a:ext uri="{0D108BD9-81ED-4DB2-BD59-A6C34878D82A}">
-                    <a16:rowId xmlns:a16="http://schemas.microsoft.com/office/drawing/2014/main" val="865451461"/>
+                    <a16:rowId xmlns:a16="http://schemas.microsoft.com/office/drawing/2014/main" xmlns="" val="865451461"/>
                   </a:ext>
                 </a:extLst>
               </a:tr>
@@ -7728,7 +8200,7 @@
                 </a:tc>
                 <a:extLst>
                   <a:ext uri="{0D108BD9-81ED-4DB2-BD59-A6C34878D82A}">
-                    <a16:rowId xmlns:a16="http://schemas.microsoft.com/office/drawing/2014/main" val="888071665"/>
+                    <a16:rowId xmlns:a16="http://schemas.microsoft.com/office/drawing/2014/main" xmlns="" val="888071665"/>
                   </a:ext>
                 </a:extLst>
               </a:tr>
@@ -7855,7 +8327,7 @@
                 </a:tc>
                 <a:extLst>
                   <a:ext uri="{0D108BD9-81ED-4DB2-BD59-A6C34878D82A}">
-                    <a16:rowId xmlns:a16="http://schemas.microsoft.com/office/drawing/2014/main" val="4098292308"/>
+                    <a16:rowId xmlns:a16="http://schemas.microsoft.com/office/drawing/2014/main" xmlns="" val="4098292308"/>
                   </a:ext>
                 </a:extLst>
               </a:tr>
@@ -7982,7 +8454,7 @@
                 </a:tc>
                 <a:extLst>
                   <a:ext uri="{0D108BD9-81ED-4DB2-BD59-A6C34878D82A}">
-                    <a16:rowId xmlns:a16="http://schemas.microsoft.com/office/drawing/2014/main" val="3304878207"/>
+                    <a16:rowId xmlns:a16="http://schemas.microsoft.com/office/drawing/2014/main" xmlns="" val="3304878207"/>
                   </a:ext>
                 </a:extLst>
               </a:tr>
@@ -7995,7 +8467,7 @@
           <p:cNvPr id="5" name="Tabel 4">
             <a:extLst>
               <a:ext uri="{FF2B5EF4-FFF2-40B4-BE49-F238E27FC236}">
-                <a16:creationId xmlns:a16="http://schemas.microsoft.com/office/drawing/2014/main" id="{60BF0B9D-7A2C-4F87-9016-71968C83C71F}"/>
+                <a16:creationId xmlns:a16="http://schemas.microsoft.com/office/drawing/2014/main" xmlns="" id="{60BF0B9D-7A2C-4F87-9016-71968C83C71F}"/>
               </a:ext>
             </a:extLst>
           </p:cNvPr>
@@ -8012,7 +8484,7 @@
         </p:nvGraphicFramePr>
         <p:xfrm>
           <a:off x="1085754" y="3639952"/>
-          <a:ext cx="9548294" cy="2493264"/>
+          <a:ext cx="9548294" cy="2609088"/>
         </p:xfrm>
         <a:graphic>
           <a:graphicData uri="http://schemas.openxmlformats.org/drawingml/2006/table">
@@ -8024,28 +8496,28 @@
                 <a:gridCol w="2386563">
                   <a:extLst>
                     <a:ext uri="{9D8B030D-6E8A-4147-A177-3AD203B41FA5}">
-                      <a16:colId xmlns:a16="http://schemas.microsoft.com/office/drawing/2014/main" val="3802749690"/>
+                      <a16:colId xmlns:a16="http://schemas.microsoft.com/office/drawing/2014/main" xmlns="" val="3802749690"/>
                     </a:ext>
                   </a:extLst>
                 </a:gridCol>
                 <a:gridCol w="2386563">
                   <a:extLst>
                     <a:ext uri="{9D8B030D-6E8A-4147-A177-3AD203B41FA5}">
-                      <a16:colId xmlns:a16="http://schemas.microsoft.com/office/drawing/2014/main" val="1679841015"/>
+                      <a16:colId xmlns:a16="http://schemas.microsoft.com/office/drawing/2014/main" xmlns="" val="1679841015"/>
                     </a:ext>
                   </a:extLst>
                 </a:gridCol>
                 <a:gridCol w="2387584">
                   <a:extLst>
                     <a:ext uri="{9D8B030D-6E8A-4147-A177-3AD203B41FA5}">
-                      <a16:colId xmlns:a16="http://schemas.microsoft.com/office/drawing/2014/main" val="3975249192"/>
+                      <a16:colId xmlns:a16="http://schemas.microsoft.com/office/drawing/2014/main" xmlns="" val="3975249192"/>
                     </a:ext>
                   </a:extLst>
                 </a:gridCol>
                 <a:gridCol w="2387584">
                   <a:extLst>
                     <a:ext uri="{9D8B030D-6E8A-4147-A177-3AD203B41FA5}">
-                      <a16:colId xmlns:a16="http://schemas.microsoft.com/office/drawing/2014/main" val="3777327271"/>
+                      <a16:colId xmlns:a16="http://schemas.microsoft.com/office/drawing/2014/main" xmlns="" val="3777327271"/>
                     </a:ext>
                   </a:extLst>
                 </a:gridCol>
@@ -8178,7 +8650,7 @@
                 </a:tc>
                 <a:extLst>
                   <a:ext uri="{0D108BD9-81ED-4DB2-BD59-A6C34878D82A}">
-                    <a16:rowId xmlns:a16="http://schemas.microsoft.com/office/drawing/2014/main" val="4220542179"/>
+                    <a16:rowId xmlns:a16="http://schemas.microsoft.com/office/drawing/2014/main" xmlns="" val="4220542179"/>
                   </a:ext>
                 </a:extLst>
               </a:tr>
@@ -8301,7 +8773,7 @@
                 </a:tc>
                 <a:extLst>
                   <a:ext uri="{0D108BD9-81ED-4DB2-BD59-A6C34878D82A}">
-                    <a16:rowId xmlns:a16="http://schemas.microsoft.com/office/drawing/2014/main" val="2213316836"/>
+                    <a16:rowId xmlns:a16="http://schemas.microsoft.com/office/drawing/2014/main" xmlns="" val="2213316836"/>
                   </a:ext>
                 </a:extLst>
               </a:tr>
@@ -8424,7 +8896,7 @@
                 </a:tc>
                 <a:extLst>
                   <a:ext uri="{0D108BD9-81ED-4DB2-BD59-A6C34878D82A}">
-                    <a16:rowId xmlns:a16="http://schemas.microsoft.com/office/drawing/2014/main" val="3293602434"/>
+                    <a16:rowId xmlns:a16="http://schemas.microsoft.com/office/drawing/2014/main" xmlns="" val="3293602434"/>
                   </a:ext>
                 </a:extLst>
               </a:tr>
@@ -8547,7 +9019,7 @@
                 </a:tc>
                 <a:extLst>
                   <a:ext uri="{0D108BD9-81ED-4DB2-BD59-A6C34878D82A}">
-                    <a16:rowId xmlns:a16="http://schemas.microsoft.com/office/drawing/2014/main" val="2287710828"/>
+                    <a16:rowId xmlns:a16="http://schemas.microsoft.com/office/drawing/2014/main" xmlns="" val="2287710828"/>
                   </a:ext>
                 </a:extLst>
               </a:tr>
@@ -8676,7 +9148,7 @@
                 </a:tc>
                 <a:extLst>
                   <a:ext uri="{0D108BD9-81ED-4DB2-BD59-A6C34878D82A}">
-                    <a16:rowId xmlns:a16="http://schemas.microsoft.com/office/drawing/2014/main" val="4060046098"/>
+                    <a16:rowId xmlns:a16="http://schemas.microsoft.com/office/drawing/2014/main" xmlns="" val="4060046098"/>
                   </a:ext>
                 </a:extLst>
               </a:tr>
@@ -8799,7 +9271,7 @@
                 </a:tc>
                 <a:extLst>
                   <a:ext uri="{0D108BD9-81ED-4DB2-BD59-A6C34878D82A}">
-                    <a16:rowId xmlns:a16="http://schemas.microsoft.com/office/drawing/2014/main" val="196070283"/>
+                    <a16:rowId xmlns:a16="http://schemas.microsoft.com/office/drawing/2014/main" xmlns="" val="196070283"/>
                   </a:ext>
                 </a:extLst>
               </a:tr>
@@ -8922,7 +9394,7 @@
                 </a:tc>
                 <a:extLst>
                   <a:ext uri="{0D108BD9-81ED-4DB2-BD59-A6C34878D82A}">
-                    <a16:rowId xmlns:a16="http://schemas.microsoft.com/office/drawing/2014/main" val="3535696391"/>
+                    <a16:rowId xmlns:a16="http://schemas.microsoft.com/office/drawing/2014/main" xmlns="" val="3535696391"/>
                   </a:ext>
                 </a:extLst>
               </a:tr>
@@ -9045,7 +9517,7 @@
                 </a:tc>
                 <a:extLst>
                   <a:ext uri="{0D108BD9-81ED-4DB2-BD59-A6C34878D82A}">
-                    <a16:rowId xmlns:a16="http://schemas.microsoft.com/office/drawing/2014/main" val="4074167832"/>
+                    <a16:rowId xmlns:a16="http://schemas.microsoft.com/office/drawing/2014/main" xmlns="" val="4074167832"/>
                   </a:ext>
                 </a:extLst>
               </a:tr>
@@ -9058,7 +9530,7 @@
           <p:cNvPr id="7" name="Tekstvak 6">
             <a:extLst>
               <a:ext uri="{FF2B5EF4-FFF2-40B4-BE49-F238E27FC236}">
-                <a16:creationId xmlns:a16="http://schemas.microsoft.com/office/drawing/2014/main" id="{16FEFEFD-427B-4DE1-9C98-B368D010125E}"/>
+                <a16:creationId xmlns:a16="http://schemas.microsoft.com/office/drawing/2014/main" xmlns="" id="{16FEFEFD-427B-4DE1-9C98-B368D010125E}"/>
               </a:ext>
             </a:extLst>
           </p:cNvPr>
@@ -9144,7 +9616,7 @@
 </p:sld>
 </file>
 
-<file path=ppt/slides/slide27.xml><?xml version="1.0" encoding="utf-8"?>
+<file path=ppt/slides/slide28.xml><?xml version="1.0" encoding="utf-8"?>
 <p:sld xmlns:a="http://schemas.openxmlformats.org/drawingml/2006/main" xmlns:r="http://schemas.openxmlformats.org/officeDocument/2006/relationships" xmlns:p="http://schemas.openxmlformats.org/presentationml/2006/main">
   <p:cSld>
     <p:spTree>
@@ -9166,7 +9638,7 @@
           <p:cNvPr id="2" name="Titel 1">
             <a:extLst>
               <a:ext uri="{FF2B5EF4-FFF2-40B4-BE49-F238E27FC236}">
-                <a16:creationId xmlns:a16="http://schemas.microsoft.com/office/drawing/2014/main" id="{CB325D3F-7901-4EA8-B003-E98A2BC7ABB8}"/>
+                <a16:creationId xmlns:a16="http://schemas.microsoft.com/office/drawing/2014/main" xmlns="" id="{CB325D3F-7901-4EA8-B003-E98A2BC7ABB8}"/>
               </a:ext>
             </a:extLst>
           </p:cNvPr>
@@ -9194,7 +9666,7 @@
           <p:cNvPr id="3" name="Tijdelijke aanduiding voor tekst 2">
             <a:extLst>
               <a:ext uri="{FF2B5EF4-FFF2-40B4-BE49-F238E27FC236}">
-                <a16:creationId xmlns:a16="http://schemas.microsoft.com/office/drawing/2014/main" id="{32E0FC00-08A5-4961-AFB8-4A54D898901E}"/>
+                <a16:creationId xmlns:a16="http://schemas.microsoft.com/office/drawing/2014/main" xmlns="" id="{32E0FC00-08A5-4961-AFB8-4A54D898901E}"/>
               </a:ext>
             </a:extLst>
           </p:cNvPr>
@@ -9222,7 +9694,7 @@
           <p:cNvPr id="4" name="Tijdelijke aanduiding voor inhoud 3">
             <a:extLst>
               <a:ext uri="{FF2B5EF4-FFF2-40B4-BE49-F238E27FC236}">
-                <a16:creationId xmlns:a16="http://schemas.microsoft.com/office/drawing/2014/main" id="{33C4FEC6-C54F-40D7-B123-6A23EC860D24}"/>
+                <a16:creationId xmlns:a16="http://schemas.microsoft.com/office/drawing/2014/main" xmlns="" id="{33C4FEC6-C54F-40D7-B123-6A23EC860D24}"/>
               </a:ext>
             </a:extLst>
           </p:cNvPr>
@@ -9277,7 +9749,7 @@
           <p:cNvPr id="5" name="Tijdelijke aanduiding voor tekst 4">
             <a:extLst>
               <a:ext uri="{FF2B5EF4-FFF2-40B4-BE49-F238E27FC236}">
-                <a16:creationId xmlns:a16="http://schemas.microsoft.com/office/drawing/2014/main" id="{5E64BC6F-4B05-4E32-AFB2-9FA8092DBAFC}"/>
+                <a16:creationId xmlns:a16="http://schemas.microsoft.com/office/drawing/2014/main" xmlns="" id="{5E64BC6F-4B05-4E32-AFB2-9FA8092DBAFC}"/>
               </a:ext>
             </a:extLst>
           </p:cNvPr>
@@ -9305,7 +9777,7 @@
           <p:cNvPr id="6" name="Tijdelijke aanduiding voor inhoud 5">
             <a:extLst>
               <a:ext uri="{FF2B5EF4-FFF2-40B4-BE49-F238E27FC236}">
-                <a16:creationId xmlns:a16="http://schemas.microsoft.com/office/drawing/2014/main" id="{3ABBE77B-5CA8-4FA8-B70A-A4E556F20136}"/>
+                <a16:creationId xmlns:a16="http://schemas.microsoft.com/office/drawing/2014/main" xmlns="" id="{3ABBE77B-5CA8-4FA8-B70A-A4E556F20136}"/>
               </a:ext>
             </a:extLst>
           </p:cNvPr>
@@ -9351,7 +9823,7 @@
           <p:cNvPr id="7" name="Tabel 6">
             <a:extLst>
               <a:ext uri="{FF2B5EF4-FFF2-40B4-BE49-F238E27FC236}">
-                <a16:creationId xmlns:a16="http://schemas.microsoft.com/office/drawing/2014/main" id="{DFB56A5D-BB37-4171-A468-D8B1382B8301}"/>
+                <a16:creationId xmlns:a16="http://schemas.microsoft.com/office/drawing/2014/main" xmlns="" id="{DFB56A5D-BB37-4171-A468-D8B1382B8301}"/>
               </a:ext>
             </a:extLst>
           </p:cNvPr>
@@ -9380,21 +9852,21 @@
                 <a:gridCol w="1021899">
                   <a:extLst>
                     <a:ext uri="{9D8B030D-6E8A-4147-A177-3AD203B41FA5}">
-                      <a16:colId xmlns:a16="http://schemas.microsoft.com/office/drawing/2014/main" val="2381430280"/>
+                      <a16:colId xmlns:a16="http://schemas.microsoft.com/office/drawing/2014/main" xmlns="" val="2381430280"/>
                     </a:ext>
                   </a:extLst>
                 </a:gridCol>
                 <a:gridCol w="1504811">
                   <a:extLst>
                     <a:ext uri="{9D8B030D-6E8A-4147-A177-3AD203B41FA5}">
-                      <a16:colId xmlns:a16="http://schemas.microsoft.com/office/drawing/2014/main" val="140080601"/>
+                      <a16:colId xmlns:a16="http://schemas.microsoft.com/office/drawing/2014/main" xmlns="" val="140080601"/>
                     </a:ext>
                   </a:extLst>
                 </a:gridCol>
                 <a:gridCol w="1263355">
                   <a:extLst>
                     <a:ext uri="{9D8B030D-6E8A-4147-A177-3AD203B41FA5}">
-                      <a16:colId xmlns:a16="http://schemas.microsoft.com/office/drawing/2014/main" val="252816352"/>
+                      <a16:colId xmlns:a16="http://schemas.microsoft.com/office/drawing/2014/main" xmlns="" val="252816352"/>
                     </a:ext>
                   </a:extLst>
                 </a:gridCol>
@@ -9441,7 +9913,7 @@
                 </a:tc>
                 <a:extLst>
                   <a:ext uri="{0D108BD9-81ED-4DB2-BD59-A6C34878D82A}">
-                    <a16:rowId xmlns:a16="http://schemas.microsoft.com/office/drawing/2014/main" val="2160745306"/>
+                    <a16:rowId xmlns:a16="http://schemas.microsoft.com/office/drawing/2014/main" xmlns="" val="2160745306"/>
                   </a:ext>
                 </a:extLst>
               </a:tr>
@@ -9487,7 +9959,7 @@
                 </a:tc>
                 <a:extLst>
                   <a:ext uri="{0D108BD9-81ED-4DB2-BD59-A6C34878D82A}">
-                    <a16:rowId xmlns:a16="http://schemas.microsoft.com/office/drawing/2014/main" val="2562823186"/>
+                    <a16:rowId xmlns:a16="http://schemas.microsoft.com/office/drawing/2014/main" xmlns="" val="2562823186"/>
                   </a:ext>
                 </a:extLst>
               </a:tr>
@@ -9500,7 +9972,7 @@
           <p:cNvPr id="8" name="Tabel 7">
             <a:extLst>
               <a:ext uri="{FF2B5EF4-FFF2-40B4-BE49-F238E27FC236}">
-                <a16:creationId xmlns:a16="http://schemas.microsoft.com/office/drawing/2014/main" id="{BD5CABB5-30CF-46FD-9157-125F144441D5}"/>
+                <a16:creationId xmlns:a16="http://schemas.microsoft.com/office/drawing/2014/main" xmlns="" id="{BD5CABB5-30CF-46FD-9157-125F144441D5}"/>
               </a:ext>
             </a:extLst>
           </p:cNvPr>
@@ -9529,21 +10001,21 @@
                 <a:gridCol w="1381143">
                   <a:extLst>
                     <a:ext uri="{9D8B030D-6E8A-4147-A177-3AD203B41FA5}">
-                      <a16:colId xmlns:a16="http://schemas.microsoft.com/office/drawing/2014/main" val="1949443864"/>
+                      <a16:colId xmlns:a16="http://schemas.microsoft.com/office/drawing/2014/main" xmlns="" val="1949443864"/>
                     </a:ext>
                   </a:extLst>
                 </a:gridCol>
                 <a:gridCol w="1381143">
                   <a:extLst>
                     <a:ext uri="{9D8B030D-6E8A-4147-A177-3AD203B41FA5}">
-                      <a16:colId xmlns:a16="http://schemas.microsoft.com/office/drawing/2014/main" val="4007471391"/>
+                      <a16:colId xmlns:a16="http://schemas.microsoft.com/office/drawing/2014/main" xmlns="" val="4007471391"/>
                     </a:ext>
                   </a:extLst>
                 </a:gridCol>
                 <a:gridCol w="1381143">
                   <a:extLst>
                     <a:ext uri="{9D8B030D-6E8A-4147-A177-3AD203B41FA5}">
-                      <a16:colId xmlns:a16="http://schemas.microsoft.com/office/drawing/2014/main" val="2251020322"/>
+                      <a16:colId xmlns:a16="http://schemas.microsoft.com/office/drawing/2014/main" xmlns="" val="2251020322"/>
                     </a:ext>
                   </a:extLst>
                 </a:gridCol>
@@ -9590,7 +10062,7 @@
                 </a:tc>
                 <a:extLst>
                   <a:ext uri="{0D108BD9-81ED-4DB2-BD59-A6C34878D82A}">
-                    <a16:rowId xmlns:a16="http://schemas.microsoft.com/office/drawing/2014/main" val="699317263"/>
+                    <a16:rowId xmlns:a16="http://schemas.microsoft.com/office/drawing/2014/main" xmlns="" val="699317263"/>
                   </a:ext>
                 </a:extLst>
               </a:tr>
@@ -9637,7 +10109,7 @@
                 </a:tc>
                 <a:extLst>
                   <a:ext uri="{0D108BD9-81ED-4DB2-BD59-A6C34878D82A}">
-                    <a16:rowId xmlns:a16="http://schemas.microsoft.com/office/drawing/2014/main" val="3700738039"/>
+                    <a16:rowId xmlns:a16="http://schemas.microsoft.com/office/drawing/2014/main" xmlns="" val="3700738039"/>
                   </a:ext>
                 </a:extLst>
               </a:tr>
@@ -9687,7 +10159,7 @@
                 </a:tc>
                 <a:extLst>
                   <a:ext uri="{0D108BD9-81ED-4DB2-BD59-A6C34878D82A}">
-                    <a16:rowId xmlns:a16="http://schemas.microsoft.com/office/drawing/2014/main" val="229069710"/>
+                    <a16:rowId xmlns:a16="http://schemas.microsoft.com/office/drawing/2014/main" xmlns="" val="229069710"/>
                   </a:ext>
                 </a:extLst>
               </a:tr>
@@ -9737,7 +10209,7 @@
                 </a:tc>
                 <a:extLst>
                   <a:ext uri="{0D108BD9-81ED-4DB2-BD59-A6C34878D82A}">
-                    <a16:rowId xmlns:a16="http://schemas.microsoft.com/office/drawing/2014/main" val="1772866104"/>
+                    <a16:rowId xmlns:a16="http://schemas.microsoft.com/office/drawing/2014/main" xmlns="" val="1772866104"/>
                   </a:ext>
                 </a:extLst>
               </a:tr>
@@ -9758,7 +10230,7 @@
 </p:sld>
 </file>
 
-<file path=ppt/slides/slide28.xml><?xml version="1.0" encoding="utf-8"?>
+<file path=ppt/slides/slide29.xml><?xml version="1.0" encoding="utf-8"?>
 <p:sld xmlns:a="http://schemas.openxmlformats.org/drawingml/2006/main" xmlns:r="http://schemas.openxmlformats.org/officeDocument/2006/relationships" xmlns:p="http://schemas.openxmlformats.org/presentationml/2006/main">
   <p:cSld>
     <p:spTree>
@@ -9780,7 +10252,7 @@
           <p:cNvPr id="2" name="Titel 1">
             <a:extLst>
               <a:ext uri="{FF2B5EF4-FFF2-40B4-BE49-F238E27FC236}">
-                <a16:creationId xmlns:a16="http://schemas.microsoft.com/office/drawing/2014/main" id="{43570358-6696-42BC-B662-85CAEA656C78}"/>
+                <a16:creationId xmlns:a16="http://schemas.microsoft.com/office/drawing/2014/main" xmlns="" id="{43570358-6696-42BC-B662-85CAEA656C78}"/>
               </a:ext>
             </a:extLst>
           </p:cNvPr>
@@ -9812,7 +10284,7 @@
           <p:cNvPr id="3" name="Tijdelijke aanduiding voor inhoud 2">
             <a:extLst>
               <a:ext uri="{FF2B5EF4-FFF2-40B4-BE49-F238E27FC236}">
-                <a16:creationId xmlns:a16="http://schemas.microsoft.com/office/drawing/2014/main" id="{A902BA4D-BF8D-4F26-BF00-6FB9019CC851}"/>
+                <a16:creationId xmlns:a16="http://schemas.microsoft.com/office/drawing/2014/main" xmlns="" id="{A902BA4D-BF8D-4F26-BF00-6FB9019CC851}"/>
               </a:ext>
             </a:extLst>
           </p:cNvPr>
@@ -9867,7 +10339,7 @@
           <p:cNvPr id="3" name="Tijdelijke aanduiding voor tekst 2">
             <a:extLst>
               <a:ext uri="{FF2B5EF4-FFF2-40B4-BE49-F238E27FC236}">
-                <a16:creationId xmlns:a16="http://schemas.microsoft.com/office/drawing/2014/main" id="{7D8BD1C0-70F3-4854-BC2F-36B651FF7CD6}"/>
+                <a16:creationId xmlns:a16="http://schemas.microsoft.com/office/drawing/2014/main" xmlns="" id="{7D8BD1C0-70F3-4854-BC2F-36B651FF7CD6}"/>
               </a:ext>
             </a:extLst>
           </p:cNvPr>
@@ -9900,7 +10372,7 @@
           <p:cNvPr id="4" name="Tijdelijke aanduiding voor inhoud 3">
             <a:extLst>
               <a:ext uri="{FF2B5EF4-FFF2-40B4-BE49-F238E27FC236}">
-                <a16:creationId xmlns:a16="http://schemas.microsoft.com/office/drawing/2014/main" id="{40E2261C-CDA2-442D-8E88-D0B0341F5FBB}"/>
+                <a16:creationId xmlns:a16="http://schemas.microsoft.com/office/drawing/2014/main" xmlns="" id="{40E2261C-CDA2-442D-8E88-D0B0341F5FBB}"/>
               </a:ext>
             </a:extLst>
           </p:cNvPr>
@@ -9939,7 +10411,7 @@
           <p:cNvPr id="5" name="Tijdelijke aanduiding voor tekst 4">
             <a:extLst>
               <a:ext uri="{FF2B5EF4-FFF2-40B4-BE49-F238E27FC236}">
-                <a16:creationId xmlns:a16="http://schemas.microsoft.com/office/drawing/2014/main" id="{D059C5BD-41EC-45DF-A708-3B7876A7DBDF}"/>
+                <a16:creationId xmlns:a16="http://schemas.microsoft.com/office/drawing/2014/main" xmlns="" id="{D059C5BD-41EC-45DF-A708-3B7876A7DBDF}"/>
               </a:ext>
             </a:extLst>
           </p:cNvPr>
@@ -9972,7 +10444,7 @@
           <p:cNvPr id="6" name="Tijdelijke aanduiding voor inhoud 5">
             <a:extLst>
               <a:ext uri="{FF2B5EF4-FFF2-40B4-BE49-F238E27FC236}">
-                <a16:creationId xmlns:a16="http://schemas.microsoft.com/office/drawing/2014/main" id="{6018C8DE-9D22-470E-A593-312E89114FBD}"/>
+                <a16:creationId xmlns:a16="http://schemas.microsoft.com/office/drawing/2014/main" xmlns="" id="{6018C8DE-9D22-470E-A593-312E89114FBD}"/>
               </a:ext>
             </a:extLst>
           </p:cNvPr>
@@ -10013,7 +10485,7 @@
           <p:cNvPr id="7" name="Afbeelding 6">
             <a:extLst>
               <a:ext uri="{FF2B5EF4-FFF2-40B4-BE49-F238E27FC236}">
-                <a16:creationId xmlns:a16="http://schemas.microsoft.com/office/drawing/2014/main" id="{6647980B-AFAE-4A07-850B-92CE0E7A5809}"/>
+                <a16:creationId xmlns:a16="http://schemas.microsoft.com/office/drawing/2014/main" xmlns="" id="{6647980B-AFAE-4A07-850B-92CE0E7A5809}"/>
               </a:ext>
             </a:extLst>
           </p:cNvPr>
@@ -10042,7 +10514,7 @@
           <p:cNvPr id="8" name="Tabel 7">
             <a:extLst>
               <a:ext uri="{FF2B5EF4-FFF2-40B4-BE49-F238E27FC236}">
-                <a16:creationId xmlns:a16="http://schemas.microsoft.com/office/drawing/2014/main" id="{13AC548C-DF7B-4D4C-B148-2FCF62D4F17D}"/>
+                <a16:creationId xmlns:a16="http://schemas.microsoft.com/office/drawing/2014/main" xmlns="" id="{13AC548C-DF7B-4D4C-B148-2FCF62D4F17D}"/>
               </a:ext>
             </a:extLst>
           </p:cNvPr>
@@ -10071,14 +10543,14 @@
                 <a:gridCol w="913257">
                   <a:extLst>
                     <a:ext uri="{9D8B030D-6E8A-4147-A177-3AD203B41FA5}">
-                      <a16:colId xmlns:a16="http://schemas.microsoft.com/office/drawing/2014/main" val="3142568548"/>
+                      <a16:colId xmlns:a16="http://schemas.microsoft.com/office/drawing/2014/main" xmlns="" val="3142568548"/>
                     </a:ext>
                   </a:extLst>
                 </a:gridCol>
                 <a:gridCol w="2934749">
                   <a:extLst>
                     <a:ext uri="{9D8B030D-6E8A-4147-A177-3AD203B41FA5}">
-                      <a16:colId xmlns:a16="http://schemas.microsoft.com/office/drawing/2014/main" val="1989319991"/>
+                      <a16:colId xmlns:a16="http://schemas.microsoft.com/office/drawing/2014/main" xmlns="" val="1989319991"/>
                     </a:ext>
                   </a:extLst>
                 </a:gridCol>
@@ -10109,7 +10581,7 @@
                 </a:tc>
                 <a:extLst>
                   <a:ext uri="{0D108BD9-81ED-4DB2-BD59-A6C34878D82A}">
-                    <a16:rowId xmlns:a16="http://schemas.microsoft.com/office/drawing/2014/main" val="4036009728"/>
+                    <a16:rowId xmlns:a16="http://schemas.microsoft.com/office/drawing/2014/main" xmlns="" val="4036009728"/>
                   </a:ext>
                 </a:extLst>
               </a:tr>
@@ -10147,7 +10619,7 @@
                 </a:tc>
                 <a:extLst>
                   <a:ext uri="{0D108BD9-81ED-4DB2-BD59-A6C34878D82A}">
-                    <a16:rowId xmlns:a16="http://schemas.microsoft.com/office/drawing/2014/main" val="3502407723"/>
+                    <a16:rowId xmlns:a16="http://schemas.microsoft.com/office/drawing/2014/main" xmlns="" val="3502407723"/>
                   </a:ext>
                 </a:extLst>
               </a:tr>
@@ -10188,7 +10660,7 @@
                 </a:tc>
                 <a:extLst>
                   <a:ext uri="{0D108BD9-81ED-4DB2-BD59-A6C34878D82A}">
-                    <a16:rowId xmlns:a16="http://schemas.microsoft.com/office/drawing/2014/main" val="2445320985"/>
+                    <a16:rowId xmlns:a16="http://schemas.microsoft.com/office/drawing/2014/main" xmlns="" val="2445320985"/>
                   </a:ext>
                 </a:extLst>
               </a:tr>
@@ -10231,7 +10703,7 @@
           <p:cNvPr id="3" name="Tijdelijke aanduiding voor tekst 2">
             <a:extLst>
               <a:ext uri="{FF2B5EF4-FFF2-40B4-BE49-F238E27FC236}">
-                <a16:creationId xmlns:a16="http://schemas.microsoft.com/office/drawing/2014/main" id="{91F6CFA0-E802-4278-992C-253BB4812AAD}"/>
+                <a16:creationId xmlns:a16="http://schemas.microsoft.com/office/drawing/2014/main" xmlns="" id="{91F6CFA0-E802-4278-992C-253BB4812AAD}"/>
               </a:ext>
             </a:extLst>
           </p:cNvPr>
@@ -10264,7 +10736,7 @@
           <p:cNvPr id="4" name="Tijdelijke aanduiding voor inhoud 3">
             <a:extLst>
               <a:ext uri="{FF2B5EF4-FFF2-40B4-BE49-F238E27FC236}">
-                <a16:creationId xmlns:a16="http://schemas.microsoft.com/office/drawing/2014/main" id="{4EAFF10D-64F0-4DF4-8C95-DD8233CAFA53}"/>
+                <a16:creationId xmlns:a16="http://schemas.microsoft.com/office/drawing/2014/main" xmlns="" id="{4EAFF10D-64F0-4DF4-8C95-DD8233CAFA53}"/>
               </a:ext>
             </a:extLst>
           </p:cNvPr>
@@ -10300,7 +10772,7 @@
           <p:cNvPr id="5" name="Tijdelijke aanduiding voor tekst 4">
             <a:extLst>
               <a:ext uri="{FF2B5EF4-FFF2-40B4-BE49-F238E27FC236}">
-                <a16:creationId xmlns:a16="http://schemas.microsoft.com/office/drawing/2014/main" id="{51B02B28-D9BC-43FF-85DD-5EFA6D4DDD49}"/>
+                <a16:creationId xmlns:a16="http://schemas.microsoft.com/office/drawing/2014/main" xmlns="" id="{51B02B28-D9BC-43FF-85DD-5EFA6D4DDD49}"/>
               </a:ext>
             </a:extLst>
           </p:cNvPr>
@@ -10333,7 +10805,7 @@
           <p:cNvPr id="6" name="Tijdelijke aanduiding voor inhoud 5">
             <a:extLst>
               <a:ext uri="{FF2B5EF4-FFF2-40B4-BE49-F238E27FC236}">
-                <a16:creationId xmlns:a16="http://schemas.microsoft.com/office/drawing/2014/main" id="{95C174C9-733C-4D13-B8C2-E6EA81679F80}"/>
+                <a16:creationId xmlns:a16="http://schemas.microsoft.com/office/drawing/2014/main" xmlns="" id="{95C174C9-733C-4D13-B8C2-E6EA81679F80}"/>
               </a:ext>
             </a:extLst>
           </p:cNvPr>
@@ -10375,7 +10847,7 @@
           <p:cNvPr id="7" name="Picture 2">
             <a:extLst>
               <a:ext uri="{FF2B5EF4-FFF2-40B4-BE49-F238E27FC236}">
-                <a16:creationId xmlns:a16="http://schemas.microsoft.com/office/drawing/2014/main" id="{06CBF325-C0F6-4BE4-94C7-2C98E8E24CD5}"/>
+                <a16:creationId xmlns:a16="http://schemas.microsoft.com/office/drawing/2014/main" xmlns="" id="{06CBF325-C0F6-4BE4-94C7-2C98E8E24CD5}"/>
               </a:ext>
             </a:extLst>
           </p:cNvPr>
@@ -10463,7 +10935,7 @@
           <p:cNvPr id="2" name="Titel 1">
             <a:extLst>
               <a:ext uri="{FF2B5EF4-FFF2-40B4-BE49-F238E27FC236}">
-                <a16:creationId xmlns:a16="http://schemas.microsoft.com/office/drawing/2014/main" id="{7FC277E5-1D5D-4283-B920-19F1D547A3F7}"/>
+                <a16:creationId xmlns:a16="http://schemas.microsoft.com/office/drawing/2014/main" xmlns="" id="{7FC277E5-1D5D-4283-B920-19F1D547A3F7}"/>
               </a:ext>
             </a:extLst>
           </p:cNvPr>
@@ -10492,7 +10964,7 @@
           <p:cNvPr id="3" name="Tijdelijke aanduiding voor inhoud 2">
             <a:extLst>
               <a:ext uri="{FF2B5EF4-FFF2-40B4-BE49-F238E27FC236}">
-                <a16:creationId xmlns:a16="http://schemas.microsoft.com/office/drawing/2014/main" id="{527E0E7E-105D-4176-BEC0-5B015BA326EB}"/>
+                <a16:creationId xmlns:a16="http://schemas.microsoft.com/office/drawing/2014/main" xmlns="" id="{527E0E7E-105D-4176-BEC0-5B015BA326EB}"/>
               </a:ext>
             </a:extLst>
           </p:cNvPr>
@@ -10599,7 +11071,7 @@
           <p:cNvPr id="4" name="Tabel 3">
             <a:extLst>
               <a:ext uri="{FF2B5EF4-FFF2-40B4-BE49-F238E27FC236}">
-                <a16:creationId xmlns:a16="http://schemas.microsoft.com/office/drawing/2014/main" id="{0FD13CBE-4F7D-46E2-B993-ACBD1D630E82}"/>
+                <a16:creationId xmlns:a16="http://schemas.microsoft.com/office/drawing/2014/main" xmlns="" id="{0FD13CBE-4F7D-46E2-B993-ACBD1D630E82}"/>
               </a:ext>
             </a:extLst>
           </p:cNvPr>
@@ -10628,14 +11100,14 @@
                 <a:gridCol w="913257">
                   <a:extLst>
                     <a:ext uri="{9D8B030D-6E8A-4147-A177-3AD203B41FA5}">
-                      <a16:colId xmlns:a16="http://schemas.microsoft.com/office/drawing/2014/main" val="3142568548"/>
+                      <a16:colId xmlns:a16="http://schemas.microsoft.com/office/drawing/2014/main" xmlns="" val="3142568548"/>
                     </a:ext>
                   </a:extLst>
                 </a:gridCol>
                 <a:gridCol w="2934749">
                   <a:extLst>
                     <a:ext uri="{9D8B030D-6E8A-4147-A177-3AD203B41FA5}">
-                      <a16:colId xmlns:a16="http://schemas.microsoft.com/office/drawing/2014/main" val="1989319991"/>
+                      <a16:colId xmlns:a16="http://schemas.microsoft.com/office/drawing/2014/main" xmlns="" val="1989319991"/>
                     </a:ext>
                   </a:extLst>
                 </a:gridCol>
@@ -10666,7 +11138,7 @@
                 </a:tc>
                 <a:extLst>
                   <a:ext uri="{0D108BD9-81ED-4DB2-BD59-A6C34878D82A}">
-                    <a16:rowId xmlns:a16="http://schemas.microsoft.com/office/drawing/2014/main" val="4036009728"/>
+                    <a16:rowId xmlns:a16="http://schemas.microsoft.com/office/drawing/2014/main" xmlns="" val="4036009728"/>
                   </a:ext>
                 </a:extLst>
               </a:tr>
@@ -10704,7 +11176,7 @@
                 </a:tc>
                 <a:extLst>
                   <a:ext uri="{0D108BD9-81ED-4DB2-BD59-A6C34878D82A}">
-                    <a16:rowId xmlns:a16="http://schemas.microsoft.com/office/drawing/2014/main" val="3502407723"/>
+                    <a16:rowId xmlns:a16="http://schemas.microsoft.com/office/drawing/2014/main" xmlns="" val="3502407723"/>
                   </a:ext>
                 </a:extLst>
               </a:tr>
@@ -10745,7 +11217,7 @@
                 </a:tc>
                 <a:extLst>
                   <a:ext uri="{0D108BD9-81ED-4DB2-BD59-A6C34878D82A}">
-                    <a16:rowId xmlns:a16="http://schemas.microsoft.com/office/drawing/2014/main" val="2445320985"/>
+                    <a16:rowId xmlns:a16="http://schemas.microsoft.com/office/drawing/2014/main" xmlns="" val="2445320985"/>
                   </a:ext>
                 </a:extLst>
               </a:tr>
@@ -10758,7 +11230,7 @@
           <p:cNvPr id="5" name="Afbeelding 8" descr="Afbeelding met object&#10;&#10;Beschrijving is gegenereerd met hoge betrouwbaarheid">
             <a:extLst>
               <a:ext uri="{FF2B5EF4-FFF2-40B4-BE49-F238E27FC236}">
-                <a16:creationId xmlns:a16="http://schemas.microsoft.com/office/drawing/2014/main" id="{2F9C413B-8ACA-444C-94FA-83B067D3D39F}"/>
+                <a16:creationId xmlns:a16="http://schemas.microsoft.com/office/drawing/2014/main" xmlns="" id="{2F9C413B-8ACA-444C-94FA-83B067D3D39F}"/>
               </a:ext>
             </a:extLst>
           </p:cNvPr>
@@ -10818,7 +11290,7 @@
           <p:cNvPr id="2" name="Titel 1">
             <a:extLst>
               <a:ext uri="{FF2B5EF4-FFF2-40B4-BE49-F238E27FC236}">
-                <a16:creationId xmlns:a16="http://schemas.microsoft.com/office/drawing/2014/main" id="{26E58A15-EA5E-445A-8B70-DC03A2DC6561}"/>
+                <a16:creationId xmlns:a16="http://schemas.microsoft.com/office/drawing/2014/main" xmlns="" id="{26E58A15-EA5E-445A-8B70-DC03A2DC6561}"/>
               </a:ext>
             </a:extLst>
           </p:cNvPr>
@@ -10846,7 +11318,7 @@
           <p:cNvPr id="3" name="Tijdelijke aanduiding voor inhoud 2">
             <a:extLst>
               <a:ext uri="{FF2B5EF4-FFF2-40B4-BE49-F238E27FC236}">
-                <a16:creationId xmlns:a16="http://schemas.microsoft.com/office/drawing/2014/main" id="{E91C5ECE-4704-4B1F-B417-C44E843BB2EE}"/>
+                <a16:creationId xmlns:a16="http://schemas.microsoft.com/office/drawing/2014/main" xmlns="" id="{E91C5ECE-4704-4B1F-B417-C44E843BB2EE}"/>
               </a:ext>
             </a:extLst>
           </p:cNvPr>
@@ -10876,6 +11348,10 @@
               <a:rPr lang="nl-NL" dirty="0" err="1"/>
               <a:t>Greedy</a:t>
             </a:r>
+            <a:r>
+              <a:rPr lang="nl-NL" dirty="0"/>
+              <a:t/>
+            </a:r>
             <a:br>
               <a:rPr lang="nl-NL" dirty="0"/>
             </a:br>
@@ -10894,6 +11370,10 @@
               <a:rPr lang="nl-NL" dirty="0" err="1"/>
               <a:t>Climber</a:t>
             </a:r>
+            <a:r>
+              <a:rPr lang="nl-NL" dirty="0"/>
+              <a:t/>
+            </a:r>
             <a:br>
               <a:rPr lang="nl-NL" dirty="0"/>
             </a:br>
@@ -10919,6 +11399,10 @@
             <a:r>
               <a:rPr lang="nl-NL" dirty="0" err="1"/>
               <a:t>Annealing</a:t>
+            </a:r>
+            <a:r>
+              <a:rPr lang="nl-NL" dirty="0"/>
+              <a:t/>
             </a:r>
             <a:br>
               <a:rPr lang="nl-NL" dirty="0"/>
@@ -10998,7 +11482,7 @@
           <p:cNvPr id="2" name="Titel 1">
             <a:extLst>
               <a:ext uri="{FF2B5EF4-FFF2-40B4-BE49-F238E27FC236}">
-                <a16:creationId xmlns:a16="http://schemas.microsoft.com/office/drawing/2014/main" id="{C382FF57-6BF6-47CE-9F09-72968580E825}"/>
+                <a16:creationId xmlns:a16="http://schemas.microsoft.com/office/drawing/2014/main" xmlns="" id="{C382FF57-6BF6-47CE-9F09-72968580E825}"/>
               </a:ext>
             </a:extLst>
           </p:cNvPr>
@@ -11027,7 +11511,7 @@
           <p:cNvPr id="3" name="Tijdelijke aanduiding voor inhoud 2">
             <a:extLst>
               <a:ext uri="{FF2B5EF4-FFF2-40B4-BE49-F238E27FC236}">
-                <a16:creationId xmlns:a16="http://schemas.microsoft.com/office/drawing/2014/main" id="{C1C80F77-E0E3-40CB-A945-193ED8843F42}"/>
+                <a16:creationId xmlns:a16="http://schemas.microsoft.com/office/drawing/2014/main" xmlns="" id="{C1C80F77-E0E3-40CB-A945-193ED8843F42}"/>
               </a:ext>
             </a:extLst>
           </p:cNvPr>
@@ -11142,7 +11626,7 @@
           <p:cNvPr id="2" name="Titel 1">
             <a:extLst>
               <a:ext uri="{FF2B5EF4-FFF2-40B4-BE49-F238E27FC236}">
-                <a16:creationId xmlns:a16="http://schemas.microsoft.com/office/drawing/2014/main" id="{1268571F-3E48-4527-8741-EA16FFA45BD3}"/>
+                <a16:creationId xmlns:a16="http://schemas.microsoft.com/office/drawing/2014/main" xmlns="" id="{1268571F-3E48-4527-8741-EA16FFA45BD3}"/>
               </a:ext>
             </a:extLst>
           </p:cNvPr>
@@ -11175,7 +11659,7 @@
           <p:cNvPr id="3" name="Tijdelijke aanduiding voor inhoud 2">
             <a:extLst>
               <a:ext uri="{FF2B5EF4-FFF2-40B4-BE49-F238E27FC236}">
-                <a16:creationId xmlns:a16="http://schemas.microsoft.com/office/drawing/2014/main" id="{D86B50DD-9B6F-4F44-A535-C7AAA862D1A3}"/>
+                <a16:creationId xmlns:a16="http://schemas.microsoft.com/office/drawing/2014/main" xmlns="" id="{D86B50DD-9B6F-4F44-A535-C7AAA862D1A3}"/>
               </a:ext>
             </a:extLst>
           </p:cNvPr>
@@ -11290,7 +11774,7 @@
           <p:cNvPr id="2" name="Titel 1">
             <a:extLst>
               <a:ext uri="{FF2B5EF4-FFF2-40B4-BE49-F238E27FC236}">
-                <a16:creationId xmlns:a16="http://schemas.microsoft.com/office/drawing/2014/main" id="{8C339F53-7D31-4FEB-A85E-A84F2DEDC086}"/>
+                <a16:creationId xmlns:a16="http://schemas.microsoft.com/office/drawing/2014/main" xmlns="" id="{8C339F53-7D31-4FEB-A85E-A84F2DEDC086}"/>
               </a:ext>
             </a:extLst>
           </p:cNvPr>
@@ -11327,7 +11811,7 @@
           <p:cNvPr id="3" name="Tijdelijke aanduiding voor inhoud 2">
             <a:extLst>
               <a:ext uri="{FF2B5EF4-FFF2-40B4-BE49-F238E27FC236}">
-                <a16:creationId xmlns:a16="http://schemas.microsoft.com/office/drawing/2014/main" id="{D0D18E0F-8DE2-4A8C-9A4A-04DA21A69E92}"/>
+                <a16:creationId xmlns:a16="http://schemas.microsoft.com/office/drawing/2014/main" xmlns="" id="{D0D18E0F-8DE2-4A8C-9A4A-04DA21A69E92}"/>
               </a:ext>
             </a:extLst>
           </p:cNvPr>
@@ -11653,7 +12137,7 @@
   <a:extraClrSchemeLst/>
   <a:extLst>
     <a:ext uri="{05A4C25C-085E-4340-85A3-A5531E510DB2}">
-      <thm15:themeFamily xmlns:thm15="http://schemas.microsoft.com/office/thememl/2012/main" name="Retrospect" id="{5F128B03-DCCA-4EEB-AB3B-CF2899314A46}" vid="{9CC26709-368C-4D72-9060-94E5B3FF3CD6}"/>
+      <thm15:themeFamily xmlns:thm15="http://schemas.microsoft.com/office/thememl/2012/main" xmlns="" name="Retrospect" id="{5F128B03-DCCA-4EEB-AB3B-CF2899314A46}" vid="{9CC26709-368C-4D72-9060-94E5B3FF3CD6}"/>
     </a:ext>
   </a:extLst>
 </a:theme>
